--- a/Gestão do Projeto/ApresentacoesProjeto/ips_entregav2_Dez2023.pptx
+++ b/Gestão do Projeto/ApresentacoesProjeto/ips_entregav2_Dez2023.pptx
@@ -120,6 +120,2109 @@
     </p:ext>
   </p:extLst>
 </p:presentation>
+</file>
+
+<file path=ppt/charts/chart1.xml><?xml version="1.0" encoding="utf-8"?>
+<c:chartSpace xmlns:c="http://schemas.openxmlformats.org/drawingml/2006/chart" xmlns:a="http://schemas.openxmlformats.org/drawingml/2006/main" xmlns:r="http://schemas.openxmlformats.org/officeDocument/2006/relationships" xmlns:c16r2="http://schemas.microsoft.com/office/drawing/2015/06/chart">
+  <c:date1904 val="0"/>
+  <c:lang val="pt-BR"/>
+  <c:roundedCorners val="0"/>
+  <mc:AlternateContent xmlns:mc="http://schemas.openxmlformats.org/markup-compatibility/2006">
+    <mc:Choice xmlns:c14="http://schemas.microsoft.com/office/drawing/2007/8/2/chart" Requires="c14">
+      <c14:style val="102"/>
+    </mc:Choice>
+    <mc:Fallback>
+      <c:style val="2"/>
+    </mc:Fallback>
+  </mc:AlternateContent>
+  <c:chart>
+    <c:title>
+      <c:tx>
+        <c:rich>
+          <a:bodyPr rot="0" spcFirstLastPara="1" vertOverflow="ellipsis" vert="horz" wrap="square" anchor="ctr" anchorCtr="1"/>
+          <a:lstStyle/>
+          <a:p>
+            <a:pPr>
+              <a:defRPr sz="1400" b="0" i="0" u="none" strike="noStrike" kern="1200" spc="0" baseline="0">
+                <a:solidFill>
+                  <a:schemeClr val="tx1">
+                    <a:lumMod val="65000"/>
+                    <a:lumOff val="35000"/>
+                  </a:schemeClr>
+                </a:solidFill>
+                <a:latin typeface="+mn-lt"/>
+                <a:ea typeface="+mn-ea"/>
+                <a:cs typeface="+mn-cs"/>
+              </a:defRPr>
+            </a:pPr>
+            <a:r>
+              <a:rPr lang="en-US" b="1" dirty="0" err="1">
+                <a:solidFill>
+                  <a:schemeClr val="bg2">
+                    <a:lumMod val="10000"/>
+                  </a:schemeClr>
+                </a:solidFill>
+              </a:rPr>
+              <a:t>Cadastros</a:t>
+            </a:r>
+            <a:r>
+              <a:rPr lang="en-US" b="1" dirty="0">
+                <a:solidFill>
+                  <a:schemeClr val="bg2">
+                    <a:lumMod val="10000"/>
+                  </a:schemeClr>
+                </a:solidFill>
+              </a:rPr>
+              <a:t> </a:t>
+            </a:r>
+            <a:r>
+              <a:rPr lang="en-US" b="1" dirty="0" err="1">
+                <a:solidFill>
+                  <a:schemeClr val="bg2">
+                    <a:lumMod val="10000"/>
+                  </a:schemeClr>
+                </a:solidFill>
+              </a:rPr>
+              <a:t>realizados</a:t>
+            </a:r>
+            <a:r>
+              <a:rPr lang="en-US" b="1" dirty="0">
+                <a:solidFill>
+                  <a:schemeClr val="bg2">
+                    <a:lumMod val="10000"/>
+                  </a:schemeClr>
+                </a:solidFill>
+              </a:rPr>
+              <a:t> </a:t>
+            </a:r>
+            <a:r>
+              <a:rPr lang="en-US" b="1" dirty="0" err="1">
+                <a:solidFill>
+                  <a:schemeClr val="bg2">
+                    <a:lumMod val="10000"/>
+                  </a:schemeClr>
+                </a:solidFill>
+              </a:rPr>
+              <a:t>na</a:t>
+            </a:r>
+            <a:r>
+              <a:rPr lang="en-US" b="1" dirty="0">
+                <a:solidFill>
+                  <a:schemeClr val="bg2">
+                    <a:lumMod val="10000"/>
+                  </a:schemeClr>
+                </a:solidFill>
+              </a:rPr>
+              <a:t> OBM 2023</a:t>
+            </a:r>
+          </a:p>
+        </c:rich>
+      </c:tx>
+      <c:layout/>
+      <c:overlay val="0"/>
+      <c:spPr>
+        <a:noFill/>
+        <a:ln>
+          <a:noFill/>
+        </a:ln>
+        <a:effectLst/>
+      </c:spPr>
+      <c:txPr>
+        <a:bodyPr rot="0" spcFirstLastPara="1" vertOverflow="ellipsis" vert="horz" wrap="square" anchor="ctr" anchorCtr="1"/>
+        <a:lstStyle/>
+        <a:p>
+          <a:pPr>
+            <a:defRPr sz="1400" b="0" i="0" u="none" strike="noStrike" kern="1200" spc="0" baseline="0">
+              <a:solidFill>
+                <a:schemeClr val="tx1">
+                  <a:lumMod val="65000"/>
+                  <a:lumOff val="35000"/>
+                </a:schemeClr>
+              </a:solidFill>
+              <a:latin typeface="+mn-lt"/>
+              <a:ea typeface="+mn-ea"/>
+              <a:cs typeface="+mn-cs"/>
+            </a:defRPr>
+          </a:pPr>
+          <a:endParaRPr lang="pt-BR"/>
+        </a:p>
+      </c:txPr>
+    </c:title>
+    <c:autoTitleDeleted val="0"/>
+    <c:plotArea>
+      <c:layout/>
+      <c:barChart>
+        <c:barDir val="col"/>
+        <c:grouping val="clustered"/>
+        <c:varyColors val="0"/>
+        <c:ser>
+          <c:idx val="0"/>
+          <c:order val="0"/>
+          <c:tx>
+            <c:strRef>
+              <c:f>[Apresentação_gráficos.xlsx]Planilha3!$B$1</c:f>
+              <c:strCache>
+                <c:ptCount val="1"/>
+                <c:pt idx="0">
+                  <c:v>HSL</c:v>
+                </c:pt>
+              </c:strCache>
+            </c:strRef>
+          </c:tx>
+          <c:spPr>
+            <a:solidFill>
+              <a:schemeClr val="accent1"/>
+            </a:solidFill>
+            <a:ln>
+              <a:noFill/>
+            </a:ln>
+            <a:effectLst/>
+          </c:spPr>
+          <c:invertIfNegative val="0"/>
+          <c:cat>
+            <c:strRef>
+              <c:f>[Apresentação_gráficos.xlsx]Planilha3!$A$2:$A$8</c:f>
+              <c:strCache>
+                <c:ptCount val="7"/>
+                <c:pt idx="0">
+                  <c:v>Junho </c:v>
+                </c:pt>
+                <c:pt idx="1">
+                  <c:v>Julho</c:v>
+                </c:pt>
+                <c:pt idx="2">
+                  <c:v>Agosto</c:v>
+                </c:pt>
+                <c:pt idx="3">
+                  <c:v>Setembro</c:v>
+                </c:pt>
+                <c:pt idx="4">
+                  <c:v>Outubro</c:v>
+                </c:pt>
+                <c:pt idx="5">
+                  <c:v>Novembro</c:v>
+                </c:pt>
+                <c:pt idx="6">
+                  <c:v>Dezembro</c:v>
+                </c:pt>
+              </c:strCache>
+            </c:strRef>
+          </c:cat>
+          <c:val>
+            <c:numRef>
+              <c:f>[Apresentação_gráficos.xlsx]Planilha3!$B$2:$B$8</c:f>
+              <c:numCache>
+                <c:formatCode>General</c:formatCode>
+                <c:ptCount val="7"/>
+                <c:pt idx="0">
+                  <c:v>121</c:v>
+                </c:pt>
+                <c:pt idx="1">
+                  <c:v>1785</c:v>
+                </c:pt>
+                <c:pt idx="2">
+                  <c:v>2438</c:v>
+                </c:pt>
+                <c:pt idx="3">
+                  <c:v>2560</c:v>
+                </c:pt>
+                <c:pt idx="4">
+                  <c:v>2666</c:v>
+                </c:pt>
+                <c:pt idx="5">
+                  <c:v>4761</c:v>
+                </c:pt>
+                <c:pt idx="6">
+                  <c:v>2649</c:v>
+                </c:pt>
+              </c:numCache>
+            </c:numRef>
+          </c:val>
+          <c:extLst>
+            <c:ext xmlns:c16="http://schemas.microsoft.com/office/drawing/2014/chart" uri="{C3380CC4-5D6E-409C-BE32-E72D297353CC}">
+              <c16:uniqueId val="{00000000-D190-4BA0-857B-7D2D3892E57B}"/>
+            </c:ext>
+          </c:extLst>
+        </c:ser>
+        <c:ser>
+          <c:idx val="1"/>
+          <c:order val="1"/>
+          <c:tx>
+            <c:strRef>
+              <c:f>[Apresentação_gráficos.xlsx]Planilha3!$C$1</c:f>
+              <c:strCache>
+                <c:ptCount val="1"/>
+                <c:pt idx="0">
+                  <c:v>MS</c:v>
+                </c:pt>
+              </c:strCache>
+            </c:strRef>
+          </c:tx>
+          <c:spPr>
+            <a:solidFill>
+              <a:srgbClr val="FFC000"/>
+            </a:solidFill>
+            <a:ln>
+              <a:noFill/>
+            </a:ln>
+            <a:effectLst/>
+          </c:spPr>
+          <c:invertIfNegative val="0"/>
+          <c:cat>
+            <c:strRef>
+              <c:f>[Apresentação_gráficos.xlsx]Planilha3!$A$2:$A$8</c:f>
+              <c:strCache>
+                <c:ptCount val="7"/>
+                <c:pt idx="0">
+                  <c:v>Junho </c:v>
+                </c:pt>
+                <c:pt idx="1">
+                  <c:v>Julho</c:v>
+                </c:pt>
+                <c:pt idx="2">
+                  <c:v>Agosto</c:v>
+                </c:pt>
+                <c:pt idx="3">
+                  <c:v>Setembro</c:v>
+                </c:pt>
+                <c:pt idx="4">
+                  <c:v>Outubro</c:v>
+                </c:pt>
+                <c:pt idx="5">
+                  <c:v>Novembro</c:v>
+                </c:pt>
+                <c:pt idx="6">
+                  <c:v>Dezembro</c:v>
+                </c:pt>
+              </c:strCache>
+            </c:strRef>
+          </c:cat>
+          <c:val>
+            <c:numRef>
+              <c:f>[Apresentação_gráficos.xlsx]Planilha3!$C$2:$C$8</c:f>
+              <c:numCache>
+                <c:formatCode>General</c:formatCode>
+                <c:ptCount val="7"/>
+                <c:pt idx="5">
+                  <c:v>2865</c:v>
+                </c:pt>
+                <c:pt idx="6">
+                  <c:v>438</c:v>
+                </c:pt>
+              </c:numCache>
+            </c:numRef>
+          </c:val>
+          <c:extLst>
+            <c:ext xmlns:c16="http://schemas.microsoft.com/office/drawing/2014/chart" uri="{C3380CC4-5D6E-409C-BE32-E72D297353CC}">
+              <c16:uniqueId val="{00000001-D190-4BA0-857B-7D2D3892E57B}"/>
+            </c:ext>
+          </c:extLst>
+        </c:ser>
+        <c:dLbls>
+          <c:showLegendKey val="0"/>
+          <c:showVal val="0"/>
+          <c:showCatName val="0"/>
+          <c:showSerName val="0"/>
+          <c:showPercent val="0"/>
+          <c:showBubbleSize val="0"/>
+        </c:dLbls>
+        <c:gapWidth val="219"/>
+        <c:overlap val="-27"/>
+        <c:axId val="443134767"/>
+        <c:axId val="443142671"/>
+      </c:barChart>
+      <c:catAx>
+        <c:axId val="443134767"/>
+        <c:scaling>
+          <c:orientation val="minMax"/>
+        </c:scaling>
+        <c:delete val="0"/>
+        <c:axPos val="b"/>
+        <c:numFmt formatCode="General" sourceLinked="1"/>
+        <c:majorTickMark val="none"/>
+        <c:minorTickMark val="none"/>
+        <c:tickLblPos val="nextTo"/>
+        <c:spPr>
+          <a:noFill/>
+          <a:ln w="9525" cap="flat" cmpd="sng" algn="ctr">
+            <a:solidFill>
+              <a:schemeClr val="tx1">
+                <a:lumMod val="15000"/>
+                <a:lumOff val="85000"/>
+              </a:schemeClr>
+            </a:solidFill>
+            <a:round/>
+          </a:ln>
+          <a:effectLst/>
+        </c:spPr>
+        <c:txPr>
+          <a:bodyPr rot="-60000000" spcFirstLastPara="1" vertOverflow="ellipsis" vert="horz" wrap="square" anchor="ctr" anchorCtr="1"/>
+          <a:lstStyle/>
+          <a:p>
+            <a:pPr>
+              <a:defRPr sz="900" b="0" i="0" u="none" strike="noStrike" kern="1200" baseline="0">
+                <a:solidFill>
+                  <a:schemeClr val="tx1">
+                    <a:lumMod val="65000"/>
+                    <a:lumOff val="35000"/>
+                  </a:schemeClr>
+                </a:solidFill>
+                <a:latin typeface="+mn-lt"/>
+                <a:ea typeface="+mn-ea"/>
+                <a:cs typeface="+mn-cs"/>
+              </a:defRPr>
+            </a:pPr>
+            <a:endParaRPr lang="pt-BR"/>
+          </a:p>
+        </c:txPr>
+        <c:crossAx val="443142671"/>
+        <c:crosses val="autoZero"/>
+        <c:auto val="1"/>
+        <c:lblAlgn val="ctr"/>
+        <c:lblOffset val="100"/>
+        <c:noMultiLvlLbl val="0"/>
+      </c:catAx>
+      <c:valAx>
+        <c:axId val="443142671"/>
+        <c:scaling>
+          <c:orientation val="minMax"/>
+        </c:scaling>
+        <c:delete val="0"/>
+        <c:axPos val="l"/>
+        <c:majorGridlines>
+          <c:spPr>
+            <a:ln w="9525" cap="flat" cmpd="sng" algn="ctr">
+              <a:solidFill>
+                <a:schemeClr val="tx1">
+                  <a:lumMod val="15000"/>
+                  <a:lumOff val="85000"/>
+                </a:schemeClr>
+              </a:solidFill>
+              <a:round/>
+            </a:ln>
+            <a:effectLst/>
+          </c:spPr>
+        </c:majorGridlines>
+        <c:numFmt formatCode="General" sourceLinked="1"/>
+        <c:majorTickMark val="none"/>
+        <c:minorTickMark val="none"/>
+        <c:tickLblPos val="nextTo"/>
+        <c:spPr>
+          <a:noFill/>
+          <a:ln>
+            <a:noFill/>
+          </a:ln>
+          <a:effectLst/>
+        </c:spPr>
+        <c:txPr>
+          <a:bodyPr rot="-60000000" spcFirstLastPara="1" vertOverflow="ellipsis" vert="horz" wrap="square" anchor="ctr" anchorCtr="1"/>
+          <a:lstStyle/>
+          <a:p>
+            <a:pPr>
+              <a:defRPr sz="900" b="0" i="0" u="none" strike="noStrike" kern="1200" baseline="0">
+                <a:solidFill>
+                  <a:schemeClr val="tx1">
+                    <a:lumMod val="65000"/>
+                    <a:lumOff val="35000"/>
+                  </a:schemeClr>
+                </a:solidFill>
+                <a:latin typeface="+mn-lt"/>
+                <a:ea typeface="+mn-ea"/>
+                <a:cs typeface="+mn-cs"/>
+              </a:defRPr>
+            </a:pPr>
+            <a:endParaRPr lang="pt-BR"/>
+          </a:p>
+        </c:txPr>
+        <c:crossAx val="443134767"/>
+        <c:crosses val="autoZero"/>
+        <c:crossBetween val="between"/>
+      </c:valAx>
+      <c:spPr>
+        <a:noFill/>
+        <a:ln>
+          <a:noFill/>
+        </a:ln>
+        <a:effectLst/>
+      </c:spPr>
+    </c:plotArea>
+    <c:legend>
+      <c:legendPos val="b"/>
+      <c:layout/>
+      <c:overlay val="0"/>
+      <c:spPr>
+        <a:noFill/>
+        <a:ln>
+          <a:noFill/>
+        </a:ln>
+        <a:effectLst/>
+      </c:spPr>
+      <c:txPr>
+        <a:bodyPr rot="0" spcFirstLastPara="1" vertOverflow="ellipsis" vert="horz" wrap="square" anchor="ctr" anchorCtr="1"/>
+        <a:lstStyle/>
+        <a:p>
+          <a:pPr>
+            <a:defRPr sz="900" b="0" i="0" u="none" strike="noStrike" kern="1200" baseline="0">
+              <a:solidFill>
+                <a:schemeClr val="tx1">
+                  <a:lumMod val="65000"/>
+                  <a:lumOff val="35000"/>
+                </a:schemeClr>
+              </a:solidFill>
+              <a:latin typeface="+mn-lt"/>
+              <a:ea typeface="+mn-ea"/>
+              <a:cs typeface="+mn-cs"/>
+            </a:defRPr>
+          </a:pPr>
+          <a:endParaRPr lang="pt-BR"/>
+        </a:p>
+      </c:txPr>
+    </c:legend>
+    <c:plotVisOnly val="1"/>
+    <c:dispBlanksAs val="gap"/>
+    <c:showDLblsOverMax val="0"/>
+  </c:chart>
+  <c:spPr>
+    <a:noFill/>
+    <a:ln>
+      <a:noFill/>
+    </a:ln>
+    <a:effectLst/>
+  </c:spPr>
+  <c:txPr>
+    <a:bodyPr/>
+    <a:lstStyle/>
+    <a:p>
+      <a:pPr>
+        <a:defRPr/>
+      </a:pPr>
+      <a:endParaRPr lang="pt-BR"/>
+    </a:p>
+  </c:txPr>
+  <c:externalData r:id="rId3">
+    <c:autoUpdate val="0"/>
+  </c:externalData>
+</c:chartSpace>
+</file>
+
+<file path=ppt/charts/chart2.xml><?xml version="1.0" encoding="utf-8"?>
+<c:chartSpace xmlns:c="http://schemas.openxmlformats.org/drawingml/2006/chart" xmlns:a="http://schemas.openxmlformats.org/drawingml/2006/main" xmlns:r="http://schemas.openxmlformats.org/officeDocument/2006/relationships" xmlns:c16r2="http://schemas.microsoft.com/office/drawing/2015/06/chart">
+  <c:date1904 val="0"/>
+  <c:lang val="pt-BR"/>
+  <c:roundedCorners val="0"/>
+  <mc:AlternateContent xmlns:mc="http://schemas.openxmlformats.org/markup-compatibility/2006">
+    <mc:Choice xmlns:c14="http://schemas.microsoft.com/office/drawing/2007/8/2/chart" Requires="c14">
+      <c14:style val="102"/>
+    </mc:Choice>
+    <mc:Fallback>
+      <c:style val="2"/>
+    </mc:Fallback>
+  </mc:AlternateContent>
+  <c:chart>
+    <c:title>
+      <c:tx>
+        <c:rich>
+          <a:bodyPr rot="0" spcFirstLastPara="1" vertOverflow="ellipsis" vert="horz" wrap="square" anchor="ctr" anchorCtr="1"/>
+          <a:lstStyle/>
+          <a:p>
+            <a:pPr>
+              <a:defRPr sz="1400" b="0" i="0" u="none" strike="noStrike" kern="1200" spc="0" baseline="0">
+                <a:solidFill>
+                  <a:schemeClr val="tx1">
+                    <a:lumMod val="65000"/>
+                    <a:lumOff val="35000"/>
+                  </a:schemeClr>
+                </a:solidFill>
+                <a:latin typeface="+mn-lt"/>
+                <a:ea typeface="+mn-ea"/>
+                <a:cs typeface="+mn-cs"/>
+              </a:defRPr>
+            </a:pPr>
+            <a:r>
+              <a:rPr lang="en-US" b="1" dirty="0" err="1">
+                <a:solidFill>
+                  <a:schemeClr val="bg2">
+                    <a:lumMod val="10000"/>
+                  </a:schemeClr>
+                </a:solidFill>
+              </a:rPr>
+              <a:t>Cadastros</a:t>
+            </a:r>
+            <a:r>
+              <a:rPr lang="en-US" b="1" dirty="0">
+                <a:solidFill>
+                  <a:schemeClr val="bg2">
+                    <a:lumMod val="10000"/>
+                  </a:schemeClr>
+                </a:solidFill>
+              </a:rPr>
+              <a:t> </a:t>
+            </a:r>
+            <a:r>
+              <a:rPr lang="en-US" b="1" dirty="0" err="1">
+                <a:solidFill>
+                  <a:schemeClr val="bg2">
+                    <a:lumMod val="10000"/>
+                  </a:schemeClr>
+                </a:solidFill>
+              </a:rPr>
+              <a:t>na</a:t>
+            </a:r>
+            <a:r>
+              <a:rPr lang="en-US" b="1" dirty="0">
+                <a:solidFill>
+                  <a:schemeClr val="bg2">
+                    <a:lumMod val="10000"/>
+                  </a:schemeClr>
+                </a:solidFill>
+              </a:rPr>
+              <a:t> OBM 2023</a:t>
+            </a:r>
+          </a:p>
+        </c:rich>
+      </c:tx>
+      <c:layout/>
+      <c:overlay val="0"/>
+      <c:spPr>
+        <a:noFill/>
+        <a:ln>
+          <a:noFill/>
+        </a:ln>
+        <a:effectLst/>
+      </c:spPr>
+      <c:txPr>
+        <a:bodyPr rot="0" spcFirstLastPara="1" vertOverflow="ellipsis" vert="horz" wrap="square" anchor="ctr" anchorCtr="1"/>
+        <a:lstStyle/>
+        <a:p>
+          <a:pPr>
+            <a:defRPr sz="1400" b="0" i="0" u="none" strike="noStrike" kern="1200" spc="0" baseline="0">
+              <a:solidFill>
+                <a:schemeClr val="tx1">
+                  <a:lumMod val="65000"/>
+                  <a:lumOff val="35000"/>
+                </a:schemeClr>
+              </a:solidFill>
+              <a:latin typeface="+mn-lt"/>
+              <a:ea typeface="+mn-ea"/>
+              <a:cs typeface="+mn-cs"/>
+            </a:defRPr>
+          </a:pPr>
+          <a:endParaRPr lang="pt-BR"/>
+        </a:p>
+      </c:txPr>
+    </c:title>
+    <c:autoTitleDeleted val="0"/>
+    <c:plotArea>
+      <c:layout/>
+      <c:barChart>
+        <c:barDir val="col"/>
+        <c:grouping val="clustered"/>
+        <c:varyColors val="0"/>
+        <c:ser>
+          <c:idx val="0"/>
+          <c:order val="0"/>
+          <c:tx>
+            <c:strRef>
+              <c:f>[Apresentação_gráficos.xlsx]Planilha3!$B$1</c:f>
+              <c:strCache>
+                <c:ptCount val="1"/>
+                <c:pt idx="0">
+                  <c:v>HSL</c:v>
+                </c:pt>
+              </c:strCache>
+            </c:strRef>
+          </c:tx>
+          <c:spPr>
+            <a:solidFill>
+              <a:schemeClr val="accent1"/>
+            </a:solidFill>
+            <a:ln>
+              <a:noFill/>
+            </a:ln>
+            <a:effectLst/>
+          </c:spPr>
+          <c:invertIfNegative val="0"/>
+          <c:cat>
+            <c:strRef>
+              <c:f>[Apresentação_gráficos.xlsx]Planilha3!$A$2:$A$8</c:f>
+              <c:strCache>
+                <c:ptCount val="7"/>
+                <c:pt idx="0">
+                  <c:v>Junho </c:v>
+                </c:pt>
+                <c:pt idx="1">
+                  <c:v>Julho</c:v>
+                </c:pt>
+                <c:pt idx="2">
+                  <c:v>Agosto</c:v>
+                </c:pt>
+                <c:pt idx="3">
+                  <c:v>Setembro</c:v>
+                </c:pt>
+                <c:pt idx="4">
+                  <c:v>Outubro</c:v>
+                </c:pt>
+                <c:pt idx="5">
+                  <c:v>Novembro</c:v>
+                </c:pt>
+                <c:pt idx="6">
+                  <c:v>Dezembro</c:v>
+                </c:pt>
+              </c:strCache>
+            </c:strRef>
+          </c:cat>
+          <c:val>
+            <c:numRef>
+              <c:f>[Apresentação_gráficos.xlsx]Planilha3!$B$2:$B$8</c:f>
+              <c:numCache>
+                <c:formatCode>General</c:formatCode>
+                <c:ptCount val="7"/>
+                <c:pt idx="0">
+                  <c:v>121</c:v>
+                </c:pt>
+                <c:pt idx="1">
+                  <c:v>1785</c:v>
+                </c:pt>
+                <c:pt idx="2">
+                  <c:v>2438</c:v>
+                </c:pt>
+                <c:pt idx="3">
+                  <c:v>2560</c:v>
+                </c:pt>
+                <c:pt idx="4">
+                  <c:v>2666</c:v>
+                </c:pt>
+                <c:pt idx="5">
+                  <c:v>4761</c:v>
+                </c:pt>
+                <c:pt idx="6">
+                  <c:v>2649</c:v>
+                </c:pt>
+              </c:numCache>
+            </c:numRef>
+          </c:val>
+          <c:extLst>
+            <c:ext xmlns:c16="http://schemas.microsoft.com/office/drawing/2014/chart" uri="{C3380CC4-5D6E-409C-BE32-E72D297353CC}">
+              <c16:uniqueId val="{00000000-1189-465D-9F12-10B1DC4B5080}"/>
+            </c:ext>
+          </c:extLst>
+        </c:ser>
+        <c:ser>
+          <c:idx val="1"/>
+          <c:order val="1"/>
+          <c:tx>
+            <c:strRef>
+              <c:f>[Apresentação_gráficos.xlsx]Planilha3!$C$1</c:f>
+              <c:strCache>
+                <c:ptCount val="1"/>
+                <c:pt idx="0">
+                  <c:v>MS</c:v>
+                </c:pt>
+              </c:strCache>
+            </c:strRef>
+          </c:tx>
+          <c:spPr>
+            <a:solidFill>
+              <a:srgbClr val="FFC000"/>
+            </a:solidFill>
+            <a:ln>
+              <a:noFill/>
+            </a:ln>
+            <a:effectLst/>
+          </c:spPr>
+          <c:invertIfNegative val="0"/>
+          <c:cat>
+            <c:strRef>
+              <c:f>[Apresentação_gráficos.xlsx]Planilha3!$A$2:$A$8</c:f>
+              <c:strCache>
+                <c:ptCount val="7"/>
+                <c:pt idx="0">
+                  <c:v>Junho </c:v>
+                </c:pt>
+                <c:pt idx="1">
+                  <c:v>Julho</c:v>
+                </c:pt>
+                <c:pt idx="2">
+                  <c:v>Agosto</c:v>
+                </c:pt>
+                <c:pt idx="3">
+                  <c:v>Setembro</c:v>
+                </c:pt>
+                <c:pt idx="4">
+                  <c:v>Outubro</c:v>
+                </c:pt>
+                <c:pt idx="5">
+                  <c:v>Novembro</c:v>
+                </c:pt>
+                <c:pt idx="6">
+                  <c:v>Dezembro</c:v>
+                </c:pt>
+              </c:strCache>
+            </c:strRef>
+          </c:cat>
+          <c:val>
+            <c:numRef>
+              <c:f>[Apresentação_gráficos.xlsx]Planilha3!$C$2:$C$8</c:f>
+              <c:numCache>
+                <c:formatCode>General</c:formatCode>
+                <c:ptCount val="7"/>
+                <c:pt idx="5">
+                  <c:v>2865</c:v>
+                </c:pt>
+                <c:pt idx="6">
+                  <c:v>438</c:v>
+                </c:pt>
+              </c:numCache>
+            </c:numRef>
+          </c:val>
+          <c:extLst>
+            <c:ext xmlns:c16="http://schemas.microsoft.com/office/drawing/2014/chart" uri="{C3380CC4-5D6E-409C-BE32-E72D297353CC}">
+              <c16:uniqueId val="{00000001-1189-465D-9F12-10B1DC4B5080}"/>
+            </c:ext>
+          </c:extLst>
+        </c:ser>
+        <c:ser>
+          <c:idx val="2"/>
+          <c:order val="2"/>
+          <c:tx>
+            <c:strRef>
+              <c:f>[Apresentação_gráficos.xlsx]Planilha3!$D$1</c:f>
+              <c:strCache>
+                <c:ptCount val="1"/>
+                <c:pt idx="0">
+                  <c:v>Pendentes</c:v>
+                </c:pt>
+              </c:strCache>
+            </c:strRef>
+          </c:tx>
+          <c:spPr>
+            <a:solidFill>
+              <a:srgbClr val="7030A0"/>
+            </a:solidFill>
+            <a:ln>
+              <a:noFill/>
+            </a:ln>
+            <a:effectLst/>
+          </c:spPr>
+          <c:invertIfNegative val="0"/>
+          <c:cat>
+            <c:strRef>
+              <c:f>[Apresentação_gráficos.xlsx]Planilha3!$A$2:$A$8</c:f>
+              <c:strCache>
+                <c:ptCount val="7"/>
+                <c:pt idx="0">
+                  <c:v>Junho </c:v>
+                </c:pt>
+                <c:pt idx="1">
+                  <c:v>Julho</c:v>
+                </c:pt>
+                <c:pt idx="2">
+                  <c:v>Agosto</c:v>
+                </c:pt>
+                <c:pt idx="3">
+                  <c:v>Setembro</c:v>
+                </c:pt>
+                <c:pt idx="4">
+                  <c:v>Outubro</c:v>
+                </c:pt>
+                <c:pt idx="5">
+                  <c:v>Novembro</c:v>
+                </c:pt>
+                <c:pt idx="6">
+                  <c:v>Dezembro</c:v>
+                </c:pt>
+              </c:strCache>
+            </c:strRef>
+          </c:cat>
+          <c:val>
+            <c:numRef>
+              <c:f>[Apresentação_gráficos.xlsx]Planilha3!$D$2:$D$8</c:f>
+              <c:numCache>
+                <c:formatCode>General</c:formatCode>
+                <c:ptCount val="7"/>
+                <c:pt idx="6">
+                  <c:v>7095</c:v>
+                </c:pt>
+              </c:numCache>
+            </c:numRef>
+          </c:val>
+          <c:extLst>
+            <c:ext xmlns:c16="http://schemas.microsoft.com/office/drawing/2014/chart" uri="{C3380CC4-5D6E-409C-BE32-E72D297353CC}">
+              <c16:uniqueId val="{00000002-1189-465D-9F12-10B1DC4B5080}"/>
+            </c:ext>
+          </c:extLst>
+        </c:ser>
+        <c:dLbls>
+          <c:showLegendKey val="0"/>
+          <c:showVal val="0"/>
+          <c:showCatName val="0"/>
+          <c:showSerName val="0"/>
+          <c:showPercent val="0"/>
+          <c:showBubbleSize val="0"/>
+        </c:dLbls>
+        <c:gapWidth val="219"/>
+        <c:overlap val="-27"/>
+        <c:axId val="443145999"/>
+        <c:axId val="443146415"/>
+      </c:barChart>
+      <c:catAx>
+        <c:axId val="443145999"/>
+        <c:scaling>
+          <c:orientation val="minMax"/>
+        </c:scaling>
+        <c:delete val="0"/>
+        <c:axPos val="b"/>
+        <c:numFmt formatCode="General" sourceLinked="1"/>
+        <c:majorTickMark val="none"/>
+        <c:minorTickMark val="none"/>
+        <c:tickLblPos val="nextTo"/>
+        <c:spPr>
+          <a:noFill/>
+          <a:ln w="9525" cap="flat" cmpd="sng" algn="ctr">
+            <a:solidFill>
+              <a:schemeClr val="tx1">
+                <a:lumMod val="15000"/>
+                <a:lumOff val="85000"/>
+              </a:schemeClr>
+            </a:solidFill>
+            <a:round/>
+          </a:ln>
+          <a:effectLst/>
+        </c:spPr>
+        <c:txPr>
+          <a:bodyPr rot="-60000000" spcFirstLastPara="1" vertOverflow="ellipsis" vert="horz" wrap="square" anchor="ctr" anchorCtr="1"/>
+          <a:lstStyle/>
+          <a:p>
+            <a:pPr>
+              <a:defRPr sz="900" b="0" i="0" u="none" strike="noStrike" kern="1200" baseline="0">
+                <a:solidFill>
+                  <a:schemeClr val="tx1">
+                    <a:lumMod val="65000"/>
+                    <a:lumOff val="35000"/>
+                  </a:schemeClr>
+                </a:solidFill>
+                <a:latin typeface="+mn-lt"/>
+                <a:ea typeface="+mn-ea"/>
+                <a:cs typeface="+mn-cs"/>
+              </a:defRPr>
+            </a:pPr>
+            <a:endParaRPr lang="pt-BR"/>
+          </a:p>
+        </c:txPr>
+        <c:crossAx val="443146415"/>
+        <c:crosses val="autoZero"/>
+        <c:auto val="1"/>
+        <c:lblAlgn val="ctr"/>
+        <c:lblOffset val="100"/>
+        <c:noMultiLvlLbl val="0"/>
+      </c:catAx>
+      <c:valAx>
+        <c:axId val="443146415"/>
+        <c:scaling>
+          <c:orientation val="minMax"/>
+        </c:scaling>
+        <c:delete val="0"/>
+        <c:axPos val="l"/>
+        <c:majorGridlines>
+          <c:spPr>
+            <a:ln w="9525" cap="flat" cmpd="sng" algn="ctr">
+              <a:solidFill>
+                <a:schemeClr val="tx1">
+                  <a:lumMod val="15000"/>
+                  <a:lumOff val="85000"/>
+                </a:schemeClr>
+              </a:solidFill>
+              <a:round/>
+            </a:ln>
+            <a:effectLst/>
+          </c:spPr>
+        </c:majorGridlines>
+        <c:numFmt formatCode="General" sourceLinked="1"/>
+        <c:majorTickMark val="none"/>
+        <c:minorTickMark val="none"/>
+        <c:tickLblPos val="nextTo"/>
+        <c:spPr>
+          <a:noFill/>
+          <a:ln>
+            <a:noFill/>
+          </a:ln>
+          <a:effectLst/>
+        </c:spPr>
+        <c:txPr>
+          <a:bodyPr rot="-60000000" spcFirstLastPara="1" vertOverflow="ellipsis" vert="horz" wrap="square" anchor="ctr" anchorCtr="1"/>
+          <a:lstStyle/>
+          <a:p>
+            <a:pPr>
+              <a:defRPr sz="900" b="0" i="0" u="none" strike="noStrike" kern="1200" baseline="0">
+                <a:solidFill>
+                  <a:schemeClr val="tx1">
+                    <a:lumMod val="65000"/>
+                    <a:lumOff val="35000"/>
+                  </a:schemeClr>
+                </a:solidFill>
+                <a:latin typeface="+mn-lt"/>
+                <a:ea typeface="+mn-ea"/>
+                <a:cs typeface="+mn-cs"/>
+              </a:defRPr>
+            </a:pPr>
+            <a:endParaRPr lang="pt-BR"/>
+          </a:p>
+        </c:txPr>
+        <c:crossAx val="443145999"/>
+        <c:crosses val="autoZero"/>
+        <c:crossBetween val="between"/>
+      </c:valAx>
+      <c:spPr>
+        <a:noFill/>
+        <a:ln>
+          <a:noFill/>
+        </a:ln>
+        <a:effectLst/>
+      </c:spPr>
+    </c:plotArea>
+    <c:legend>
+      <c:legendPos val="b"/>
+      <c:layout/>
+      <c:overlay val="0"/>
+      <c:spPr>
+        <a:noFill/>
+        <a:ln>
+          <a:noFill/>
+        </a:ln>
+        <a:effectLst/>
+      </c:spPr>
+      <c:txPr>
+        <a:bodyPr rot="0" spcFirstLastPara="1" vertOverflow="ellipsis" vert="horz" wrap="square" anchor="ctr" anchorCtr="1"/>
+        <a:lstStyle/>
+        <a:p>
+          <a:pPr>
+            <a:defRPr sz="900" b="0" i="0" u="none" strike="noStrike" kern="1200" baseline="0">
+              <a:solidFill>
+                <a:schemeClr val="tx1">
+                  <a:lumMod val="65000"/>
+                  <a:lumOff val="35000"/>
+                </a:schemeClr>
+              </a:solidFill>
+              <a:latin typeface="+mn-lt"/>
+              <a:ea typeface="+mn-ea"/>
+              <a:cs typeface="+mn-cs"/>
+            </a:defRPr>
+          </a:pPr>
+          <a:endParaRPr lang="pt-BR"/>
+        </a:p>
+      </c:txPr>
+    </c:legend>
+    <c:plotVisOnly val="1"/>
+    <c:dispBlanksAs val="gap"/>
+    <c:showDLblsOverMax val="0"/>
+  </c:chart>
+  <c:spPr>
+    <a:noFill/>
+    <a:ln>
+      <a:noFill/>
+    </a:ln>
+    <a:effectLst/>
+  </c:spPr>
+  <c:txPr>
+    <a:bodyPr/>
+    <a:lstStyle/>
+    <a:p>
+      <a:pPr>
+        <a:defRPr/>
+      </a:pPr>
+      <a:endParaRPr lang="pt-BR"/>
+    </a:p>
+  </c:txPr>
+  <c:externalData r:id="rId3">
+    <c:autoUpdate val="0"/>
+  </c:externalData>
+</c:chartSpace>
+</file>
+
+<file path=ppt/charts/colors1.xml><?xml version="1.0" encoding="utf-8"?>
+<cs:colorStyle xmlns:cs="http://schemas.microsoft.com/office/drawing/2012/chartStyle" xmlns:a="http://schemas.openxmlformats.org/drawingml/2006/main" meth="cycle" id="10">
+  <a:schemeClr val="accent1"/>
+  <a:schemeClr val="accent2"/>
+  <a:schemeClr val="accent3"/>
+  <a:schemeClr val="accent4"/>
+  <a:schemeClr val="accent5"/>
+  <a:schemeClr val="accent6"/>
+  <cs:variation/>
+  <cs:variation>
+    <a:lumMod val="60000"/>
+  </cs:variation>
+  <cs:variation>
+    <a:lumMod val="80000"/>
+    <a:lumOff val="20000"/>
+  </cs:variation>
+  <cs:variation>
+    <a:lumMod val="80000"/>
+  </cs:variation>
+  <cs:variation>
+    <a:lumMod val="60000"/>
+    <a:lumOff val="40000"/>
+  </cs:variation>
+  <cs:variation>
+    <a:lumMod val="50000"/>
+  </cs:variation>
+  <cs:variation>
+    <a:lumMod val="70000"/>
+    <a:lumOff val="30000"/>
+  </cs:variation>
+  <cs:variation>
+    <a:lumMod val="70000"/>
+  </cs:variation>
+  <cs:variation>
+    <a:lumMod val="50000"/>
+    <a:lumOff val="50000"/>
+  </cs:variation>
+</cs:colorStyle>
+</file>
+
+<file path=ppt/charts/colors2.xml><?xml version="1.0" encoding="utf-8"?>
+<cs:colorStyle xmlns:cs="http://schemas.microsoft.com/office/drawing/2012/chartStyle" xmlns:a="http://schemas.openxmlformats.org/drawingml/2006/main" meth="cycle" id="10">
+  <a:schemeClr val="accent1"/>
+  <a:schemeClr val="accent2"/>
+  <a:schemeClr val="accent3"/>
+  <a:schemeClr val="accent4"/>
+  <a:schemeClr val="accent5"/>
+  <a:schemeClr val="accent6"/>
+  <cs:variation/>
+  <cs:variation>
+    <a:lumMod val="60000"/>
+  </cs:variation>
+  <cs:variation>
+    <a:lumMod val="80000"/>
+    <a:lumOff val="20000"/>
+  </cs:variation>
+  <cs:variation>
+    <a:lumMod val="80000"/>
+  </cs:variation>
+  <cs:variation>
+    <a:lumMod val="60000"/>
+    <a:lumOff val="40000"/>
+  </cs:variation>
+  <cs:variation>
+    <a:lumMod val="50000"/>
+  </cs:variation>
+  <cs:variation>
+    <a:lumMod val="70000"/>
+    <a:lumOff val="30000"/>
+  </cs:variation>
+  <cs:variation>
+    <a:lumMod val="70000"/>
+  </cs:variation>
+  <cs:variation>
+    <a:lumMod val="50000"/>
+    <a:lumOff val="50000"/>
+  </cs:variation>
+</cs:colorStyle>
+</file>
+
+<file path=ppt/charts/style1.xml><?xml version="1.0" encoding="utf-8"?>
+<cs:chartStyle xmlns:cs="http://schemas.microsoft.com/office/drawing/2012/chartStyle" xmlns:a="http://schemas.openxmlformats.org/drawingml/2006/main" id="201">
+  <cs:axisTitle>
+    <cs:lnRef idx="0"/>
+    <cs:fillRef idx="0"/>
+    <cs:effectRef idx="0"/>
+    <cs:fontRef idx="minor">
+      <a:schemeClr val="tx1">
+        <a:lumMod val="65000"/>
+        <a:lumOff val="35000"/>
+      </a:schemeClr>
+    </cs:fontRef>
+    <cs:defRPr sz="1000" kern="1200"/>
+  </cs:axisTitle>
+  <cs:categoryAxis>
+    <cs:lnRef idx="0"/>
+    <cs:fillRef idx="0"/>
+    <cs:effectRef idx="0"/>
+    <cs:fontRef idx="minor">
+      <a:schemeClr val="tx1">
+        <a:lumMod val="65000"/>
+        <a:lumOff val="35000"/>
+      </a:schemeClr>
+    </cs:fontRef>
+    <cs:spPr>
+      <a:ln w="9525" cap="flat" cmpd="sng" algn="ctr">
+        <a:solidFill>
+          <a:schemeClr val="tx1">
+            <a:lumMod val="15000"/>
+            <a:lumOff val="85000"/>
+          </a:schemeClr>
+        </a:solidFill>
+        <a:round/>
+      </a:ln>
+    </cs:spPr>
+    <cs:defRPr sz="900" kern="1200"/>
+  </cs:categoryAxis>
+  <cs:chartArea mods="allowNoFillOverride allowNoLineOverride">
+    <cs:lnRef idx="0"/>
+    <cs:fillRef idx="0"/>
+    <cs:effectRef idx="0"/>
+    <cs:fontRef idx="minor">
+      <a:schemeClr val="tx1"/>
+    </cs:fontRef>
+    <cs:spPr>
+      <a:solidFill>
+        <a:schemeClr val="bg1"/>
+      </a:solidFill>
+      <a:ln w="9525" cap="flat" cmpd="sng" algn="ctr">
+        <a:solidFill>
+          <a:schemeClr val="tx1">
+            <a:lumMod val="15000"/>
+            <a:lumOff val="85000"/>
+          </a:schemeClr>
+        </a:solidFill>
+        <a:round/>
+      </a:ln>
+    </cs:spPr>
+    <cs:defRPr sz="1000" kern="1200"/>
+  </cs:chartArea>
+  <cs:dataLabel>
+    <cs:lnRef idx="0"/>
+    <cs:fillRef idx="0"/>
+    <cs:effectRef idx="0"/>
+    <cs:fontRef idx="minor">
+      <a:schemeClr val="tx1">
+        <a:lumMod val="75000"/>
+        <a:lumOff val="25000"/>
+      </a:schemeClr>
+    </cs:fontRef>
+    <cs:defRPr sz="900" kern="1200"/>
+  </cs:dataLabel>
+  <cs:dataLabelCallout>
+    <cs:lnRef idx="0"/>
+    <cs:fillRef idx="0"/>
+    <cs:effectRef idx="0"/>
+    <cs:fontRef idx="minor">
+      <a:schemeClr val="dk1">
+        <a:lumMod val="65000"/>
+        <a:lumOff val="35000"/>
+      </a:schemeClr>
+    </cs:fontRef>
+    <cs:spPr>
+      <a:solidFill>
+        <a:schemeClr val="lt1"/>
+      </a:solidFill>
+      <a:ln>
+        <a:solidFill>
+          <a:schemeClr val="dk1">
+            <a:lumMod val="25000"/>
+            <a:lumOff val="75000"/>
+          </a:schemeClr>
+        </a:solidFill>
+      </a:ln>
+    </cs:spPr>
+    <cs:defRPr sz="900" kern="1200"/>
+    <cs:bodyPr rot="0" spcFirstLastPara="1" vertOverflow="clip" horzOverflow="clip" vert="horz" wrap="square" lIns="36576" tIns="18288" rIns="36576" bIns="18288" anchor="ctr" anchorCtr="1">
+      <a:spAutoFit/>
+    </cs:bodyPr>
+  </cs:dataLabelCallout>
+  <cs:dataPoint>
+    <cs:lnRef idx="0"/>
+    <cs:fillRef idx="1">
+      <cs:styleClr val="auto"/>
+    </cs:fillRef>
+    <cs:effectRef idx="0"/>
+    <cs:fontRef idx="minor">
+      <a:schemeClr val="tx1"/>
+    </cs:fontRef>
+  </cs:dataPoint>
+  <cs:dataPoint3D>
+    <cs:lnRef idx="0"/>
+    <cs:fillRef idx="1">
+      <cs:styleClr val="auto"/>
+    </cs:fillRef>
+    <cs:effectRef idx="0"/>
+    <cs:fontRef idx="minor">
+      <a:schemeClr val="tx1"/>
+    </cs:fontRef>
+  </cs:dataPoint3D>
+  <cs:dataPointLine>
+    <cs:lnRef idx="0">
+      <cs:styleClr val="auto"/>
+    </cs:lnRef>
+    <cs:fillRef idx="1"/>
+    <cs:effectRef idx="0"/>
+    <cs:fontRef idx="minor">
+      <a:schemeClr val="tx1"/>
+    </cs:fontRef>
+    <cs:spPr>
+      <a:ln w="28575" cap="rnd">
+        <a:solidFill>
+          <a:schemeClr val="phClr"/>
+        </a:solidFill>
+        <a:round/>
+      </a:ln>
+    </cs:spPr>
+  </cs:dataPointLine>
+  <cs:dataPointMarker>
+    <cs:lnRef idx="0">
+      <cs:styleClr val="auto"/>
+    </cs:lnRef>
+    <cs:fillRef idx="1">
+      <cs:styleClr val="auto"/>
+    </cs:fillRef>
+    <cs:effectRef idx="0"/>
+    <cs:fontRef idx="minor">
+      <a:schemeClr val="tx1"/>
+    </cs:fontRef>
+    <cs:spPr>
+      <a:ln w="9525">
+        <a:solidFill>
+          <a:schemeClr val="phClr"/>
+        </a:solidFill>
+      </a:ln>
+    </cs:spPr>
+  </cs:dataPointMarker>
+  <cs:dataPointMarkerLayout symbol="circle" size="5"/>
+  <cs:dataPointWireframe>
+    <cs:lnRef idx="0">
+      <cs:styleClr val="auto"/>
+    </cs:lnRef>
+    <cs:fillRef idx="1"/>
+    <cs:effectRef idx="0"/>
+    <cs:fontRef idx="minor">
+      <a:schemeClr val="tx1"/>
+    </cs:fontRef>
+    <cs:spPr>
+      <a:ln w="9525" cap="rnd">
+        <a:solidFill>
+          <a:schemeClr val="phClr"/>
+        </a:solidFill>
+        <a:round/>
+      </a:ln>
+    </cs:spPr>
+  </cs:dataPointWireframe>
+  <cs:dataTable>
+    <cs:lnRef idx="0"/>
+    <cs:fillRef idx="0"/>
+    <cs:effectRef idx="0"/>
+    <cs:fontRef idx="minor">
+      <a:schemeClr val="tx1">
+        <a:lumMod val="65000"/>
+        <a:lumOff val="35000"/>
+      </a:schemeClr>
+    </cs:fontRef>
+    <cs:spPr>
+      <a:noFill/>
+      <a:ln w="9525" cap="flat" cmpd="sng" algn="ctr">
+        <a:solidFill>
+          <a:schemeClr val="tx1">
+            <a:lumMod val="15000"/>
+            <a:lumOff val="85000"/>
+          </a:schemeClr>
+        </a:solidFill>
+        <a:round/>
+      </a:ln>
+    </cs:spPr>
+    <cs:defRPr sz="900" kern="1200"/>
+  </cs:dataTable>
+  <cs:downBar>
+    <cs:lnRef idx="0"/>
+    <cs:fillRef idx="0"/>
+    <cs:effectRef idx="0"/>
+    <cs:fontRef idx="minor">
+      <a:schemeClr val="dk1"/>
+    </cs:fontRef>
+    <cs:spPr>
+      <a:solidFill>
+        <a:schemeClr val="dk1">
+          <a:lumMod val="65000"/>
+          <a:lumOff val="35000"/>
+        </a:schemeClr>
+      </a:solidFill>
+      <a:ln w="9525">
+        <a:solidFill>
+          <a:schemeClr val="tx1">
+            <a:lumMod val="65000"/>
+            <a:lumOff val="35000"/>
+          </a:schemeClr>
+        </a:solidFill>
+      </a:ln>
+    </cs:spPr>
+  </cs:downBar>
+  <cs:dropLine>
+    <cs:lnRef idx="0"/>
+    <cs:fillRef idx="0"/>
+    <cs:effectRef idx="0"/>
+    <cs:fontRef idx="minor">
+      <a:schemeClr val="tx1"/>
+    </cs:fontRef>
+    <cs:spPr>
+      <a:ln w="9525" cap="flat" cmpd="sng" algn="ctr">
+        <a:solidFill>
+          <a:schemeClr val="tx1">
+            <a:lumMod val="35000"/>
+            <a:lumOff val="65000"/>
+          </a:schemeClr>
+        </a:solidFill>
+        <a:round/>
+      </a:ln>
+    </cs:spPr>
+  </cs:dropLine>
+  <cs:errorBar>
+    <cs:lnRef idx="0"/>
+    <cs:fillRef idx="0"/>
+    <cs:effectRef idx="0"/>
+    <cs:fontRef idx="minor">
+      <a:schemeClr val="tx1"/>
+    </cs:fontRef>
+    <cs:spPr>
+      <a:ln w="9525" cap="flat" cmpd="sng" algn="ctr">
+        <a:solidFill>
+          <a:schemeClr val="tx1">
+            <a:lumMod val="65000"/>
+            <a:lumOff val="35000"/>
+          </a:schemeClr>
+        </a:solidFill>
+        <a:round/>
+      </a:ln>
+    </cs:spPr>
+  </cs:errorBar>
+  <cs:floor>
+    <cs:lnRef idx="0"/>
+    <cs:fillRef idx="0"/>
+    <cs:effectRef idx="0"/>
+    <cs:fontRef idx="minor">
+      <a:schemeClr val="tx1"/>
+    </cs:fontRef>
+    <cs:spPr>
+      <a:noFill/>
+      <a:ln>
+        <a:noFill/>
+      </a:ln>
+    </cs:spPr>
+  </cs:floor>
+  <cs:gridlineMajor>
+    <cs:lnRef idx="0"/>
+    <cs:fillRef idx="0"/>
+    <cs:effectRef idx="0"/>
+    <cs:fontRef idx="minor">
+      <a:schemeClr val="tx1"/>
+    </cs:fontRef>
+    <cs:spPr>
+      <a:ln w="9525" cap="flat" cmpd="sng" algn="ctr">
+        <a:solidFill>
+          <a:schemeClr val="tx1">
+            <a:lumMod val="15000"/>
+            <a:lumOff val="85000"/>
+          </a:schemeClr>
+        </a:solidFill>
+        <a:round/>
+      </a:ln>
+    </cs:spPr>
+  </cs:gridlineMajor>
+  <cs:gridlineMinor>
+    <cs:lnRef idx="0"/>
+    <cs:fillRef idx="0"/>
+    <cs:effectRef idx="0"/>
+    <cs:fontRef idx="minor">
+      <a:schemeClr val="tx1"/>
+    </cs:fontRef>
+    <cs:spPr>
+      <a:ln w="9525" cap="flat" cmpd="sng" algn="ctr">
+        <a:solidFill>
+          <a:schemeClr val="tx1">
+            <a:lumMod val="5000"/>
+            <a:lumOff val="95000"/>
+          </a:schemeClr>
+        </a:solidFill>
+        <a:round/>
+      </a:ln>
+    </cs:spPr>
+  </cs:gridlineMinor>
+  <cs:hiLoLine>
+    <cs:lnRef idx="0"/>
+    <cs:fillRef idx="0"/>
+    <cs:effectRef idx="0"/>
+    <cs:fontRef idx="minor">
+      <a:schemeClr val="tx1"/>
+    </cs:fontRef>
+    <cs:spPr>
+      <a:ln w="9525" cap="flat" cmpd="sng" algn="ctr">
+        <a:solidFill>
+          <a:schemeClr val="tx1">
+            <a:lumMod val="75000"/>
+            <a:lumOff val="25000"/>
+          </a:schemeClr>
+        </a:solidFill>
+        <a:round/>
+      </a:ln>
+    </cs:spPr>
+  </cs:hiLoLine>
+  <cs:leaderLine>
+    <cs:lnRef idx="0"/>
+    <cs:fillRef idx="0"/>
+    <cs:effectRef idx="0"/>
+    <cs:fontRef idx="minor">
+      <a:schemeClr val="tx1"/>
+    </cs:fontRef>
+    <cs:spPr>
+      <a:ln w="9525" cap="flat" cmpd="sng" algn="ctr">
+        <a:solidFill>
+          <a:schemeClr val="tx1">
+            <a:lumMod val="35000"/>
+            <a:lumOff val="65000"/>
+          </a:schemeClr>
+        </a:solidFill>
+        <a:round/>
+      </a:ln>
+    </cs:spPr>
+  </cs:leaderLine>
+  <cs:legend>
+    <cs:lnRef idx="0"/>
+    <cs:fillRef idx="0"/>
+    <cs:effectRef idx="0"/>
+    <cs:fontRef idx="minor">
+      <a:schemeClr val="tx1">
+        <a:lumMod val="65000"/>
+        <a:lumOff val="35000"/>
+      </a:schemeClr>
+    </cs:fontRef>
+    <cs:defRPr sz="900" kern="1200"/>
+  </cs:legend>
+  <cs:plotArea mods="allowNoFillOverride allowNoLineOverride">
+    <cs:lnRef idx="0"/>
+    <cs:fillRef idx="0"/>
+    <cs:effectRef idx="0"/>
+    <cs:fontRef idx="minor">
+      <a:schemeClr val="tx1"/>
+    </cs:fontRef>
+  </cs:plotArea>
+  <cs:plotArea3D mods="allowNoFillOverride allowNoLineOverride">
+    <cs:lnRef idx="0"/>
+    <cs:fillRef idx="0"/>
+    <cs:effectRef idx="0"/>
+    <cs:fontRef idx="minor">
+      <a:schemeClr val="tx1"/>
+    </cs:fontRef>
+  </cs:plotArea3D>
+  <cs:seriesAxis>
+    <cs:lnRef idx="0"/>
+    <cs:fillRef idx="0"/>
+    <cs:effectRef idx="0"/>
+    <cs:fontRef idx="minor">
+      <a:schemeClr val="tx1">
+        <a:lumMod val="65000"/>
+        <a:lumOff val="35000"/>
+      </a:schemeClr>
+    </cs:fontRef>
+    <cs:defRPr sz="900" kern="1200"/>
+  </cs:seriesAxis>
+  <cs:seriesLine>
+    <cs:lnRef idx="0"/>
+    <cs:fillRef idx="0"/>
+    <cs:effectRef idx="0"/>
+    <cs:fontRef idx="minor">
+      <a:schemeClr val="tx1"/>
+    </cs:fontRef>
+    <cs:spPr>
+      <a:ln w="9525" cap="flat" cmpd="sng" algn="ctr">
+        <a:solidFill>
+          <a:schemeClr val="tx1">
+            <a:lumMod val="35000"/>
+            <a:lumOff val="65000"/>
+          </a:schemeClr>
+        </a:solidFill>
+        <a:round/>
+      </a:ln>
+    </cs:spPr>
+  </cs:seriesLine>
+  <cs:title>
+    <cs:lnRef idx="0"/>
+    <cs:fillRef idx="0"/>
+    <cs:effectRef idx="0"/>
+    <cs:fontRef idx="minor">
+      <a:schemeClr val="tx1">
+        <a:lumMod val="65000"/>
+        <a:lumOff val="35000"/>
+      </a:schemeClr>
+    </cs:fontRef>
+    <cs:defRPr sz="1400" b="0" kern="1200" spc="0" baseline="0"/>
+  </cs:title>
+  <cs:trendline>
+    <cs:lnRef idx="0">
+      <cs:styleClr val="auto"/>
+    </cs:lnRef>
+    <cs:fillRef idx="0"/>
+    <cs:effectRef idx="0"/>
+    <cs:fontRef idx="minor">
+      <a:schemeClr val="tx1"/>
+    </cs:fontRef>
+    <cs:spPr>
+      <a:ln w="19050" cap="rnd">
+        <a:solidFill>
+          <a:schemeClr val="phClr"/>
+        </a:solidFill>
+        <a:prstDash val="sysDot"/>
+      </a:ln>
+    </cs:spPr>
+  </cs:trendline>
+  <cs:trendlineLabel>
+    <cs:lnRef idx="0"/>
+    <cs:fillRef idx="0"/>
+    <cs:effectRef idx="0"/>
+    <cs:fontRef idx="minor">
+      <a:schemeClr val="tx1">
+        <a:lumMod val="65000"/>
+        <a:lumOff val="35000"/>
+      </a:schemeClr>
+    </cs:fontRef>
+    <cs:defRPr sz="900" kern="1200"/>
+  </cs:trendlineLabel>
+  <cs:upBar>
+    <cs:lnRef idx="0"/>
+    <cs:fillRef idx="0"/>
+    <cs:effectRef idx="0"/>
+    <cs:fontRef idx="minor">
+      <a:schemeClr val="dk1"/>
+    </cs:fontRef>
+    <cs:spPr>
+      <a:solidFill>
+        <a:schemeClr val="lt1"/>
+      </a:solidFill>
+      <a:ln w="9525">
+        <a:solidFill>
+          <a:schemeClr val="tx1">
+            <a:lumMod val="15000"/>
+            <a:lumOff val="85000"/>
+          </a:schemeClr>
+        </a:solidFill>
+      </a:ln>
+    </cs:spPr>
+  </cs:upBar>
+  <cs:valueAxis>
+    <cs:lnRef idx="0"/>
+    <cs:fillRef idx="0"/>
+    <cs:effectRef idx="0"/>
+    <cs:fontRef idx="minor">
+      <a:schemeClr val="tx1">
+        <a:lumMod val="65000"/>
+        <a:lumOff val="35000"/>
+      </a:schemeClr>
+    </cs:fontRef>
+    <cs:defRPr sz="900" kern="1200"/>
+  </cs:valueAxis>
+  <cs:wall>
+    <cs:lnRef idx="0"/>
+    <cs:fillRef idx="0"/>
+    <cs:effectRef idx="0"/>
+    <cs:fontRef idx="minor">
+      <a:schemeClr val="tx1"/>
+    </cs:fontRef>
+    <cs:spPr>
+      <a:noFill/>
+      <a:ln>
+        <a:noFill/>
+      </a:ln>
+    </cs:spPr>
+  </cs:wall>
+</cs:chartStyle>
+</file>
+
+<file path=ppt/charts/style2.xml><?xml version="1.0" encoding="utf-8"?>
+<cs:chartStyle xmlns:cs="http://schemas.microsoft.com/office/drawing/2012/chartStyle" xmlns:a="http://schemas.openxmlformats.org/drawingml/2006/main" id="201">
+  <cs:axisTitle>
+    <cs:lnRef idx="0"/>
+    <cs:fillRef idx="0"/>
+    <cs:effectRef idx="0"/>
+    <cs:fontRef idx="minor">
+      <a:schemeClr val="tx1">
+        <a:lumMod val="65000"/>
+        <a:lumOff val="35000"/>
+      </a:schemeClr>
+    </cs:fontRef>
+    <cs:defRPr sz="1000" kern="1200"/>
+  </cs:axisTitle>
+  <cs:categoryAxis>
+    <cs:lnRef idx="0"/>
+    <cs:fillRef idx="0"/>
+    <cs:effectRef idx="0"/>
+    <cs:fontRef idx="minor">
+      <a:schemeClr val="tx1">
+        <a:lumMod val="65000"/>
+        <a:lumOff val="35000"/>
+      </a:schemeClr>
+    </cs:fontRef>
+    <cs:spPr>
+      <a:ln w="9525" cap="flat" cmpd="sng" algn="ctr">
+        <a:solidFill>
+          <a:schemeClr val="tx1">
+            <a:lumMod val="15000"/>
+            <a:lumOff val="85000"/>
+          </a:schemeClr>
+        </a:solidFill>
+        <a:round/>
+      </a:ln>
+    </cs:spPr>
+    <cs:defRPr sz="900" kern="1200"/>
+  </cs:categoryAxis>
+  <cs:chartArea mods="allowNoFillOverride allowNoLineOverride">
+    <cs:lnRef idx="0"/>
+    <cs:fillRef idx="0"/>
+    <cs:effectRef idx="0"/>
+    <cs:fontRef idx="minor">
+      <a:schemeClr val="tx1"/>
+    </cs:fontRef>
+    <cs:spPr>
+      <a:solidFill>
+        <a:schemeClr val="bg1"/>
+      </a:solidFill>
+      <a:ln w="9525" cap="flat" cmpd="sng" algn="ctr">
+        <a:solidFill>
+          <a:schemeClr val="tx1">
+            <a:lumMod val="15000"/>
+            <a:lumOff val="85000"/>
+          </a:schemeClr>
+        </a:solidFill>
+        <a:round/>
+      </a:ln>
+    </cs:spPr>
+    <cs:defRPr sz="1000" kern="1200"/>
+  </cs:chartArea>
+  <cs:dataLabel>
+    <cs:lnRef idx="0"/>
+    <cs:fillRef idx="0"/>
+    <cs:effectRef idx="0"/>
+    <cs:fontRef idx="minor">
+      <a:schemeClr val="tx1">
+        <a:lumMod val="75000"/>
+        <a:lumOff val="25000"/>
+      </a:schemeClr>
+    </cs:fontRef>
+    <cs:defRPr sz="900" kern="1200"/>
+  </cs:dataLabel>
+  <cs:dataLabelCallout>
+    <cs:lnRef idx="0"/>
+    <cs:fillRef idx="0"/>
+    <cs:effectRef idx="0"/>
+    <cs:fontRef idx="minor">
+      <a:schemeClr val="dk1">
+        <a:lumMod val="65000"/>
+        <a:lumOff val="35000"/>
+      </a:schemeClr>
+    </cs:fontRef>
+    <cs:spPr>
+      <a:solidFill>
+        <a:schemeClr val="lt1"/>
+      </a:solidFill>
+      <a:ln>
+        <a:solidFill>
+          <a:schemeClr val="dk1">
+            <a:lumMod val="25000"/>
+            <a:lumOff val="75000"/>
+          </a:schemeClr>
+        </a:solidFill>
+      </a:ln>
+    </cs:spPr>
+    <cs:defRPr sz="900" kern="1200"/>
+    <cs:bodyPr rot="0" spcFirstLastPara="1" vertOverflow="clip" horzOverflow="clip" vert="horz" wrap="square" lIns="36576" tIns="18288" rIns="36576" bIns="18288" anchor="ctr" anchorCtr="1">
+      <a:spAutoFit/>
+    </cs:bodyPr>
+  </cs:dataLabelCallout>
+  <cs:dataPoint>
+    <cs:lnRef idx="0"/>
+    <cs:fillRef idx="1">
+      <cs:styleClr val="auto"/>
+    </cs:fillRef>
+    <cs:effectRef idx="0"/>
+    <cs:fontRef idx="minor">
+      <a:schemeClr val="tx1"/>
+    </cs:fontRef>
+  </cs:dataPoint>
+  <cs:dataPoint3D>
+    <cs:lnRef idx="0"/>
+    <cs:fillRef idx="1">
+      <cs:styleClr val="auto"/>
+    </cs:fillRef>
+    <cs:effectRef idx="0"/>
+    <cs:fontRef idx="minor">
+      <a:schemeClr val="tx1"/>
+    </cs:fontRef>
+  </cs:dataPoint3D>
+  <cs:dataPointLine>
+    <cs:lnRef idx="0">
+      <cs:styleClr val="auto"/>
+    </cs:lnRef>
+    <cs:fillRef idx="1"/>
+    <cs:effectRef idx="0"/>
+    <cs:fontRef idx="minor">
+      <a:schemeClr val="tx1"/>
+    </cs:fontRef>
+    <cs:spPr>
+      <a:ln w="28575" cap="rnd">
+        <a:solidFill>
+          <a:schemeClr val="phClr"/>
+        </a:solidFill>
+        <a:round/>
+      </a:ln>
+    </cs:spPr>
+  </cs:dataPointLine>
+  <cs:dataPointMarker>
+    <cs:lnRef idx="0">
+      <cs:styleClr val="auto"/>
+    </cs:lnRef>
+    <cs:fillRef idx="1">
+      <cs:styleClr val="auto"/>
+    </cs:fillRef>
+    <cs:effectRef idx="0"/>
+    <cs:fontRef idx="minor">
+      <a:schemeClr val="tx1"/>
+    </cs:fontRef>
+    <cs:spPr>
+      <a:ln w="9525">
+        <a:solidFill>
+          <a:schemeClr val="phClr"/>
+        </a:solidFill>
+      </a:ln>
+    </cs:spPr>
+  </cs:dataPointMarker>
+  <cs:dataPointMarkerLayout symbol="circle" size="5"/>
+  <cs:dataPointWireframe>
+    <cs:lnRef idx="0">
+      <cs:styleClr val="auto"/>
+    </cs:lnRef>
+    <cs:fillRef idx="1"/>
+    <cs:effectRef idx="0"/>
+    <cs:fontRef idx="minor">
+      <a:schemeClr val="tx1"/>
+    </cs:fontRef>
+    <cs:spPr>
+      <a:ln w="9525" cap="rnd">
+        <a:solidFill>
+          <a:schemeClr val="phClr"/>
+        </a:solidFill>
+        <a:round/>
+      </a:ln>
+    </cs:spPr>
+  </cs:dataPointWireframe>
+  <cs:dataTable>
+    <cs:lnRef idx="0"/>
+    <cs:fillRef idx="0"/>
+    <cs:effectRef idx="0"/>
+    <cs:fontRef idx="minor">
+      <a:schemeClr val="tx1">
+        <a:lumMod val="65000"/>
+        <a:lumOff val="35000"/>
+      </a:schemeClr>
+    </cs:fontRef>
+    <cs:spPr>
+      <a:noFill/>
+      <a:ln w="9525" cap="flat" cmpd="sng" algn="ctr">
+        <a:solidFill>
+          <a:schemeClr val="tx1">
+            <a:lumMod val="15000"/>
+            <a:lumOff val="85000"/>
+          </a:schemeClr>
+        </a:solidFill>
+        <a:round/>
+      </a:ln>
+    </cs:spPr>
+    <cs:defRPr sz="900" kern="1200"/>
+  </cs:dataTable>
+  <cs:downBar>
+    <cs:lnRef idx="0"/>
+    <cs:fillRef idx="0"/>
+    <cs:effectRef idx="0"/>
+    <cs:fontRef idx="minor">
+      <a:schemeClr val="dk1"/>
+    </cs:fontRef>
+    <cs:spPr>
+      <a:solidFill>
+        <a:schemeClr val="dk1">
+          <a:lumMod val="65000"/>
+          <a:lumOff val="35000"/>
+        </a:schemeClr>
+      </a:solidFill>
+      <a:ln w="9525">
+        <a:solidFill>
+          <a:schemeClr val="tx1">
+            <a:lumMod val="65000"/>
+            <a:lumOff val="35000"/>
+          </a:schemeClr>
+        </a:solidFill>
+      </a:ln>
+    </cs:spPr>
+  </cs:downBar>
+  <cs:dropLine>
+    <cs:lnRef idx="0"/>
+    <cs:fillRef idx="0"/>
+    <cs:effectRef idx="0"/>
+    <cs:fontRef idx="minor">
+      <a:schemeClr val="tx1"/>
+    </cs:fontRef>
+    <cs:spPr>
+      <a:ln w="9525" cap="flat" cmpd="sng" algn="ctr">
+        <a:solidFill>
+          <a:schemeClr val="tx1">
+            <a:lumMod val="35000"/>
+            <a:lumOff val="65000"/>
+          </a:schemeClr>
+        </a:solidFill>
+        <a:round/>
+      </a:ln>
+    </cs:spPr>
+  </cs:dropLine>
+  <cs:errorBar>
+    <cs:lnRef idx="0"/>
+    <cs:fillRef idx="0"/>
+    <cs:effectRef idx="0"/>
+    <cs:fontRef idx="minor">
+      <a:schemeClr val="tx1"/>
+    </cs:fontRef>
+    <cs:spPr>
+      <a:ln w="9525" cap="flat" cmpd="sng" algn="ctr">
+        <a:solidFill>
+          <a:schemeClr val="tx1">
+            <a:lumMod val="65000"/>
+            <a:lumOff val="35000"/>
+          </a:schemeClr>
+        </a:solidFill>
+        <a:round/>
+      </a:ln>
+    </cs:spPr>
+  </cs:errorBar>
+  <cs:floor>
+    <cs:lnRef idx="0"/>
+    <cs:fillRef idx="0"/>
+    <cs:effectRef idx="0"/>
+    <cs:fontRef idx="minor">
+      <a:schemeClr val="tx1"/>
+    </cs:fontRef>
+    <cs:spPr>
+      <a:noFill/>
+      <a:ln>
+        <a:noFill/>
+      </a:ln>
+    </cs:spPr>
+  </cs:floor>
+  <cs:gridlineMajor>
+    <cs:lnRef idx="0"/>
+    <cs:fillRef idx="0"/>
+    <cs:effectRef idx="0"/>
+    <cs:fontRef idx="minor">
+      <a:schemeClr val="tx1"/>
+    </cs:fontRef>
+    <cs:spPr>
+      <a:ln w="9525" cap="flat" cmpd="sng" algn="ctr">
+        <a:solidFill>
+          <a:schemeClr val="tx1">
+            <a:lumMod val="15000"/>
+            <a:lumOff val="85000"/>
+          </a:schemeClr>
+        </a:solidFill>
+        <a:round/>
+      </a:ln>
+    </cs:spPr>
+  </cs:gridlineMajor>
+  <cs:gridlineMinor>
+    <cs:lnRef idx="0"/>
+    <cs:fillRef idx="0"/>
+    <cs:effectRef idx="0"/>
+    <cs:fontRef idx="minor">
+      <a:schemeClr val="tx1"/>
+    </cs:fontRef>
+    <cs:spPr>
+      <a:ln w="9525" cap="flat" cmpd="sng" algn="ctr">
+        <a:solidFill>
+          <a:schemeClr val="tx1">
+            <a:lumMod val="5000"/>
+            <a:lumOff val="95000"/>
+          </a:schemeClr>
+        </a:solidFill>
+        <a:round/>
+      </a:ln>
+    </cs:spPr>
+  </cs:gridlineMinor>
+  <cs:hiLoLine>
+    <cs:lnRef idx="0"/>
+    <cs:fillRef idx="0"/>
+    <cs:effectRef idx="0"/>
+    <cs:fontRef idx="minor">
+      <a:schemeClr val="tx1"/>
+    </cs:fontRef>
+    <cs:spPr>
+      <a:ln w="9525" cap="flat" cmpd="sng" algn="ctr">
+        <a:solidFill>
+          <a:schemeClr val="tx1">
+            <a:lumMod val="75000"/>
+            <a:lumOff val="25000"/>
+          </a:schemeClr>
+        </a:solidFill>
+        <a:round/>
+      </a:ln>
+    </cs:spPr>
+  </cs:hiLoLine>
+  <cs:leaderLine>
+    <cs:lnRef idx="0"/>
+    <cs:fillRef idx="0"/>
+    <cs:effectRef idx="0"/>
+    <cs:fontRef idx="minor">
+      <a:schemeClr val="tx1"/>
+    </cs:fontRef>
+    <cs:spPr>
+      <a:ln w="9525" cap="flat" cmpd="sng" algn="ctr">
+        <a:solidFill>
+          <a:schemeClr val="tx1">
+            <a:lumMod val="35000"/>
+            <a:lumOff val="65000"/>
+          </a:schemeClr>
+        </a:solidFill>
+        <a:round/>
+      </a:ln>
+    </cs:spPr>
+  </cs:leaderLine>
+  <cs:legend>
+    <cs:lnRef idx="0"/>
+    <cs:fillRef idx="0"/>
+    <cs:effectRef idx="0"/>
+    <cs:fontRef idx="minor">
+      <a:schemeClr val="tx1">
+        <a:lumMod val="65000"/>
+        <a:lumOff val="35000"/>
+      </a:schemeClr>
+    </cs:fontRef>
+    <cs:defRPr sz="900" kern="1200"/>
+  </cs:legend>
+  <cs:plotArea mods="allowNoFillOverride allowNoLineOverride">
+    <cs:lnRef idx="0"/>
+    <cs:fillRef idx="0"/>
+    <cs:effectRef idx="0"/>
+    <cs:fontRef idx="minor">
+      <a:schemeClr val="tx1"/>
+    </cs:fontRef>
+  </cs:plotArea>
+  <cs:plotArea3D mods="allowNoFillOverride allowNoLineOverride">
+    <cs:lnRef idx="0"/>
+    <cs:fillRef idx="0"/>
+    <cs:effectRef idx="0"/>
+    <cs:fontRef idx="minor">
+      <a:schemeClr val="tx1"/>
+    </cs:fontRef>
+  </cs:plotArea3D>
+  <cs:seriesAxis>
+    <cs:lnRef idx="0"/>
+    <cs:fillRef idx="0"/>
+    <cs:effectRef idx="0"/>
+    <cs:fontRef idx="minor">
+      <a:schemeClr val="tx1">
+        <a:lumMod val="65000"/>
+        <a:lumOff val="35000"/>
+      </a:schemeClr>
+    </cs:fontRef>
+    <cs:defRPr sz="900" kern="1200"/>
+  </cs:seriesAxis>
+  <cs:seriesLine>
+    <cs:lnRef idx="0"/>
+    <cs:fillRef idx="0"/>
+    <cs:effectRef idx="0"/>
+    <cs:fontRef idx="minor">
+      <a:schemeClr val="tx1"/>
+    </cs:fontRef>
+    <cs:spPr>
+      <a:ln w="9525" cap="flat" cmpd="sng" algn="ctr">
+        <a:solidFill>
+          <a:schemeClr val="tx1">
+            <a:lumMod val="35000"/>
+            <a:lumOff val="65000"/>
+          </a:schemeClr>
+        </a:solidFill>
+        <a:round/>
+      </a:ln>
+    </cs:spPr>
+  </cs:seriesLine>
+  <cs:title>
+    <cs:lnRef idx="0"/>
+    <cs:fillRef idx="0"/>
+    <cs:effectRef idx="0"/>
+    <cs:fontRef idx="minor">
+      <a:schemeClr val="tx1">
+        <a:lumMod val="65000"/>
+        <a:lumOff val="35000"/>
+      </a:schemeClr>
+    </cs:fontRef>
+    <cs:defRPr sz="1400" b="0" kern="1200" spc="0" baseline="0"/>
+  </cs:title>
+  <cs:trendline>
+    <cs:lnRef idx="0">
+      <cs:styleClr val="auto"/>
+    </cs:lnRef>
+    <cs:fillRef idx="0"/>
+    <cs:effectRef idx="0"/>
+    <cs:fontRef idx="minor">
+      <a:schemeClr val="tx1"/>
+    </cs:fontRef>
+    <cs:spPr>
+      <a:ln w="19050" cap="rnd">
+        <a:solidFill>
+          <a:schemeClr val="phClr"/>
+        </a:solidFill>
+        <a:prstDash val="sysDot"/>
+      </a:ln>
+    </cs:spPr>
+  </cs:trendline>
+  <cs:trendlineLabel>
+    <cs:lnRef idx="0"/>
+    <cs:fillRef idx="0"/>
+    <cs:effectRef idx="0"/>
+    <cs:fontRef idx="minor">
+      <a:schemeClr val="tx1">
+        <a:lumMod val="65000"/>
+        <a:lumOff val="35000"/>
+      </a:schemeClr>
+    </cs:fontRef>
+    <cs:defRPr sz="900" kern="1200"/>
+  </cs:trendlineLabel>
+  <cs:upBar>
+    <cs:lnRef idx="0"/>
+    <cs:fillRef idx="0"/>
+    <cs:effectRef idx="0"/>
+    <cs:fontRef idx="minor">
+      <a:schemeClr val="dk1"/>
+    </cs:fontRef>
+    <cs:spPr>
+      <a:solidFill>
+        <a:schemeClr val="lt1"/>
+      </a:solidFill>
+      <a:ln w="9525">
+        <a:solidFill>
+          <a:schemeClr val="tx1">
+            <a:lumMod val="15000"/>
+            <a:lumOff val="85000"/>
+          </a:schemeClr>
+        </a:solidFill>
+      </a:ln>
+    </cs:spPr>
+  </cs:upBar>
+  <cs:valueAxis>
+    <cs:lnRef idx="0"/>
+    <cs:fillRef idx="0"/>
+    <cs:effectRef idx="0"/>
+    <cs:fontRef idx="minor">
+      <a:schemeClr val="tx1">
+        <a:lumMod val="65000"/>
+        <a:lumOff val="35000"/>
+      </a:schemeClr>
+    </cs:fontRef>
+    <cs:defRPr sz="900" kern="1200"/>
+  </cs:valueAxis>
+  <cs:wall>
+    <cs:lnRef idx="0"/>
+    <cs:fillRef idx="0"/>
+    <cs:effectRef idx="0"/>
+    <cs:fontRef idx="minor">
+      <a:schemeClr val="tx1"/>
+    </cs:fontRef>
+    <cs:spPr>
+      <a:noFill/>
+      <a:ln>
+        <a:noFill/>
+      </a:ln>
+    </cs:spPr>
+  </cs:wall>
+</cs:chartStyle>
 </file>
 
 <file path=ppt/slideLayouts/slideLayout1.xml><?xml version="1.0" encoding="utf-8"?>
@@ -3892,6 +5995,13 @@
   <p:clrMapOvr>
     <a:masterClrMapping/>
   </p:clrMapOvr>
+  <p:timing>
+    <p:tnLst>
+      <p:par>
+        <p:cTn id="1" dur="indefinite" restart="never" nodeType="tmRoot"/>
+      </p:par>
+    </p:tnLst>
+  </p:timing>
 </p:sld>
 </file>
 
@@ -4153,6 +6263,13 @@
   <p:clrMapOvr>
     <a:masterClrMapping/>
   </p:clrMapOvr>
+  <p:timing>
+    <p:tnLst>
+      <p:par>
+        <p:cTn id="1" dur="indefinite" restart="never" nodeType="tmRoot"/>
+      </p:par>
+    </p:tnLst>
+  </p:timing>
 </p:sld>
 </file>
 
@@ -4272,6 +6389,13 @@
   <p:clrMapOvr>
     <a:masterClrMapping/>
   </p:clrMapOvr>
+  <p:timing>
+    <p:tnLst>
+      <p:par>
+        <p:cTn id="1" dur="indefinite" restart="never" nodeType="tmRoot"/>
+      </p:par>
+    </p:tnLst>
+  </p:timing>
 </p:sld>
 </file>
 
@@ -4519,6 +6643,13 @@
   <p:clrMapOvr>
     <a:masterClrMapping/>
   </p:clrMapOvr>
+  <p:timing>
+    <p:tnLst>
+      <p:par>
+        <p:cTn id="1" dur="indefinite" restart="never" nodeType="tmRoot"/>
+      </p:par>
+    </p:tnLst>
+  </p:timing>
 </p:sld>
 </file>
 
@@ -5904,8 +8035,8 @@
         </p:nvSpPr>
         <p:spPr>
           <a:xfrm>
-            <a:off x="675500" y="138096"/>
-            <a:ext cx="9669227" cy="1200329"/>
+            <a:off x="738989" y="514818"/>
+            <a:ext cx="9669227" cy="523220"/>
           </a:xfrm>
           <a:prstGeom prst="rect">
             <a:avLst/>
@@ -5922,72 +8053,21 @@
           <a:p>
             <a:pPr algn="just"/>
             <a:r>
-              <a:rPr lang="pt-BR" sz="2400" dirty="0">
-                <a:solidFill>
-                  <a:schemeClr val="tx2">
-                    <a:lumMod val="75000"/>
-                  </a:schemeClr>
-                </a:solidFill>
-              </a:rPr>
-              <a:t>Atividade 1.4 – Atualizar a OBM com o elenco de medicamentos da lista Hórus e respectivos produtos medicinais conforme base da CMED atualizada até maio/23</a:t>
-            </a:r>
-            <a:endParaRPr lang="en-US" sz="2400" kern="1200" dirty="0">
-              <a:solidFill>
-                <a:schemeClr val="tx2">
-                  <a:lumMod val="75000"/>
-                </a:schemeClr>
-              </a:solidFill>
-            </a:endParaRPr>
-          </a:p>
-        </p:txBody>
-      </p:sp>
-      <p:sp>
-        <p:nvSpPr>
-          <p:cNvPr id="20" name="TextBox 19">
-            <a:extLst>
-              <a:ext uri="{FF2B5EF4-FFF2-40B4-BE49-F238E27FC236}">
-                <a16:creationId xmlns:a16="http://schemas.microsoft.com/office/drawing/2014/main" id="{D59591C5-9A6D-721B-484B-EC63CADF07EE}"/>
-              </a:ext>
-            </a:extLst>
-          </p:cNvPr>
-          <p:cNvSpPr txBox="1"/>
-          <p:nvPr/>
-        </p:nvSpPr>
-        <p:spPr>
-          <a:xfrm>
-            <a:off x="2997202" y="1243544"/>
-            <a:ext cx="6098582" cy="584775"/>
-          </a:xfrm>
-          <a:prstGeom prst="rect">
-            <a:avLst/>
-          </a:prstGeom>
-          <a:noFill/>
-        </p:spPr>
-        <p:txBody>
-          <a:bodyPr wrap="square">
-            <a:spAutoFit/>
-          </a:bodyPr>
-          <a:lstStyle/>
-          <a:p>
-            <a:pPr algn="ctr"/>
-            <a:r>
-              <a:rPr lang="pt-BR" sz="3200" dirty="0">
-                <a:solidFill>
-                  <a:schemeClr val="tx2">
-                    <a:lumMod val="60000"/>
-                    <a:lumOff val="40000"/>
-                  </a:schemeClr>
-                </a:solidFill>
+              <a:rPr lang="pt-BR" sz="2800" dirty="0" smtClean="0">
+                <a:solidFill>
+                  <a:srgbClr val="137CC0"/>
+                </a:solidFill>
+                <a:latin typeface="Verdana" panose="020B0604030504040204" pitchFamily="34" charset="0"/>
+                <a:ea typeface="Verdana" panose="020B0604030504040204" pitchFamily="34" charset="0"/>
               </a:rPr>
               <a:t>Conceitos da OBM</a:t>
             </a:r>
-            <a:endParaRPr lang="en-US" sz="3200" kern="1200" dirty="0">
+            <a:endParaRPr lang="en-US" sz="2800" kern="1200" dirty="0">
               <a:solidFill>
-                <a:schemeClr val="tx2">
-                  <a:lumMod val="60000"/>
-                  <a:lumOff val="40000"/>
-                </a:schemeClr>
+                <a:srgbClr val="137CC0"/>
               </a:solidFill>
+              <a:latin typeface="Verdana" panose="020B0604030504040204" pitchFamily="34" charset="0"/>
+              <a:ea typeface="Verdana" panose="020B0604030504040204" pitchFamily="34" charset="0"/>
             </a:endParaRPr>
           </a:p>
         </p:txBody>
@@ -6002,6 +8082,13 @@
   <p:clrMapOvr>
     <a:masterClrMapping/>
   </p:clrMapOvr>
+  <p:timing>
+    <p:tnLst>
+      <p:par>
+        <p:cTn id="1" dur="indefinite" restart="never" nodeType="tmRoot"/>
+      </p:par>
+    </p:tnLst>
+  </p:timing>
 </p:sld>
 </file>
 
@@ -6032,7 +8119,7 @@
         </p:nvGrpSpPr>
         <p:grpSpPr bwMode="auto">
           <a:xfrm>
-            <a:off x="4090379" y="3404595"/>
+            <a:off x="4110102" y="2567579"/>
             <a:ext cx="4362450" cy="3184525"/>
             <a:chOff x="856567" y="2423118"/>
             <a:chExt cx="4059998" cy="2906962"/>
@@ -6094,7 +8181,9 @@
               <a:r>
                 <a:rPr lang="pt-BR" sz="1400" dirty="0">
                   <a:solidFill>
-                    <a:srgbClr val="004F9A"/>
+                    <a:schemeClr val="tx2">
+                      <a:lumMod val="75000"/>
+                    </a:schemeClr>
                   </a:solidFill>
                 </a:rPr>
                 <a:t>Clonazepam 2mg </a:t>
@@ -6102,14 +8191,18 @@
               <a:r>
                 <a:rPr lang="pt-BR" sz="1400" dirty="0" smtClean="0">
                   <a:solidFill>
-                    <a:srgbClr val="004F9A"/>
+                    <a:schemeClr val="tx2">
+                      <a:lumMod val="75000"/>
+                    </a:schemeClr>
                   </a:solidFill>
                 </a:rPr>
                 <a:t>comprimido</a:t>
               </a:r>
               <a:endParaRPr lang="pt-BR" sz="1400" dirty="0">
                 <a:solidFill>
-                  <a:srgbClr val="004F9A"/>
+                  <a:schemeClr val="tx2">
+                    <a:lumMod val="75000"/>
+                  </a:schemeClr>
                 </a:solidFill>
               </a:endParaRPr>
             </a:p>
@@ -6173,7 +8266,9 @@
               <a:r>
                 <a:rPr lang="pt-BR" sz="1400" dirty="0">
                   <a:solidFill>
-                    <a:srgbClr val="004F9A"/>
+                    <a:schemeClr val="tx2">
+                      <a:lumMod val="75000"/>
+                    </a:schemeClr>
                   </a:solidFill>
                 </a:rPr>
                 <a:t>Clonazepam</a:t>
@@ -6239,7 +8334,9 @@
               <a:r>
                 <a:rPr lang="pt-BR" sz="1400" dirty="0">
                   <a:solidFill>
-                    <a:srgbClr val="004F9A"/>
+                    <a:schemeClr val="tx2">
+                      <a:lumMod val="75000"/>
+                    </a:schemeClr>
                   </a:solidFill>
                 </a:rPr>
                 <a:t>Clonazepam 2mg </a:t>
@@ -6247,14 +8344,18 @@
               <a:r>
                 <a:rPr lang="pt-BR" sz="1400" dirty="0" smtClean="0">
                   <a:solidFill>
-                    <a:srgbClr val="004F9A"/>
+                    <a:schemeClr val="tx2">
+                      <a:lumMod val="75000"/>
+                    </a:schemeClr>
                   </a:solidFill>
                 </a:rPr>
                 <a:t>comprimido</a:t>
               </a:r>
               <a:endParaRPr lang="pt-BR" sz="1400" dirty="0">
                 <a:solidFill>
-                  <a:srgbClr val="004F9A"/>
+                  <a:schemeClr val="tx2">
+                    <a:lumMod val="75000"/>
+                  </a:schemeClr>
                 </a:solidFill>
               </a:endParaRPr>
             </a:p>
@@ -6265,22 +8366,48 @@
               <a:r>
                 <a:rPr lang="pt-BR" sz="1400" dirty="0">
                   <a:solidFill>
-                    <a:srgbClr val="004F9A"/>
+                    <a:schemeClr val="tx2">
+                      <a:lumMod val="75000"/>
+                    </a:schemeClr>
                   </a:solidFill>
                 </a:rPr>
                 <a:t>x </a:t>
               </a:r>
               <a:r>
+                <a:rPr lang="pt-BR" sz="1400" dirty="0">
+                  <a:solidFill>
+                    <a:schemeClr val="tx2">
+                      <a:lumMod val="75000"/>
+                    </a:schemeClr>
+                  </a:solidFill>
+                </a:rPr>
+                <a:t>3</a:t>
+              </a:r>
+              <a:r>
                 <a:rPr lang="pt-BR" sz="1400" dirty="0" smtClean="0">
                   <a:solidFill>
-                    <a:srgbClr val="004F9A"/>
+                    <a:schemeClr val="tx2">
+                      <a:lumMod val="75000"/>
+                    </a:schemeClr>
                   </a:solidFill>
                 </a:rPr>
-                <a:t>60 comprimidos</a:t>
+                <a:t>0 </a:t>
+              </a:r>
+              <a:r>
+                <a:rPr lang="pt-BR" sz="1400" dirty="0" smtClean="0">
+                  <a:solidFill>
+                    <a:schemeClr val="tx2">
+                      <a:lumMod val="75000"/>
+                    </a:schemeClr>
+                  </a:solidFill>
+                </a:rPr>
+                <a:t>comprimidos</a:t>
               </a:r>
               <a:endParaRPr lang="pt-BR" sz="1400" dirty="0">
                 <a:solidFill>
-                  <a:srgbClr val="004F9A"/>
+                  <a:schemeClr val="tx2">
+                    <a:lumMod val="75000"/>
+                  </a:schemeClr>
                 </a:solidFill>
               </a:endParaRPr>
             </a:p>
@@ -6338,57 +8465,42 @@
             <a:bodyPr anchor="ctr"/>
             <a:lstStyle/>
             <a:p>
-              <a:pPr algn="ctr">
-                <a:defRPr/>
-              </a:pPr>
+              <a:pPr algn="ctr"/>
               <a:r>
-                <a:rPr lang="pt-BR" sz="1400" dirty="0">
+                <a:rPr lang="pt-BR" sz="1100" dirty="0" err="1">
                   <a:solidFill>
-                    <a:srgbClr val="004F9A"/>
+                    <a:schemeClr val="tx2">
+                      <a:lumMod val="75000"/>
+                    </a:schemeClr>
                   </a:solidFill>
                 </a:rPr>
-                <a:t>Clonazepam 2 mg </a:t>
+                <a:t>Rivotril</a:t>
               </a:r>
               <a:r>
-                <a:rPr lang="pt-BR" sz="1400" dirty="0" smtClean="0">
+                <a:rPr lang="pt-BR" sz="1100" dirty="0">
                   <a:solidFill>
-                    <a:srgbClr val="004F9A"/>
+                    <a:schemeClr val="tx2">
+                      <a:lumMod val="75000"/>
+                    </a:schemeClr>
                   </a:solidFill>
                 </a:rPr>
-                <a:t>comprimido </a:t>
+                <a:t> 2 mg comprimido (BLANVER FARMOQUIMICA E FARMACÊUTICA S.A</a:t>
               </a:r>
               <a:r>
-                <a:rPr lang="pt-BR" sz="1400" dirty="0">
+                <a:rPr lang="pt-BR" sz="1100" dirty="0" smtClean="0">
                   <a:solidFill>
-                    <a:srgbClr val="004F9A"/>
+                    <a:schemeClr val="tx2">
+                      <a:lumMod val="75000"/>
+                    </a:schemeClr>
                   </a:solidFill>
                 </a:rPr>
-                <a:t>(EMS S.A.)</a:t>
+                <a:t>) x 30 comprimidos</a:t>
               </a:r>
-            </a:p>
-            <a:p>
-              <a:pPr algn="ctr">
-                <a:defRPr/>
-              </a:pPr>
-              <a:r>
-                <a:rPr lang="pt-BR" sz="1400" dirty="0">
-                  <a:solidFill>
-                    <a:srgbClr val="004F9A"/>
-                  </a:solidFill>
-                </a:rPr>
-                <a:t>x </a:t>
-              </a:r>
-              <a:r>
-                <a:rPr lang="pt-BR" sz="1400" dirty="0" smtClean="0">
-                  <a:solidFill>
-                    <a:srgbClr val="004F9A"/>
-                  </a:solidFill>
-                </a:rPr>
-                <a:t>60 comprimidos</a:t>
-              </a:r>
-              <a:endParaRPr lang="pt-BR" sz="1400" dirty="0">
-                <a:solidFill>
-                  <a:srgbClr val="004F9A"/>
+              <a:endParaRPr lang="pt-BR" sz="1100" dirty="0">
+                <a:solidFill>
+                  <a:schemeClr val="tx2">
+                    <a:lumMod val="75000"/>
+                  </a:schemeClr>
                 </a:solidFill>
               </a:endParaRPr>
             </a:p>
@@ -6447,22 +8559,93 @@
             <a:lstStyle/>
             <a:p>
               <a:pPr algn="ctr"/>
+              <a:endParaRPr lang="pt-BR" sz="1100" dirty="0" smtClean="0">
+                <a:solidFill>
+                  <a:schemeClr val="tx2">
+                    <a:lumMod val="75000"/>
+                  </a:schemeClr>
+                </a:solidFill>
+              </a:endParaRPr>
+            </a:p>
+            <a:p>
+              <a:pPr algn="ctr"/>
               <a:r>
-                <a:rPr lang="pt-BR" sz="1400" dirty="0">
+                <a:rPr lang="pt-BR" sz="1100" dirty="0" err="1" smtClean="0">
                   <a:solidFill>
-                    <a:srgbClr val="004F9A"/>
+                    <a:schemeClr val="tx2">
+                      <a:lumMod val="75000"/>
+                    </a:schemeClr>
                   </a:solidFill>
                 </a:rPr>
-                <a:t>Clonazepam 2 mg </a:t>
+                <a:t>Rivotril</a:t>
               </a:r>
               <a:r>
-                <a:rPr lang="pt-BR" sz="1400" dirty="0" smtClean="0">
+                <a:rPr lang="pt-BR" sz="1100" dirty="0" smtClean="0">
                   <a:solidFill>
-                    <a:srgbClr val="004F9A"/>
+                    <a:schemeClr val="tx2">
+                      <a:lumMod val="75000"/>
+                    </a:schemeClr>
                   </a:solidFill>
                 </a:rPr>
-                <a:t>comprimido</a:t>
+                <a:t> </a:t>
               </a:r>
+              <a:r>
+                <a:rPr lang="pt-BR" sz="1100" dirty="0">
+                  <a:solidFill>
+                    <a:schemeClr val="tx2">
+                      <a:lumMod val="75000"/>
+                    </a:schemeClr>
+                  </a:solidFill>
+                </a:rPr>
+                <a:t>2 mg </a:t>
+              </a:r>
+              <a:r>
+                <a:rPr lang="pt-BR" sz="1100" dirty="0" smtClean="0">
+                  <a:solidFill>
+                    <a:schemeClr val="tx2">
+                      <a:lumMod val="75000"/>
+                    </a:schemeClr>
+                  </a:solidFill>
+                </a:rPr>
+                <a:t>comprimido (</a:t>
+              </a:r>
+              <a:r>
+                <a:rPr lang="pt-BR" sz="1100" dirty="0" smtClean="0">
+                  <a:solidFill>
+                    <a:schemeClr val="tx2">
+                      <a:lumMod val="75000"/>
+                    </a:schemeClr>
+                  </a:solidFill>
+                </a:rPr>
+                <a:t>BLANVER </a:t>
+              </a:r>
+              <a:r>
+                <a:rPr lang="pt-BR" sz="1100" dirty="0">
+                  <a:solidFill>
+                    <a:schemeClr val="tx2">
+                      <a:lumMod val="75000"/>
+                    </a:schemeClr>
+                  </a:solidFill>
+                </a:rPr>
+                <a:t>FARMOQUIMICA E FARMACÊUTICA </a:t>
+              </a:r>
+              <a:r>
+                <a:rPr lang="pt-BR" sz="1100" dirty="0" smtClean="0">
+                  <a:solidFill>
+                    <a:schemeClr val="tx2">
+                      <a:lumMod val="75000"/>
+                    </a:schemeClr>
+                  </a:solidFill>
+                </a:rPr>
+                <a:t>S.A)</a:t>
+              </a:r>
+              <a:endParaRPr lang="pt-BR" sz="1100" dirty="0" smtClean="0">
+                <a:solidFill>
+                  <a:schemeClr val="tx2">
+                    <a:lumMod val="75000"/>
+                  </a:schemeClr>
+                </a:solidFill>
+              </a:endParaRPr>
             </a:p>
             <a:p>
               <a:pPr algn="ctr"/>
@@ -6475,13 +8658,14 @@
                 <a:t>(</a:t>
               </a:r>
               <a:r>
-                <a:rPr lang="pt-BR" sz="1400" dirty="0">
-                  <a:solidFill>
-                    <a:srgbClr val="004F9A"/>
-                  </a:solidFill>
-                </a:rPr>
-                <a:t>EMS S.A.)</a:t>
+                <a:rPr lang="pt-BR" sz="1400" dirty="0" smtClean="0"/>
+                <a:t>.</a:t>
               </a:r>
+              <a:endParaRPr lang="pt-BR" sz="1400" dirty="0">
+                <a:solidFill>
+                  <a:srgbClr val="004F9A"/>
+                </a:solidFill>
+              </a:endParaRPr>
             </a:p>
           </p:txBody>
         </p:sp>
@@ -7495,7 +9679,7 @@
         </p:nvSpPr>
         <p:spPr bwMode="auto">
           <a:xfrm>
-            <a:off x="6113770" y="2322831"/>
+            <a:off x="6133493" y="1485815"/>
             <a:ext cx="1450975" cy="401637"/>
           </a:xfrm>
           <a:prstGeom prst="ellipse">
@@ -7562,7 +9746,7 @@
         </p:nvCxnSpPr>
         <p:spPr>
           <a:xfrm flipH="1">
-            <a:off x="6030262" y="2744226"/>
+            <a:off x="6049985" y="1907210"/>
             <a:ext cx="623887" cy="958850"/>
           </a:xfrm>
           <a:prstGeom prst="line">
@@ -7604,7 +9788,7 @@
         </p:nvSpPr>
         <p:spPr bwMode="auto">
           <a:xfrm>
-            <a:off x="1291661" y="3838750"/>
+            <a:off x="1311384" y="3001734"/>
             <a:ext cx="1449388" cy="401637"/>
           </a:xfrm>
           <a:prstGeom prst="ellipse">
@@ -7669,7 +9853,7 @@
         </p:nvSpPr>
         <p:spPr bwMode="auto">
           <a:xfrm>
-            <a:off x="1291661" y="4527725"/>
+            <a:off x="1311384" y="3690709"/>
             <a:ext cx="1449388" cy="401637"/>
           </a:xfrm>
           <a:prstGeom prst="ellipse">
@@ -7734,7 +9918,7 @@
         </p:nvSpPr>
         <p:spPr bwMode="auto">
           <a:xfrm>
-            <a:off x="1291660" y="5218287"/>
+            <a:off x="1311383" y="4381271"/>
             <a:ext cx="1502135" cy="401638"/>
           </a:xfrm>
           <a:prstGeom prst="ellipse">
@@ -7816,7 +10000,7 @@
         </p:nvSpPr>
         <p:spPr bwMode="auto">
           <a:xfrm>
-            <a:off x="1291661" y="5908850"/>
+            <a:off x="1311384" y="5071834"/>
             <a:ext cx="1449388" cy="400050"/>
           </a:xfrm>
           <a:prstGeom prst="ellipse">
@@ -7881,7 +10065,7 @@
         </p:nvSpPr>
         <p:spPr bwMode="auto">
           <a:xfrm>
-            <a:off x="9721467" y="4240387"/>
+            <a:off x="9741190" y="3403371"/>
             <a:ext cx="1449388" cy="401637"/>
           </a:xfrm>
           <a:prstGeom prst="ellipse">
@@ -7946,7 +10130,7 @@
         </p:nvSpPr>
         <p:spPr bwMode="auto">
           <a:xfrm>
-            <a:off x="9731904" y="4996858"/>
+            <a:off x="9751627" y="4159842"/>
             <a:ext cx="1449388" cy="401638"/>
           </a:xfrm>
           <a:prstGeom prst="ellipse">
@@ -8011,7 +10195,7 @@
         </p:nvSpPr>
         <p:spPr bwMode="auto">
           <a:xfrm>
-            <a:off x="9731904" y="5803308"/>
+            <a:off x="9751627" y="4966292"/>
             <a:ext cx="1449388" cy="401638"/>
           </a:xfrm>
           <a:prstGeom prst="ellipse">
@@ -8076,7 +10260,7 @@
         </p:nvCxnSpPr>
         <p:spPr>
           <a:xfrm>
-            <a:off x="2813518" y="4159666"/>
+            <a:off x="2833241" y="3322650"/>
             <a:ext cx="1349276" cy="962215"/>
           </a:xfrm>
           <a:prstGeom prst="line">
@@ -8121,7 +10305,7 @@
         </p:nvCxnSpPr>
         <p:spPr>
           <a:xfrm>
-            <a:off x="2741049" y="4728544"/>
+            <a:off x="2760772" y="3891528"/>
             <a:ext cx="1404893" cy="428651"/>
           </a:xfrm>
           <a:prstGeom prst="line">
@@ -8163,7 +10347,7 @@
         </p:nvCxnSpPr>
         <p:spPr>
           <a:xfrm flipV="1">
-            <a:off x="2741049" y="5201953"/>
+            <a:off x="2760772" y="4364937"/>
             <a:ext cx="1365325" cy="259192"/>
           </a:xfrm>
           <a:prstGeom prst="line">
@@ -8207,7 +10391,7 @@
         </p:nvCxnSpPr>
         <p:spPr>
           <a:xfrm flipV="1">
-            <a:off x="2741049" y="5322701"/>
+            <a:off x="2760772" y="4485685"/>
             <a:ext cx="1377860" cy="786174"/>
           </a:xfrm>
           <a:prstGeom prst="line">
@@ -8251,7 +10435,7 @@
         </p:nvCxnSpPr>
         <p:spPr>
           <a:xfrm>
-            <a:off x="8480544" y="5374187"/>
+            <a:off x="8500267" y="4537171"/>
             <a:ext cx="1251360" cy="629940"/>
           </a:xfrm>
           <a:prstGeom prst="line">
@@ -8295,7 +10479,7 @@
         </p:nvCxnSpPr>
         <p:spPr>
           <a:xfrm>
-            <a:off x="8563118" y="5194445"/>
+            <a:off x="8582841" y="4357429"/>
             <a:ext cx="1168786" cy="3232"/>
           </a:xfrm>
           <a:prstGeom prst="line">
@@ -8339,7 +10523,7 @@
         </p:nvCxnSpPr>
         <p:spPr>
           <a:xfrm flipV="1">
-            <a:off x="8481359" y="4441206"/>
+            <a:off x="8501082" y="3604190"/>
             <a:ext cx="1240108" cy="555652"/>
           </a:xfrm>
           <a:prstGeom prst="line">
@@ -8495,8 +10679,8 @@
         </p:nvSpPr>
         <p:spPr>
           <a:xfrm>
-            <a:off x="675500" y="138096"/>
-            <a:ext cx="9669227" cy="1200329"/>
+            <a:off x="675500" y="532545"/>
+            <a:ext cx="9669227" cy="523220"/>
           </a:xfrm>
           <a:prstGeom prst="rect">
             <a:avLst/>
@@ -8513,72 +10697,21 @@
           <a:p>
             <a:pPr algn="just"/>
             <a:r>
-              <a:rPr lang="pt-BR" sz="2400" dirty="0">
-                <a:solidFill>
-                  <a:schemeClr val="tx2">
-                    <a:lumMod val="75000"/>
-                  </a:schemeClr>
-                </a:solidFill>
-              </a:rPr>
-              <a:t>Atividade 1.4 – Atualizar a OBM com o elenco de medicamentos da lista Hórus e respectivos produtos medicinais conforme base da CMED atualizada até maio/23</a:t>
-            </a:r>
-            <a:endParaRPr lang="en-US" sz="2400" kern="1200" dirty="0">
-              <a:solidFill>
-                <a:schemeClr val="tx2">
-                  <a:lumMod val="75000"/>
-                </a:schemeClr>
-              </a:solidFill>
-            </a:endParaRPr>
-          </a:p>
-        </p:txBody>
-      </p:sp>
-      <p:sp>
-        <p:nvSpPr>
-          <p:cNvPr id="37" name="TextBox 19">
-            <a:extLst>
-              <a:ext uri="{FF2B5EF4-FFF2-40B4-BE49-F238E27FC236}">
-                <a16:creationId xmlns:a16="http://schemas.microsoft.com/office/drawing/2014/main" id="{D59591C5-9A6D-721B-484B-EC63CADF07EE}"/>
-              </a:ext>
-            </a:extLst>
-          </p:cNvPr>
-          <p:cNvSpPr txBox="1"/>
-          <p:nvPr/>
-        </p:nvSpPr>
-        <p:spPr>
-          <a:xfrm>
-            <a:off x="2958037" y="1337257"/>
-            <a:ext cx="6098582" cy="584775"/>
-          </a:xfrm>
-          <a:prstGeom prst="rect">
-            <a:avLst/>
-          </a:prstGeom>
-          <a:noFill/>
-        </p:spPr>
-        <p:txBody>
-          <a:bodyPr wrap="square">
-            <a:spAutoFit/>
-          </a:bodyPr>
-          <a:lstStyle/>
-          <a:p>
-            <a:pPr algn="ctr"/>
-            <a:r>
-              <a:rPr lang="pt-BR" sz="3200" dirty="0">
-                <a:solidFill>
-                  <a:schemeClr val="tx2">
-                    <a:lumMod val="60000"/>
-                    <a:lumOff val="40000"/>
-                  </a:schemeClr>
-                </a:solidFill>
+              <a:rPr lang="pt-BR" sz="2800" dirty="0" smtClean="0">
+                <a:solidFill>
+                  <a:srgbClr val="137CC0"/>
+                </a:solidFill>
+                <a:latin typeface="Verdana" panose="020B0604030504040204" pitchFamily="34" charset="0"/>
+                <a:ea typeface="Verdana" panose="020B0604030504040204" pitchFamily="34" charset="0"/>
               </a:rPr>
               <a:t>Conceitos da OBM</a:t>
             </a:r>
-            <a:endParaRPr lang="en-US" sz="3200" kern="1200" dirty="0">
+            <a:endParaRPr lang="en-US" sz="2800" kern="1200" dirty="0">
               <a:solidFill>
-                <a:schemeClr val="tx2">
-                  <a:lumMod val="60000"/>
-                  <a:lumOff val="40000"/>
-                </a:schemeClr>
+                <a:srgbClr val="137CC0"/>
               </a:solidFill>
+              <a:latin typeface="Verdana" panose="020B0604030504040204" pitchFamily="34" charset="0"/>
+              <a:ea typeface="Verdana" panose="020B0604030504040204" pitchFamily="34" charset="0"/>
             </a:endParaRPr>
           </a:p>
         </p:txBody>
@@ -8593,6 +10726,13 @@
   <p:clrMapOvr>
     <a:masterClrMapping/>
   </p:clrMapOvr>
+  <p:timing>
+    <p:tnLst>
+      <p:par>
+        <p:cTn id="1" dur="indefinite" restart="never" nodeType="tmRoot"/>
+      </p:par>
+    </p:tnLst>
+  </p:timing>
 </p:sld>
 </file>
 
@@ -8848,6 +10988,13 @@
   <p:clrMapOvr>
     <a:masterClrMapping/>
   </p:clrMapOvr>
+  <p:timing>
+    <p:tnLst>
+      <p:par>
+        <p:cTn id="1" dur="indefinite" restart="never" nodeType="tmRoot"/>
+      </p:par>
+    </p:tnLst>
+  </p:timing>
 </p:sld>
 </file>
 
@@ -9085,6 +11232,13 @@
   <p:clrMapOvr>
     <a:masterClrMapping/>
   </p:clrMapOvr>
+  <p:timing>
+    <p:tnLst>
+      <p:par>
+        <p:cTn id="1" dur="indefinite" restart="never" nodeType="tmRoot"/>
+      </p:par>
+    </p:tnLst>
+  </p:timing>
 </p:sld>
 </file>
 
@@ -9120,18 +11274,6 @@
           <a:bodyPr/>
           <a:lstStyle/>
           <a:p>
-            <a:r>
-              <a:rPr lang="pt-BR" dirty="0" smtClean="0">
-                <a:solidFill>
-                  <a:schemeClr val="bg2">
-                    <a:lumMod val="10000"/>
-                  </a:schemeClr>
-                </a:solidFill>
-              </a:rPr>
-              <a:t>Tabela</a:t>
-            </a:r>
-          </a:p>
-          <a:p>
             <a:pPr marL="0" indent="0">
               <a:buNone/>
             </a:pPr>
@@ -9185,8 +11327,8 @@
         </p:nvSpPr>
         <p:spPr>
           <a:xfrm>
-            <a:off x="838200" y="380624"/>
-            <a:ext cx="9303327" cy="653850"/>
+            <a:off x="838200" y="380623"/>
+            <a:ext cx="9414164" cy="928787"/>
           </a:xfrm>
           <a:prstGeom prst="rect">
             <a:avLst/>
@@ -9215,14 +11357,34 @@
           </a:lstStyle>
           <a:p>
             <a:r>
-              <a:rPr lang="en-BR" sz="2800" dirty="0" smtClean="0">
+              <a:rPr lang="pt-BR" sz="2800" dirty="0" smtClean="0">
                 <a:solidFill>
                   <a:srgbClr val="137CC0"/>
                 </a:solidFill>
                 <a:latin typeface="Verdana" panose="020B0604030504040204" pitchFamily="34" charset="0"/>
                 <a:ea typeface="Verdana" panose="020B0604030504040204" pitchFamily="34" charset="0"/>
               </a:rPr>
-              <a:t>Metodologia utilizada para atualizar a OBM</a:t>
+              <a:t>Média </a:t>
+            </a:r>
+            <a:r>
+              <a:rPr lang="pt-BR" sz="2800" dirty="0">
+                <a:solidFill>
+                  <a:srgbClr val="137CC0"/>
+                </a:solidFill>
+                <a:latin typeface="Verdana" panose="020B0604030504040204" pitchFamily="34" charset="0"/>
+                <a:ea typeface="Verdana" panose="020B0604030504040204" pitchFamily="34" charset="0"/>
+              </a:rPr>
+              <a:t>de </a:t>
+            </a:r>
+            <a:r>
+              <a:rPr lang="pt-BR" sz="2800" dirty="0" smtClean="0">
+                <a:solidFill>
+                  <a:srgbClr val="137CC0"/>
+                </a:solidFill>
+                <a:latin typeface="Verdana" panose="020B0604030504040204" pitchFamily="34" charset="0"/>
+                <a:ea typeface="Verdana" panose="020B0604030504040204" pitchFamily="34" charset="0"/>
+              </a:rPr>
+              <a:t>medicamentos cadastrados a partir do VMP</a:t>
             </a:r>
             <a:endParaRPr lang="en-BR" sz="2800" dirty="0">
               <a:solidFill>
@@ -9234,6 +11396,69 @@
           </a:p>
         </p:txBody>
       </p:sp>
+      <p:sp>
+        <p:nvSpPr>
+          <p:cNvPr id="2" name="AutoShape 2" descr="data:image/png;base64,iVBORw0KGgoAAAANSUhEUgAAA1MAAAI9CAYAAADfMSICAAAAAXNSR0IArs4c6QAAAARnQU1BAACxjwv8YQUAAAAJcEhZcwAADsMAAA7DAcdvqGQAADAZSURBVHhe7d0JkFXlgfD9p0UUMcgaF0QWwfiSyUQT1DiuUQdQMY6TOG5fKl9SpnA0U1YcoxLRDBWVuKWcsozbq18cXycucRzHoIKMoqKGuCSa+MYxiggiICJrRBShP57jOeTSNr08fbv7Lr9f1a3n9Dl96WUyffzf55znNjRuEgAAAGiXbfIRAACAdhBTAAAACcQUAABAAjEFAACQQEwBAAAkEFMAAAAJxBQAAEACMQUAAJBATAEAACQQUwAAAAnEFAAAQAIxBQAAkEBMAQAAJBBTAAAACcQUAABAAjEFAACQQEwBAAAkEFMAAAAJxBQAAEACMQUAAJBATAEAACQQUwAAAAnEFAAAQAIxBQAAkEBMAQAAJBBTAAAACcQUAABAAjEFAACQQEwBAAAkEFMAAAAJxBQAAEACMQUAAJBATAEAACQQUwAAAAnEFAAAQAIxBQAAkEBMAQAAJBBTAAAACcQUAABAAjEFAACQQEwBAAAkEFMAAAAJxBQAAEACMQUAAJBATAEAACQQUwAAAAnEFAAAQAIxBQAAkEBMAQAAJBBTAAAACcQUAABAAjEFAACQQEwBAAAkEFMAAAAJxBQAAEACMQUAAJBATAEAACQQUwAAAAnEFAAAQAIxBQAAkEBMAQAAJBBTAAAACcQUAABAAjEFAACQoKFxk3wbAKhQDec8kW8BtE/jNYfnW5SbmAKAKhBjyn8QAe3lb0fncpkfAABAAjEFAACQQEwBAAAkEFMAAAAJxBQAAEACMQUAAJBATAEAACQQUwAAAAnEFAAAQAIxBQAAkEBMAQAAJBBTAAAACcQUAABAAjEFAACQQEwBAAAkEFMAAAAJxBQAAEACMQUAAJBATAEAACQQUwAAAAnEFAAAQAIxBQAAkEBMAQAAJBBTAAAACcQUAABAAjEFAACQQEwBAAAkEFMAAAAJxBQAAEACMQUAAJBATAEAACQQUwAAAAnEFAAAQAIxBQAAkEBMAQAAJBBTAAAACcQUAABAAjEFAACQQEwBAAAkEFMAAAAJxBQAAEACMQUAAJBATAEAACQQUwAAAAnEFAAAQAIxBQAAkEBMAQAAJBBTAAAACcQUAABAAjEFAACQQEwBAAAkEFMAAAAJxBQAAEACMQUAAJBATAEAtNHRRx8dGhoaWn1ceeWV+TNa9tRTT21+zhtvvJHvbdkpp5zyqa8Rt4t/J36PLXnvvffCgAEDNn9+c99rcazpY9SoUeGss85q9nst/VmaPvbff//s68SvDbVETAEAdJNDDjkkjBw5MtueOXNmNrYkRszdd9+dbZ944onZ2NSMGTNaDLNbb701rFixIv+ofebOnRtuuOGG7Hu+66678r2te/7558MFF1wQ9tprr/DSSy/le6H6iSkAgHa64oorQmNj41Yf559/fv6ZrTv55JOz8ZZbbsnGlhTBtd9++4U999wz2y5VhNnVV1+djc25+eabQ//+/fOPWjZ79uwtfq4HH3wwjB8/Pjt26qmnZrNRzSl9zrJly8Kdd96ZfW8x4o444ggzVNQMMQUA0I1OOumkbIyzN63N2hTB9d3vfjcbm5o4cWIWLXH2qLnZqTibFGeXJk2alO9pn2OPPTZMnz59c7Rdd9112diSgQMHZpcmPvLII9nHMajuvffebBuqnZgCAOhG++yzTzbTFN1zzz3Z2JwYRzG4oq1d4hfFoIqam5266KKLsvH000/PxlTF1ygCqS3iTFoxqzVr1qxshGonpgAAulkx01TcD9Wc4hK/eFlgnO3ZmhhK8TK+prNTxazUmWee2eLz2yP13quVK1fmW1DdxBQAQDvFxRSarlY3efLk5HuBxo4dm40xdrZ2qd9VV12VjSeccEI2bk0MpeIyvtLZqdtuuy0bf/CDH2RjR6xatSobixm1tip+P2PGjMlGqHZiCgCgg+Lld1OnTk1era70EribbropG0vFfzOGVpxxKsKrJU1np+JCEXGVvzgr1dzCFe0Rgyj+u9G4ceOysS3i91BcpnjwwQdnI1Q7MQUA0EZx8YXSleriI0ZOXN0vxku87O0b3/hG/tnt8+1vfzsbm1tyvLiXKi7k0JZL9JrOTl166aXZdkdmpWJEPfTQQ9n7WMWfM/68//zP/5wf3boYc/FnOv7447OPYzTGhSygFogpAIAOiDM9cSn0Bx54IPs4xlWMjvYqZpxiqDR9fnEv1XHHHZeNbVEsUhFnkVJnpQ499NDNlzIOGjQoTJgwIZtdiiEVF5HYWtiVXgIZV/6Ly6jHnyteFvjv//7v+WdB9RNTAABlUPoGvC+//HI2tkcMk+I9p6ZNm5aNUeklfu2Z0YnhFAOqUI57pWIMxVm41157LVuFsK3ibFR8r6nnnnuuTTNrUC3EFABAmYwaNSrfSvOtb30rG0sv9SvuoSoNo7YqAipGWsq9Uk3ftDfGUJyFay2ISp8TH/HyyHiJItQaMQUAUCbxcrpo6NCh2dheceapuPeqCKpiLN7ctz1iQMWYae4+LKDjxBQAQBmUrsLXlhX3tqaYwbn//vuze6diWMXLB9tzWR3QNcQUAEAbXHnllVnoxFme0uXP42p18dg//uM/Zh9feOGFHbov6LTTTsvGuOjE7bffnm1PnDgxG4HKIqYAANooBk5cmW7ffffdYrW6+Ca+Ubyv6bLLLsu2U5UuZFGs4leszAdUFjEFANAGMWhuvPHGbDGHInYKcV9cre7666/P93RMsapfFFfQS1k8Auh8DY3xrkQAoKI1nPNEaLzm8PwjgLbxt6NzmZkCAABIIKYAAAASiCkAAIAEYgoAACCBmAIAAEggpgAAABKIKQAAgARiCgAAIIGYAgAASCCmAAAAEogpAACABGIKAAAggZgCAABIIKYAAAASiCkA6GYbNjaG15d+EBau+DDfA0A1EFMA0MWKePrVS8vCldMXhDP+z6thygPzQs8eDflnAFANxBQAdIF5yz4dT3c/tzT8fuGfw7r1G8OXhvYJu+y0Xf7ZAFQDMQUAXWDJqvVbxFNTYz/fP98CoFqIKQDoAn8zcqdw4pid84+2NLjf9uGLQz6TfwRAtRBTANBFTvjSoDBmWJ/8o7848n+ZlQKoRmIKALrIs/NWh1cWrw1D+m+f7wmhV89twmGf65t/BEA1EVMA0AXi4hM/f3pxOGfskPCjrw3PLu2LDt2rX+i9XY9sG4DqIqYAoBPFZdBvfnJRmP3aqnDxccPD6N12zOLp3HF7hL47bGvhCYAqJqYAoJOs/WhDuPzhBeGd1R9lIVXMRkVxGfQpx4/YYh8A1UVMAUAniAE15YE3w2f79AwXHjss9On16Uv54jEAqpeYAoAye3XJ2uxNeQ8a2TdMPGxw6LFNQ34EgFoipgCgjJ5+fVW4asaC8K2/2S1bCh2A2iWmAKBM7vvtu+EXv3knTDpmWPYmvQDUNjEFAB20fkNj+NmshWHOG6uzRSVG7bxDfgSAWiamAKADVn3wcbj84flhzboN4cd/N8KiEgB1REwBQKJFKz8MP/7Vm2FI/+3DeeOHhl49nVYB6om/+gCQ4OW338+WPj9ydP/wnYN3s2IfQB0SUwDQTo+/ujJc++jCcMbhg8OEvx6Y7wWg3ogpAGijDRsbw93PLQ2/fH5pmDxhWBgzrE9+BIB6JKYAoA3Wrd+YzUb9fuGfw9Sv7xmGDeyVHwGgXokpAGhFXLHvsgfnh42NIVx83PDQd4dt8yMA1DMxBQAtmP/eunDx/fPC53frHb7/t0Os2AfAZs4IALAVv1uwJpuR+rt9B4VTv7KLFfsA2IKYAoBmzPzj8nDD44vCPx25ezhqdP98LwD8hZgCgBJxxb5/e2ZJeOgP74UffW14+OKQz+RHAGBLYgoAcnHFvp8+8laYt+yDMOX4EWFI/+3zIwDwaWIKADZZ/v76MOWBedkCE5OOGWbFPgBaJaYAqHtxJiqu2Lff8D7h7KOs2AdA2zhbAFDXnp23OvzkoQXh5P13DieO2TnfCwCtE1MA1K1fvbQs3DJ7cThn7JBw2Of65XsBoG3EFAB1J67Yd8vsRWH2a6vClOOHh9G77ZgfAYC2E1MA1JW1H20Ilz+8ICxe9VG4+LjhYXA/K/YBkEZMAVA33ln9UZjywJthwI7bhguPHRb69OqRHwGA9hNTANSFV5esDT/+1ZvhoJF9w5lf3T302KYhPwIAacQUADXv6ddXhatmLAjfPHDXcMKXBuV7AaBjxBQANe2+374bfvGbd8J544eGvxm5U74XADpOTAFQk9ZvaAw3PP52mPPG6jDl+BFh711750cAoDzEFAA1Z9UHH4fLH56fjT/+uxHhs3165kcAoHzEFAA1ZdHKD7OFJnbru112aV+vnk51AHQOZxgAasbLb78fLpn2ZjhydP/w3UMHW7EPgE7V0LhJvg0AVevxV1dmC02ccfjgMGZYn3xv7Wg454l8C6B9Gq85PN+i3MQUAFXv7ueWhif/tDL8YPweYcSgHfK9ANC5xBQAVWvd+o3h5icXhXdWfxTOHbdHGLCjhSYA6DpiCoCqFFfqu3rGW6Ff723D947Y3UITAHQ5MQVA1Vm44sNw5fQF2b1R3zxwFwtNANAtxBQAVeX3C/8crnvs7XDy/juHo0b3z/cCQNcTUwBUjZl/XB5++fy74Z+O3D18cchn8r0A0D3EFAAVb8PGxnDHnHfCC/PXhPOPHhqG9N8+PwIA3UdMAVDR4op9P5v1dliz7uNwztg9Qt8dts2PAED3ElMAVKzl76/PFpoY3G/7MPGwwVbsA6CiiCkAKtK8ZR9kS58f9rl+2WITAFBpxBQAFSfeG3XTE4uyZc9jTAFAJRJTAFSUX720bNPjvXDO2CFh9G475nsBoPKIKQAqQlyx7+dPLw6vLF4bzh23R3afFABUMjEFQLdb+9GGcO2jC8P6DY3h+3+7R+jTq0d+BAAql5gCoFu9s/qj8NNH3gojBvXKVuzrsU1DfgQAKpuYAqDbvLpkbTYjddTo/uHrX/5svhcAqoOYAqBbPP36qvBvzywJ3zl4t/A3I3fK9wJA9RBTAHS5+377bnj0lRXh7KOGhL137Z3vBYDqIqYA6DJxxb6bn1wU5i1bl63Yt8tO2+VHAKD6iCkAusSadRvCv/73W6Fnj4Zsxb5ePbfJjwBAdRJTAHS6RSs/zFbsG71b7+weKSv2AVALxBQAneqVxe+Ha2YuDF/bZ+Cmx6B8LwBUPzEFQKd58k8rwx1z3glnHD44jBnWJ98LALVBTAHQKe5+bmkWUz8Yv0cYMWiHfC8A1A4xBUBZrVu/MVuxL94ndf7RQ8OAHXvmRwCgtogpAMpm1Qcfh2tmvhX69No2fO+I3a3YB0BNE1MAlMXCFR+GK6cvyO6N+uaBu1ixD4CaJ6YA6LDfL/xzuO6xt8M/7PfZMPbzA/K9AFDbxBQAHfLoKyuyxSb+6cjdwxeHfCbfCwC1T0wBkGTDxsZs2fMX5q/JFpoY0n/7/AgA1AcxBUC7xRX7fjbr7bBy7cfZ0ud9d9g2PwIA9UNMAdAuy99fH376yFthl522CxMPG2zFPgDqlpgCoM3mLfsgXD3jrXDY5/qFk/ffOd8LAPVJTAHQJvHeqJueWBRO+8ou4at798v3AkD9ElMAtOpXLy0LD/3hvXD2UUPC6N12zPcCQH0TUwBsVVyx7+dPLw6vLF4bzh23Rxjcz4p9AFAQUwA0K67Y96///VZYv6Exm5GyYh8AbKkqY6rhnCfyLYD2abzm8HyLlry7Zn24asaCMGJQr2zFvh7bNORH6C7OfUAq577OU7Ux5X8UQHv529E2ry5ZG659dGE4anT/8PUvfzbfS3fzv18ghb8dncubgwCw2a/nrs5mpOKKfUIKAFompgDI3P+7ZeGOOUvCeeOHhoNH9c33AgBbI6YA6lxcse+Gx98Oz8xdFX70teFh711750cAgJaIKYA6tmbdhjD1oflh+fsfhynHDw+77LRdfgQAaI2YAqhTi1Z+GC6Z9mbYre92YdIxQ0Pv7XrkRwCAthBTAHXolcXvhykPvBkO3atv+O6hlj4HgBRiCqDOPPmnleGamQs3RdRu4Wv7DMr3AgDtJaYA6si9LywNdz+3NPzw2KHhgBE75XsBgBRiCqAOrFu/MXsj3uffXBMuOWFEGDFoh/wIAJBKTAHUuFUffBwuf3h+FlRTjh8RBuzYMz8CAHSEmAKoYQtXfBimPDAvm4k6d9weoVdPf/YBoFycVQFq1O8X/jn8+FdvhmP/emD4fw/a1Yp9AFBmYgqgBj36yopw3WNvhzO/OjiM/fyAfC8AUE5iCqCGbNjYGO6YsyT814vLwo++Njx8aWif/AgAUG5iCqBGxAUm/vW/F4ZXl3yQrdg3pP/2+REAoDOIKYAaEFfsu2TamyHeFjV5wrDQd4dt8yMAQGcRUwBVbt6yD8KF970RvjjkM+GcsVbsA4Cu4owLUMVemL8m/OShBeEf9ts5nLz/zvleAKAriCmAKvXgH94LNz2xKJx91JDw1b375XsBgK4ipgCqTFyx7+dPLw6PvbIiTDl+ePjC7jvmRwCAriSmAKpIXLHvqhkLwsIVH2ZLnw/uZ8U+AOguYgqgSry7Zn340X/NC3169QiTjrFiHwB0NzEFUAVeX/pBmPLAvHDgnjuF7x0xJPTs0ZAfAQC6i5gCqHC/nrs6XP7w/HDaV3YJX//yZ/O9AEB3E1MAFez+3y0Lt/96cThv/NBw8Ki++V4AoBKIKYAKFFfsu/nJReGZuavClONHhL137Z0fAQAqhZgCqDBr1m0IUx+any04EZc+32Wn7fIjAEAlEVMAFWTRyg/DJdPezAJq0jFDQ+/teuRHAIBKI6YAKsQri9/PQurQvfqGiYcNDj22sWIfAFQyMQVQAZ7808pwzcyF4TsH7xa+ts+gfC8AUMnEFEA3u/eFpeHu55aG848eGg4YsVO+FwCodGIKoJusW78x/GzWwvD8m2vCJSeMCKN23iE/AgBUAzEF0A1WffBx9ka873+4MVv6fMCOPfMjAEC1EFMAXSyu2DflgXlh2MBe4dxxe4RePf0pBoBq5AwO0IV+v/DPm0LqzXDsXw/MFpuwYh8AVC8xBdBFHn1lRbjusbfDmV8dHMZ+fkC+FwCoVmIKoJNt2NgY7vzNO+G+374bJk8YFr40tE9+BACoZmIKoBPFFfuufXRh+OPitWHq1/fM7pMCAGqDmALoJHHFvkumvZltxxmpvjtsm20DALVBTAF0gvnvrQsX3vdG+MLgHcPZRw2xYh8A1CBnd4Ay+92CNeGyB+eHf9hv53DqV3axYh8A1CgxBVBGD/7hvXDD44uy2aiv7t0v3wsA1CIxBVAGccW+nz+9OPz3H5eHKccPD1/Yfcf8CABQq8QUQAfFFft++shbYeGKDzeF1IgwuN/2+REAoJaJKYAOeHfN+vCj/5oXdtx+mzDpGCv2AUA9EVMAiV5f+kGY8sC8cMCIPuF7RwwJPXtYaAIA6omYAkjw67mrw5XTF4TTvrJLOHHMzvleAKCeiCmAdrr/d8vC7b9eHM4dt0c4eFTffC8AUG/EFEAbxRX7bn5yUXhm7qpw8XHDw9679s6PAAD1SEwBtMGadRvC5Q8vyBaciEufW7EPABBTAK1YtPLDcMm0N8Nn+/QMk44ZGnpv1yM/AgDUMzEF0IJXl6zNQuqgkX3DxMMGhx7bWLEPAPiEmALYiif/tDJ7M97vHLxbOOFLg/K9AACfEFMAzbj3haXh7ueWhvOPHhoOGLFTvhcA4C/EFECJ9Rsaw89mLQzPzlsTphw/IozaeYf8CADAlsQUnWby5MmhoaEhPPXUU/me9onPi8+PjzfeeCPf27JTTjkl+/wrr7wy3xPC0UcfvfnfKd3fnNKvGR9Nv/emx0sf+++/f/bvv/fee/lnU21WffBxuPzh+eH9DzeGH//diGzBCYD2iueKs846KwwYMGCLc0Q8L7b1fNaa4hxb/Nutieen4vPjebEl8TxW+r03d+4sjjV9jBo1KvvZy/VzQqUTU5TdSy+9lP3hnTp1ar4nzSGHHBJGjhyZbc+cOTMbWxL/cN99993Z9oknnpiNTd188835VvMuvfTSfKv9nn/++XDBBReEvfbaK/sdUF3iin1THpgXhvTfPnsz3l49/XkE2u+uu+4Khx56aLjhhhvCihUr8r2fnCPieXG//fYryzmiON9F8d9uT7zMmDGjxc+/9dZbt/je22Pu3LnZzx7P3/F3AbXOfy1QNsWrXvvuu28WFeVw8sknZ+Mtt9ySjS0pgiueqPbcc89su1T8wx7/yG/tj3s8scQTTP/+/fM9LWtsbNz8WLZsWbjzzjuzrxFPQEcccYQZqiry8tvvbwqpN8Pffn5AttiEFfuAFHFG6tRTT8224/nrxRdf3HyeePDBB7PzUzxHfOMb38g+J1X8OvF8Fv+9+IjuvffebGxN8SLl1VdfnY3NiS88tvVcOHv27C3Oh/HnHD9+fHYs/i6aXuEBtUZMUdFOOumkbIyvurX2Sl4RXN/97nezsali1umiiy7KxqaKE8ukSZOysT0GDhyYXWL4yCOPZB/Hk2VbT2x0r8dfXRmufXRhOPOrg8OEvx6Y7wVov1/84hfZGGMivnC3zz77ZB9Hxx577ObZpBhCHYmM4uuce+652SNq7cqLwsSJE7OgirNHzc1Oxe87fn8p58Io/pzTp0/fHG3XXXddNkKtElOUzfnnn7/Fq1PlEE9Exatu99xzTzY2J54QYnBFW7vEb8iQIdkJrrnZqfj8eGKJX+uggw7K97ZfnBErXpGbNWtWNlKZNmxsDHf+5p3wy+eXhskThoUvDe2TH4H2i/fb3ffbd8Pajzbke6hHRZyMGTMmG5tq7qqJFMU5bOzYsdkjiue2tl4+GIMqam52qnjB8fTTT8/GVMXXKF5khFolpqh4xUxT6fXhTRWX+MXLKuIs0dYUJ4mms1PFCaV4ha8cVq5cmW9Radat35jNRr286P0w9et7hmEDe+VHIM1HHzdmMfX9u14XVXXs7//+77MxvjjX3KXexb54Cd3o0aOz7fZ66KGHsqsfivNdfBSXxLf0omOpGErxe2g6O1XMSp155pktnkvbI/XeK6gWYoqK15ZX3a666qpsPOGEE7Jxa+KiFk1np+LJLW7HSxLipXodVZwst/bKJN0rziBc9uD8bPvi44aHvjtsm21DOcSIKqLqwT+8ly21T/2IV0YU90XFxYiarvB68cUXZ+NPfvKT5Fi5/fbbs7H0fFdsxzhqi/i1i8v4Smenbrvttmz8wQ9+kI0dsWrVqmwsri6BWiWmqHill87ddNNN2VgqBlaMo/gqWxFeLWk6O1WsWtSRlfwK8Rr44nLDgw8+OBupHP17bRsuvO+N8PndeoezjxpixT46TYyqeBnp9+96LUx/ebmoqhMxUuL9QnFmJ55X4mJMgwYNyl6oi8uXxxfubrzxxnDGGWfkz2ifGGbxKo2m57tiO37NOHPVFk1np+L5Ky7CFL/3jl6OGL/PIuzGjRuXjVCrGhrLdXNLF2o454nQeM3h+UdUqriyXxRX+okzQh0RT0BxVaD4h3/58uX53k/E99qIy83GE8D111+f7/2L+H4a8QRR+n0U++JJ7Yc//GH2fhqvv/56diyeUOKytlHT7730WOn/68QT0bPPPpu9t0Y8mcX4iydUKsvxP/tD2Gn7HvlH0HXie5ZdeOzwDr13mXNfdYgv8MXL0+OLfHH255e//OXmF9niOSzui/cYpyjOhc2d7+L5JwbM1s6FcZYsxt0VV1yx+esX++Jz4nksnhfj913EVHEeL31OoblzfIyo3/zmN+Ff/uVfsp85/ryvvfZa2S4ZJI2/HZ0sxlS1Cd9/PN+iksX/ecXHpj+0+Z50y5Yt2/zvPfjgg/neT4wcObLZ/YVNYfOp7+POO+/c/O/FR/y4ED+v2N/0ey89trXHfvvtl32/VJ7PXvh041l3vNr4P4vfz/dAeSxd/VHj//O//++nHt/+//7Y+H9+vbhx5dr1+Wemc+6rfC+++GLjpoDIHqXngU2B0njhhRducZ5IUZzPmjvfxX3xWNOvXdgURNnxOBbi91V8T/GxKaryI58o9pc+p1D6vOYe8fuIvw+6n78dncs1LlSF+KpWcYPttGnTsjEqvcQvLsfaVvGSi2LZ1nLdKxVno+J7TT333HNehatQ765dn13eFxefeHXJ2nwvlF/PHg3h6C8MCP96yl7hmwfu6t68OhFneeLVCXFmqPQ8EGd6Lrvssux9p+L5Ks7aNHfZekuKmaNowoQJ2cxQ6SPui+LXb8sb3Ufx+4qzUoVy3CsV75GKM1lxRqp0aXioVWKKqvGtb30rG4uFI6LiZFR6Mmir4h6p8847Lxvbq7HxL8vAx0e8rK8cUUbn2nvXT+6XElR0BhFV34rYiW/F0ZwYF8V54j//8z+zsa3aGkjR/fffn2+1rgio+IJlyr1Ss5u8aW98QTFeEuhFReqFmKJqxJmn+IpefNWtCKpiLN7ctz3iCS3+4U+9EZjqJagotx6bzqYiiraI57EUxRvTN42X0kc8FsVFKkpXEWxJDKj43NIXKoG2E1NUleIVvfiqW/FeG/EyPZcS0F6CinIasGNPEcXmULruuuuysaliNb6oPW+fES9pj5cGxvNdSws6xWPFJez33ntvNgKdS0xRVU477bRsjCej4r02indZh/YqDaoX5q/J9wKkKd67KZ6j4ot/pe+NGF8AjCvJFvf5xqXJ2+qe/M14i3uHW1J8TjGTBXQuMUXZxCVWS2+GLcSlxIt98UTSEaWvuhWv7sU3SYRUMah+eOyw8G/PLAnPzlud7wVov3ivUHEPbzxH7bvvvpvPf3GBiGK58FmzZrXr/qTifNeWS9qLz4lfKy5aAXQuMUXVKX1lLq4alHLDLJQa0n/7MOmYoeGOOe8IKqBD4kp+8d6leK4qvT8qdZW7+P6GcTarrZe0x89xqR90HW/aC9SN1v52LFr5Ybj84QXhmwfuEg4YsVO+FyqDcx+Qwt+OzmVmCiA3uJ8ZKgCg7cQUQAlBBQC0lZgCaEJQAQBtIaYAmiGoAIDWiCmArRBUAEBLxBRACwQVALA1YgqgFYIKAGiOmAJoA0EFADQlpgDaqDSofj1XUAFAvRNTAO1QBNW9LywN019enu8FAOqRmAJopxhUP/ra8PDY/6wQVABQx8QUQIK+O2wbJk8YJqgAoI6JKYBEggoA6puYAugAQQUA9UtMAXSQoAKA+iSmAMpAUAFA/RFTAGUiqACgvogpgDISVABQP8QUQJkJKgCoD2IKoBMIKgCofWIKoJMIKgCobWIKoBOVBtW9LyzN9wIAtUBMAXSyGFRTjh8eXlm8NtwxZ0m+FwCodmIKoAv03q5HOG/80DBv2TpBBQA1QkwBdJFePbcRVABQQ8QUQBcSVABQO8QUQBcTVABQG8QUQDcQVABQ/cQUQDcRVABQ3cQUQDcSVABQvcQUQDcTVABQncQUQAUQVABQfcQUQIUQVABQXcQUQAVpGlQbNjbmRwCASiOmACpMEVTvrF4ffjbrbUEFABVKTAFUoBhU3//bIdm2oAKAyiSmACpUj20awveO2D3bFlQAUHnEFEAFE1QAULnEFECFE1QAUJnEFEAVEFQAUHnEFECVEFQAUFnEFEAVEVQAUDnEFECVEVQAUBnEFEAVElQA0P3EFECVElQA0L3EFEAVE1QA0H3EFECVKw2qnz7yVli3fmO2DQB0LjEFUANiUJ191JAwuN924aoZCwQVAHQBMQVQQ7554K5hxKBeggoAuoCYAqgxggoAuoaYAqhBggoAOp+YAqhRggoAOpeYAqhhggoAOo+YAqhxggoAOkdD4yb5dtVoOOeJfAugfRqvOTzfqj93zFkS5i1bF84bPzT06um1tGrj3AekqudzX2erypgCII2gAoDycSYFqCMu+QOA8hFTAHVGUAFAebjMD6BOFZf8nTtuj9B7ux75XgCgrcQUQB2777fvhjlvrA6TJwwLfXfYNt8LALSFmAKoc9NfXh4e+58VggoA2sk9UwB17ugvDAhH/q/+4bIH54dVH3yc7wUAWiOmABBUAJBATAGQEVQA0D5iCoDNBBUAtJ2YAmALggoA2kZMAfApggoAWiemAGiWoAKAlokpALZKUAHA1okpAFokqACgeWIKgFYJKgD4tIbGTfJtAGjR9JeXh5l/XB7OHbdHGNxv+3wvANQnMQVAuzw7b3W4Y847YdIxQwUVAHXNZX4AtMsBI3YK3zxwl3D5wwvCopUf5nsBoP6IKQDaTVABgJgCIJGgAqDeiSkAkgkqAOqZmAKgQwQVAPVKTAHQYYIKgHokpgAoC0EFQL0RUwCUjaACoJ6IKQDKSlABUC/EFABlJ6gAqAcNjZvk2wBQVs/OWx3umPNOOHfcHmHYwF75XgCoDWIKgE71uwVrwi2zF4ezjxoS9t61d74XAKqfmAKg0726ZG249tGFggqAmuKeKQA6XQyoGFIxqGJYAUAtEFMAdAlBBUCtEVMAdBlBBUAtEVMAdClBBUCtEFMAdDlBBUAtEFMAdAtBBUC1E1MAdBtBBUA18z5TAHS7GFIxqGJYxcDi0xrOeSLfAmifxmsOz7coNzEFQEUQVC2LMeU/iID28rejc7nMD4CK4JI/AKqNmAKgYpQG1bPzVud7AaAyiSkAKkoMqskThoU75rwjqACoaGIKgIozuN/2YdIxQwUVABVNTAFQkQQVAJVOTAFQsQQVAJVMTAFQ0QQVAJVKTAFQ8QQVAJVITAFQFQQVAJVGTAFQNQQVAJVETAFQVQQVAJVCTAFQdQQVAJVATAFQlQQVAN1NTAFQtUqD6unXV+V7AaBriCkAqloRVP/14rIw/eXl+V4A6HxiCoCqF4Nq8oRh4bH/WSGoAOgyYgqAmtB3h20FFQBdSkwBUDMEFQBdSUwBUFMEFQBdRUwBUHMEFQBdQUwBUJMEFQCdTUwBULMEFQCdSUwBUNMEFQCdRUwBUPMEFQCdQUwBUBcEFQDlJqYAqBuCCoByElMA1JUiqB5/dUW4+7ml+V4AaD8xBUDdiUE15fgR4U/vrA13zFmS7wWA9hFTANSlXj23CeeNHxrmLVsnqABIIqYAqFuCCoCOEFMA1DVBBUAqMQVA3RNUAKQQUwCwiaACoL3EFADkBBUA7SGmAKCEoAKgrcQUADQhqABoCzEFAM0QVAC0RkwBwFYIKgBaIqYAoAWlQfVvzywJGzY25kcAqHdiCgBaUQTV8vfXh5/NeltQAZARUwDQBjGozj5qSLYtqACIxBQAtFGPbRrC947YPdsWVACIKQBoB0EFQEFMAUA7CSoAIjEFAAkEFQBiCgASCSqA+iamAKADBBVA/RJTANBBggqgPokpACgDQQVQf8QUAJSJoAKoL2IKAMpIUAHUDzEFAGVWBFWPTWfZq2YsCOvWb8yPAFBLxBQAdIJPgmpIGNJ/e0EFUKPEFAB0om8euGsYMajXVoNKZAFULzEFAJ1sa0H17LzV4dpHF+Yf0VXee++9cNddd4VTTjkl7L///qGhoWHz4+ijj86OtebKK6/c4rmjRo0KkydPzv7trhC/Tun3/dBDD+VHmvfUU09t/twBAwa0+n3G30Px+XG7qdLjpY/4b8ffa/x6zUl9HlQqMQUAXaBpUMWQigtU/N9F74c16zbkn0VXuPXWW8Opp54a7r777vD888/nez8xY8aM7FgMpeaCI+6Lxy644IItnjt37twwderUsNdee4U33ngj39t5Zs6cmW99Ytq0aflW61asWPGp55eKQRN/Dynivx1/r4ceemg466yz8r2tS30edDcxBQBdpAiqKQ/M27zSX3y8MH9N/hl0lZNPPjnceeed4cUXXwyNjY3ZIwbRFVdckR2PoRSjq6m4Lx7r379/9vziubNnzw4jR47MoqArYuC2227LxjPPPDMb42xaW2bF4vcYXXTRRdnYnF/84hfZGH/G1sTfV/E7iI/4+yy+pxtuuCGbwWtO6vOg0ogpAOhCn9uld1i44sMtlkyf88aqfIuucP7552++zG+fffbJ94aw5557ZseK/6h/7LHHsrHU5Zdfno3XX3999vzCIYccEv7jP/4j246zOi+99FK23RnizFf8GjGM4vdRRFxLs02FeDli/PliODZ3OWP8t2PMjB8/PhxwwAH53raLv8/4PRW/w+L31ZrU50F3E1MA0EWKS/uaemXxWpf6VZDhw4fnW1uKl7/FaIlKQ6oQg2C//fbLtufMmZONnaGIpji7Vjref//92dia0047LRubm526+uqrs/Hss8/OxlTF14i/r/aEZerzoLuIKQDoAr9bsGarb+Ib98XQojIUM1JHHnlkNhaeeeaZbIyzNlszbty4bJw1a1Y2doZbbrklG0866aQtxnjPUVsu9YuzaPFnaDo7VcxKxZmuY489Nt/bcWvWpF3Gmvo86EpiCgC6wBeHfCacN35oOGp0/zBgx5753r94Zq5L/bpbnHmKM07xEroYG/GSv1KrVrX+f6O+fftm48qVK7Ox3OJsTbxnKwZPcYliHIt7oe69995sbE0xK1U6O1U899JLL83Gjli9+i8vDowePTrfal3q86C7iCkA6ALxTXy/sPuO4TsH7xauPXWvcPFxw8PRXxiwOaxeXbI2LH9/fbZN1yqW544rycVQiQtLTJ8+PT/6Fy+88EK+1X3uueeebJw4cWI2FopL/YpZq9Y0nZ2KM1rxPqUYZc1dwthe1157bTbGyx4HDhyYbbdF6vOgu4gpAOgGe+/aO1vdL4bVJSeMCCd8aVCYt2xdfpTuEuPipz/9aavv29Rd4qV80YknnpiNhdNPPz0bYwy2dWn20tmpuEphvE+po7NSpbN70TXXXJONrUl9HnQ3MQUA3WzEoB3CiWN2DmOG9cn30JWK5bljSN14443ZOGHChGZXu+tOMTji9xZnbeLKg6Xix8XiF2291C/OTsWZqPhvxvfNSpmVis8rffPdOLtXBF+c4Ytfozmpz4NKI6YAADaJQXLGGWeEn/zkJ9nHTd8vasyYMflW9yje/ynOPpWGSPGI+6Obb745G9uidCaqHPdKxSArll5vT5ilPg+6m5gCACjxV3/1V9lYLINeKBaXaEmxSEW/fv2ysZzaOlMWg6Sty4rHcIkhE9+gNyVimr757uuvv569X1TTmbOmUp8HlUZMAQC0wUEHHZSNxX09zXnkkUey8ctf/nI2lku8hyvGXVw0ojRCmj6KZduLhSraIobM8uXL84+A9hBTAAAlrrvuumyMMzal4n08cQYnam6WKN7TVFxqV0RNudx+++3Z+O1vfzsbt6Y4Ht8vCuh8YgoAqCujRo0KkydPzmZ7Sle+i5fGxUvdioUQmruHaNKkSdkY76cqDaoYUuecc062HUOqeA+ocojLlhff09ixY7Nxa4rjcRarUlckhFoipgCAuhLvKZo6dWq2Yl+cfSoWcNh33303R8uFF17Y7D1EcQnyuGpejJVTTz1183OL96iKM1fx3p9ymjlzZjbG95Jq7b2X4vHiPaemTZuWjUDnEVMAQF158cUXswUQ4gxScdleVKwoN3v27HDZZZfle7cUYyW+oW98frEUeRSfGwPstddeK/siCrfddls2nnDCCdnYmuLzijfjBTpPQ2O8WxEAqGgN5zwRGq85PP8IoG387ehcZqYAAAASiCkAAIAEYgoAACCBmAIAAEggpgAAABKIKQAAgARiCgAAIIGYAgAASCCmAAAAEogpAACABGIKAAAggZgCAABIIKYAAAASiCkAAIAEYgoAACCBmAIAAEggpgAAABKIKQAAgARiCgAAIIGYAgAASCCmAAAAEogpAACABGIKAAAggZgCAABIIKYAAAASiCkAAIAEYgoAACCBmAIAAEggpgAAABKIKQAAgARiCgAAIIGYAgAASCCmAAAAEogpAACABGIKAAAggZgCAABIIKYAAAASiCkAAIAEYgoAACCBmAIAAEggpgAAABKIKQAAgARiCgAAIIGYAgAASCCmAAAAEogpAACABGIKAAAggZgCAABIIKYAAAASiCkAAIAEYgoAACCBmAIAAEggpgAAABKIKQAAgARiCgAAIEFD4yb5NgBQoRrOeSLfAmifxmsOz7coNzEFAACQwGV+AAAACcQUAABAAjEFAACQQEwBAAAkEFMAAAAJxBQAAEACMQUAAJBATAEAACQQUwAAAAnEFAAAQAIxBQAAkEBMAQAAJBBTAAAACcQUAABAAjEFAACQQEwBAAAkEFMAAAAJxBQAAEACMQUAAJBATAEAACQQUwAAAAnEFAAAQAIxBQAAkEBMAQAAJBBTAAAACcQUAABAAjEFAACQQEwBAAAkEFMAAAAJxBQAAEACMQUAAJBATAEAACQQUwAAAAnEFAAAQAIxBQAAkEBMAQAAJBBTAAAACcQUAABAAjEFAACQQEwBAAAkEFMAAAAJxBQAAEC7hfD/A9SEK0Qljc6HAAAAAElFTkSuQmCC"/>
+          <p:cNvSpPr>
+            <a:spLocks noChangeAspect="1" noChangeArrowheads="1"/>
+          </p:cNvSpPr>
+          <p:nvPr/>
+        </p:nvSpPr>
+        <p:spPr bwMode="auto">
+          <a:xfrm>
+            <a:off x="155575" y="-144463"/>
+            <a:ext cx="304800" cy="304801"/>
+          </a:xfrm>
+          <a:prstGeom prst="rect">
+            <a:avLst/>
+          </a:prstGeom>
+          <a:noFill/>
+          <a:extLst>
+            <a:ext uri="{909E8E84-426E-40DD-AFC4-6F175D3DCCD1}">
+              <a14:hiddenFill xmlns:a14="http://schemas.microsoft.com/office/drawing/2010/main">
+                <a:solidFill>
+                  <a:srgbClr val="FFFFFF"/>
+                </a:solidFill>
+              </a14:hiddenFill>
+            </a:ext>
+          </a:extLst>
+        </p:spPr>
+        <p:txBody>
+          <a:bodyPr vert="horz" wrap="square" lIns="91440" tIns="45720" rIns="91440" bIns="45720" numCol="1" anchor="t" anchorCtr="0" compatLnSpc="1">
+            <a:prstTxWarp prst="textNoShape">
+              <a:avLst/>
+            </a:prstTxWarp>
+          </a:bodyPr>
+          <a:lstStyle/>
+          <a:p>
+            <a:endParaRPr lang="pt-BR"/>
+          </a:p>
+        </p:txBody>
+      </p:sp>
+      <p:pic>
+        <p:nvPicPr>
+          <p:cNvPr id="6" name="Imagem 5"/>
+          <p:cNvPicPr>
+            <a:picLocks noChangeAspect="1"/>
+          </p:cNvPicPr>
+          <p:nvPr/>
+        </p:nvPicPr>
+        <p:blipFill>
+          <a:blip r:embed="rId2"/>
+          <a:stretch>
+            <a:fillRect/>
+          </a:stretch>
+        </p:blipFill>
+        <p:spPr>
+          <a:xfrm>
+            <a:off x="2707035" y="1385456"/>
+            <a:ext cx="7286710" cy="4867552"/>
+          </a:xfrm>
+          <a:prstGeom prst="rect">
+            <a:avLst/>
+          </a:prstGeom>
+        </p:spPr>
+      </p:pic>
     </p:spTree>
     <p:extLst>
       <p:ext uri="{BB962C8B-B14F-4D97-AF65-F5344CB8AC3E}">
@@ -9244,6 +11469,13 @@
   <p:clrMapOvr>
     <a:masterClrMapping/>
   </p:clrMapOvr>
+  <p:timing>
+    <p:tnLst>
+      <p:par>
+        <p:cTn id="1" dur="indefinite" restart="never" nodeType="tmRoot"/>
+      </p:par>
+    </p:tnLst>
+  </p:timing>
 </p:sld>
 </file>
 
@@ -9295,7 +11527,7 @@
         </p:style>
         <p:txBody>
           <a:bodyPr vert="horz" lIns="91440" tIns="45720" rIns="91440" bIns="45720" rtlCol="0">
-            <a:normAutofit fontScale="92500" lnSpcReduction="10000"/>
+            <a:normAutofit/>
           </a:bodyPr>
           <a:lstStyle>
             <a:lvl1pPr marL="0" indent="0" algn="l" defTabSz="914400" rtl="0" eaLnBrk="1" latinLnBrk="0" hangingPunct="1">
@@ -9472,6 +11704,214 @@
             </a:lvl9pPr>
           </a:lstStyle>
           <a:p>
+            <a:pPr>
+              <a:lnSpc>
+                <a:spcPct val="100000"/>
+              </a:lnSpc>
+            </a:pPr>
+            <a:r>
+              <a:rPr lang="en-US" sz="1900" dirty="0">
+                <a:solidFill>
+                  <a:schemeClr val="bg2">
+                    <a:lumMod val="10000"/>
+                  </a:schemeClr>
+                </a:solidFill>
+              </a:rPr>
+              <a:t>Para </a:t>
+            </a:r>
+            <a:r>
+              <a:rPr lang="en-US" sz="1900" dirty="0" err="1" smtClean="0">
+                <a:solidFill>
+                  <a:schemeClr val="bg2">
+                    <a:lumMod val="10000"/>
+                  </a:schemeClr>
+                </a:solidFill>
+              </a:rPr>
+              <a:t>otimizar</a:t>
+            </a:r>
+            <a:r>
+              <a:rPr lang="en-US" sz="1900" dirty="0" smtClean="0">
+                <a:solidFill>
+                  <a:schemeClr val="bg2">
+                    <a:lumMod val="10000"/>
+                  </a:schemeClr>
+                </a:solidFill>
+              </a:rPr>
+              <a:t> a </a:t>
+            </a:r>
+            <a:r>
+              <a:rPr lang="en-US" sz="1900" dirty="0" err="1" smtClean="0">
+                <a:solidFill>
+                  <a:schemeClr val="bg2">
+                    <a:lumMod val="10000"/>
+                  </a:schemeClr>
+                </a:solidFill>
+              </a:rPr>
+              <a:t>entrega</a:t>
+            </a:r>
+            <a:r>
+              <a:rPr lang="en-US" sz="1900" dirty="0">
+                <a:solidFill>
+                  <a:schemeClr val="bg2">
+                    <a:lumMod val="10000"/>
+                  </a:schemeClr>
+                </a:solidFill>
+              </a:rPr>
+              <a:t> </a:t>
+            </a:r>
+            <a:r>
+              <a:rPr lang="en-US" sz="1900" dirty="0" smtClean="0">
+                <a:solidFill>
+                  <a:schemeClr val="bg2">
+                    <a:lumMod val="10000"/>
+                  </a:schemeClr>
+                </a:solidFill>
+              </a:rPr>
+              <a:t>do portal OBM, </a:t>
+            </a:r>
+            <a:r>
+              <a:rPr lang="en-US" sz="1900" dirty="0" err="1" smtClean="0">
+                <a:solidFill>
+                  <a:schemeClr val="bg2">
+                    <a:lumMod val="10000"/>
+                  </a:schemeClr>
+                </a:solidFill>
+              </a:rPr>
+              <a:t>foi</a:t>
+            </a:r>
+            <a:r>
+              <a:rPr lang="en-US" sz="1900" dirty="0" smtClean="0">
+                <a:solidFill>
+                  <a:schemeClr val="bg2">
+                    <a:lumMod val="10000"/>
+                  </a:schemeClr>
+                </a:solidFill>
+              </a:rPr>
+              <a:t> </a:t>
+            </a:r>
+            <a:r>
+              <a:rPr lang="en-US" sz="1900" dirty="0" err="1" smtClean="0">
+                <a:solidFill>
+                  <a:schemeClr val="bg2">
+                    <a:lumMod val="10000"/>
+                  </a:schemeClr>
+                </a:solidFill>
+              </a:rPr>
+              <a:t>acordado</a:t>
+            </a:r>
+            <a:r>
+              <a:rPr lang="en-US" sz="1900" dirty="0" smtClean="0">
+                <a:solidFill>
+                  <a:schemeClr val="bg2">
+                    <a:lumMod val="10000"/>
+                  </a:schemeClr>
+                </a:solidFill>
+              </a:rPr>
+              <a:t> com a </a:t>
+            </a:r>
+            <a:r>
+              <a:rPr lang="en-US" sz="1900" dirty="0" err="1" smtClean="0">
+                <a:solidFill>
+                  <a:schemeClr val="bg2">
+                    <a:lumMod val="10000"/>
+                  </a:schemeClr>
+                </a:solidFill>
+              </a:rPr>
+              <a:t>equipe</a:t>
+            </a:r>
+            <a:r>
+              <a:rPr lang="en-US" sz="1900" dirty="0" smtClean="0">
+                <a:solidFill>
+                  <a:schemeClr val="bg2">
+                    <a:lumMod val="10000"/>
+                  </a:schemeClr>
+                </a:solidFill>
+              </a:rPr>
+              <a:t> do </a:t>
+            </a:r>
+            <a:r>
+              <a:rPr lang="en-US" sz="1900" dirty="0" err="1" smtClean="0">
+                <a:solidFill>
+                  <a:schemeClr val="bg2">
+                    <a:lumMod val="10000"/>
+                  </a:schemeClr>
+                </a:solidFill>
+              </a:rPr>
+              <a:t>Ministério</a:t>
+            </a:r>
+            <a:r>
+              <a:rPr lang="en-US" sz="1900" dirty="0" smtClean="0">
+                <a:solidFill>
+                  <a:schemeClr val="bg2">
+                    <a:lumMod val="10000"/>
+                  </a:schemeClr>
+                </a:solidFill>
+              </a:rPr>
+              <a:t> da Saúde em 23/11/2023 a </a:t>
+            </a:r>
+            <a:r>
+              <a:rPr lang="en-US" sz="1900" dirty="0" err="1" smtClean="0">
+                <a:solidFill>
+                  <a:schemeClr val="bg2">
+                    <a:lumMod val="10000"/>
+                  </a:schemeClr>
+                </a:solidFill>
+              </a:rPr>
+              <a:t>seguinte</a:t>
+            </a:r>
+            <a:r>
+              <a:rPr lang="en-US" sz="1900" dirty="0" smtClean="0">
+                <a:solidFill>
+                  <a:schemeClr val="bg2">
+                    <a:lumMod val="10000"/>
+                  </a:schemeClr>
+                </a:solidFill>
+              </a:rPr>
+              <a:t> </a:t>
+            </a:r>
+            <a:r>
+              <a:rPr lang="en-US" sz="1900" dirty="0" err="1" smtClean="0">
+                <a:solidFill>
+                  <a:schemeClr val="bg2">
+                    <a:lumMod val="10000"/>
+                  </a:schemeClr>
+                </a:solidFill>
+              </a:rPr>
+              <a:t>divisão</a:t>
+            </a:r>
+            <a:r>
+              <a:rPr lang="en-US" sz="1900" dirty="0" smtClean="0">
+                <a:solidFill>
+                  <a:schemeClr val="bg2">
+                    <a:lumMod val="10000"/>
+                  </a:schemeClr>
+                </a:solidFill>
+              </a:rPr>
+              <a:t>: </a:t>
+            </a:r>
+            <a:endParaRPr lang="en-US" sz="1900" dirty="0">
+              <a:solidFill>
+                <a:schemeClr val="bg2">
+                  <a:lumMod val="10000"/>
+                </a:schemeClr>
+              </a:solidFill>
+            </a:endParaRPr>
+          </a:p>
+          <a:p>
+            <a:pPr>
+              <a:lnSpc>
+                <a:spcPct val="100000"/>
+              </a:lnSpc>
+            </a:pPr>
+            <a:endParaRPr lang="en-US" sz="1900" dirty="0" smtClean="0">
+              <a:solidFill>
+                <a:schemeClr val="bg2">
+                  <a:lumMod val="10000"/>
+                </a:schemeClr>
+              </a:solidFill>
+            </a:endParaRPr>
+          </a:p>
+          <a:p>
             <a:pPr marL="285750" indent="-285750">
               <a:lnSpc>
                 <a:spcPct val="100000"/>
@@ -9480,136 +11920,95 @@
               <a:buChar char="•"/>
             </a:pPr>
             <a:r>
-              <a:rPr lang="en-US" sz="2800" dirty="0">
+              <a:rPr lang="en-US" sz="1900" dirty="0" err="1" smtClean="0">
                 <a:solidFill>
                   <a:schemeClr val="bg2">
                     <a:lumMod val="10000"/>
                   </a:schemeClr>
                 </a:solidFill>
               </a:rPr>
-              <a:t>Para </a:t>
-            </a:r>
-            <a:r>
-              <a:rPr lang="en-US" sz="2800" dirty="0" err="1">
+              <a:t>Equipe</a:t>
+            </a:r>
+            <a:r>
+              <a:rPr lang="en-US" sz="1900" dirty="0" smtClean="0">
                 <a:solidFill>
                   <a:schemeClr val="bg2">
                     <a:lumMod val="10000"/>
                   </a:schemeClr>
                 </a:solidFill>
               </a:rPr>
-              <a:t>acelerar</a:t>
-            </a:r>
-            <a:r>
-              <a:rPr lang="en-US" sz="2800" dirty="0">
+              <a:t> MS: </a:t>
+            </a:r>
+            <a:r>
+              <a:rPr lang="en-US" sz="1900" dirty="0" err="1" smtClean="0">
                 <a:solidFill>
                   <a:schemeClr val="bg2">
                     <a:lumMod val="10000"/>
                   </a:schemeClr>
                 </a:solidFill>
               </a:rPr>
-              <a:t> a </a:t>
-            </a:r>
-            <a:r>
-              <a:rPr lang="en-US" sz="2800" dirty="0" err="1">
+              <a:t>carga</a:t>
+            </a:r>
+            <a:r>
+              <a:rPr lang="en-US" sz="1900" dirty="0" smtClean="0">
                 <a:solidFill>
                   <a:schemeClr val="bg2">
                     <a:lumMod val="10000"/>
                   </a:schemeClr>
                 </a:solidFill>
               </a:rPr>
-              <a:t>finalização</a:t>
-            </a:r>
-            <a:r>
-              <a:rPr lang="en-US" sz="2800" dirty="0">
+              <a:t> dos </a:t>
+            </a:r>
+            <a:r>
+              <a:rPr lang="en-US" sz="1900" dirty="0" err="1" smtClean="0">
                 <a:solidFill>
                   <a:schemeClr val="bg2">
                     <a:lumMod val="10000"/>
                   </a:schemeClr>
                 </a:solidFill>
               </a:rPr>
-              <a:t> da carga dos AMPPs,  </a:t>
-            </a:r>
-            <a:r>
-              <a:rPr lang="en-US" sz="2800" dirty="0" err="1">
+              <a:t>medicamentos</a:t>
+            </a:r>
+            <a:r>
+              <a:rPr lang="en-US" sz="1900" dirty="0" smtClean="0">
                 <a:solidFill>
                   <a:schemeClr val="bg2">
                     <a:lumMod val="10000"/>
                   </a:schemeClr>
                 </a:solidFill>
               </a:rPr>
-              <a:t>em</a:t>
-            </a:r>
-            <a:r>
-              <a:rPr lang="en-US" sz="2800" dirty="0">
+              <a:t> com </a:t>
+            </a:r>
+            <a:r>
+              <a:rPr lang="pt-BR" sz="1900" dirty="0">
                 <a:solidFill>
                   <a:schemeClr val="bg2">
                     <a:lumMod val="10000"/>
                   </a:schemeClr>
                 </a:solidFill>
               </a:rPr>
-              <a:t> 23/11/2023 com a </a:t>
-            </a:r>
-            <a:r>
-              <a:rPr lang="en-US" sz="2800" dirty="0" err="1">
+              <a:t>substância </a:t>
+            </a:r>
+            <a:r>
+              <a:rPr lang="pt-BR" sz="1900" dirty="0" smtClean="0">
                 <a:solidFill>
                   <a:schemeClr val="bg2">
                     <a:lumMod val="10000"/>
                   </a:schemeClr>
                 </a:solidFill>
               </a:rPr>
-              <a:t>equipe</a:t>
-            </a:r>
-            <a:r>
-              <a:rPr lang="en-US" sz="2800" dirty="0">
-                <a:solidFill>
-                  <a:schemeClr val="bg2">
-                    <a:lumMod val="10000"/>
-                  </a:schemeClr>
-                </a:solidFill>
-              </a:rPr>
-              <a:t> do MS </a:t>
-            </a:r>
-            <a:r>
-              <a:rPr lang="en-US" sz="2800" dirty="0" err="1">
-                <a:solidFill>
-                  <a:schemeClr val="bg2">
-                    <a:lumMod val="10000"/>
-                  </a:schemeClr>
-                </a:solidFill>
-              </a:rPr>
-              <a:t>ficou</a:t>
-            </a:r>
-            <a:r>
-              <a:rPr lang="en-US" sz="2800" dirty="0">
-                <a:solidFill>
-                  <a:schemeClr val="bg2">
-                    <a:lumMod val="10000"/>
-                  </a:schemeClr>
-                </a:solidFill>
-              </a:rPr>
-              <a:t> </a:t>
-            </a:r>
-            <a:r>
-              <a:rPr lang="en-US" sz="2800" dirty="0" err="1" smtClean="0">
-                <a:solidFill>
-                  <a:schemeClr val="bg2">
-                    <a:lumMod val="10000"/>
-                  </a:schemeClr>
-                </a:solidFill>
-              </a:rPr>
-              <a:t>acordado</a:t>
-            </a:r>
-            <a:r>
-              <a:rPr lang="en-US" sz="2800" dirty="0" smtClean="0">
-                <a:solidFill>
-                  <a:schemeClr val="bg2">
-                    <a:lumMod val="10000"/>
-                  </a:schemeClr>
-                </a:solidFill>
-              </a:rPr>
-              <a:t>:</a:t>
-            </a:r>
-            <a:endParaRPr lang="en-US" sz="2800" dirty="0">
+              <a:t>única, exceto injetáveis;</a:t>
+            </a:r>
+          </a:p>
+          <a:p>
+            <a:pPr marL="285750" indent="-285750">
+              <a:lnSpc>
+                <a:spcPct val="100000"/>
+              </a:lnSpc>
+              <a:buFont typeface="Arial" panose="020B0604020202020204" pitchFamily="34" charset="0"/>
+              <a:buChar char="•"/>
+            </a:pPr>
+            <a:endParaRPr lang="pt-BR" sz="1900" dirty="0">
               <a:solidFill>
                 <a:schemeClr val="bg2">
                   <a:lumMod val="10000"/>
@@ -9618,7 +12017,7 @@
             </a:endParaRPr>
           </a:p>
           <a:p>
-            <a:pPr marL="1743075" indent="-581025">
+            <a:pPr marL="285750" indent="-285750">
               <a:lnSpc>
                 <a:spcPct val="100000"/>
               </a:lnSpc>
@@ -9626,73 +12025,64 @@
               <a:buChar char="•"/>
             </a:pPr>
             <a:r>
-              <a:rPr lang="en-US" sz="2800" dirty="0" err="1">
+              <a:rPr lang="pt-BR" sz="1900" dirty="0" smtClean="0">
                 <a:solidFill>
                   <a:schemeClr val="bg2">
                     <a:lumMod val="10000"/>
                   </a:schemeClr>
                 </a:solidFill>
               </a:rPr>
-              <a:t>Equipe</a:t>
-            </a:r>
-            <a:r>
-              <a:rPr lang="en-US" sz="2800" dirty="0">
+              <a:t>Equipe HSL: carga dos medicamentos com substâncias compostas </a:t>
+            </a:r>
+            <a:r>
+              <a:rPr lang="pt-BR" sz="1900" dirty="0">
                 <a:solidFill>
                   <a:schemeClr val="bg2">
                     <a:lumMod val="10000"/>
                   </a:schemeClr>
                 </a:solidFill>
               </a:rPr>
-              <a:t> MS </a:t>
-            </a:r>
-            <a:r>
-              <a:rPr lang="en-US" sz="2800" dirty="0" err="1">
+              <a:t>e injetáveis </a:t>
+            </a:r>
+            <a:r>
+              <a:rPr lang="pt-BR" sz="1900" dirty="0" smtClean="0">
                 <a:solidFill>
                   <a:schemeClr val="bg2">
                     <a:lumMod val="10000"/>
                   </a:schemeClr>
                 </a:solidFill>
               </a:rPr>
-              <a:t>responsável</a:t>
-            </a:r>
-            <a:r>
-              <a:rPr lang="en-US" sz="2800" dirty="0">
+              <a:t>na </a:t>
+            </a:r>
+            <a:r>
+              <a:rPr lang="pt-BR" sz="1900" dirty="0">
                 <a:solidFill>
                   <a:schemeClr val="bg2">
                     <a:lumMod val="10000"/>
                   </a:schemeClr>
                 </a:solidFill>
               </a:rPr>
-              <a:t> carga dos AMPPs de </a:t>
-            </a:r>
-            <a:r>
-              <a:rPr lang="pt-BR" sz="2800" dirty="0">
+              <a:t>inserção </a:t>
+            </a:r>
+            <a:r>
+              <a:rPr lang="pt-BR" sz="1900" dirty="0" smtClean="0">
                 <a:solidFill>
                   <a:schemeClr val="bg2">
                     <a:lumMod val="10000"/>
                   </a:schemeClr>
                 </a:solidFill>
               </a:rPr>
-              <a:t>substância única e administração via oral a partir da planilha</a:t>
-            </a:r>
-          </a:p>
-          <a:p>
-            <a:pPr marL="1743075" indent="-581025">
-              <a:lnSpc>
-                <a:spcPct val="100000"/>
-              </a:lnSpc>
-              <a:buFont typeface="Arial" panose="020B0604020202020204" pitchFamily="34" charset="0"/>
-              <a:buChar char="•"/>
-            </a:pPr>
-            <a:r>
-              <a:rPr lang="pt-BR" sz="2800" dirty="0">
+              <a:t>para </a:t>
+            </a:r>
+            <a:r>
+              <a:rPr lang="pt-BR" sz="1900" dirty="0">
                 <a:solidFill>
                   <a:schemeClr val="bg2">
                     <a:lumMod val="10000"/>
                   </a:schemeClr>
                 </a:solidFill>
               </a:rPr>
-              <a:t>Equipe HSL responsável pela carga dos medicamentos compostos e injetáveis ficarão com a equipe do HSL na inserção manual para o portal OBM. </a:t>
+              <a:t>o portal OBM. </a:t>
             </a:r>
           </a:p>
           <a:p>
@@ -9852,8 +12242,20 @@
           <a:p>
             <a:pPr algn="just"/>
             <a:r>
-              <a:rPr lang="pt-BR" sz="2400" dirty="0"/>
-              <a:t>Atividade 1.4 – Atualizar a OBM com o elenco de medicamentos da lista Hórus e respectivos produtos medicinais conforme base da CMED atualizada até maio/23 </a:t>
+              <a:rPr lang="en-US" sz="2400" dirty="0" err="1" smtClean="0"/>
+              <a:t>Definição</a:t>
+            </a:r>
+            <a:r>
+              <a:rPr lang="en-US" sz="2400" dirty="0" smtClean="0"/>
+              <a:t> da </a:t>
+            </a:r>
+            <a:r>
+              <a:rPr lang="en-US" sz="2400" dirty="0" err="1" smtClean="0"/>
+              <a:t>entrega</a:t>
+            </a:r>
+            <a:r>
+              <a:rPr lang="en-US" sz="2400" dirty="0" smtClean="0"/>
+              <a:t> de AMPPs</a:t>
             </a:r>
             <a:endParaRPr lang="en-US" sz="2400" kern="1200" dirty="0"/>
           </a:p>
@@ -9869,6 +12271,13 @@
   <p:clrMapOvr>
     <a:masterClrMapping/>
   </p:clrMapOvr>
+  <p:timing>
+    <p:tnLst>
+      <p:par>
+        <p:cTn id="1" dur="indefinite" restart="never" nodeType="tmRoot"/>
+      </p:par>
+    </p:tnLst>
+  </p:timing>
 </p:sld>
 </file>
 
@@ -10000,13 +12409,124 @@
           <a:p>
             <a:pPr algn="just"/>
             <a:r>
-              <a:rPr lang="pt-BR" sz="2400" dirty="0"/>
-              <a:t>Atividade 1.4 – Atualizar a OBM com o elenco de medicamentos da lista Hórus e respectivos produtos medicinais conforme base da CMED atualizada até maio/23 </a:t>
+              <a:rPr lang="en-US" sz="2400" dirty="0" err="1" smtClean="0"/>
+              <a:t>Medicamentos</a:t>
+            </a:r>
+            <a:r>
+              <a:rPr lang="en-US" sz="2400" dirty="0" smtClean="0"/>
+              <a:t> </a:t>
+            </a:r>
+            <a:r>
+              <a:rPr lang="en-US" sz="2400" dirty="0" err="1" smtClean="0"/>
+              <a:t>cadastrados</a:t>
+            </a:r>
+            <a:r>
+              <a:rPr lang="en-US" sz="2400" dirty="0" smtClean="0"/>
+              <a:t> no portal OBM em 2023</a:t>
             </a:r>
             <a:endParaRPr lang="en-US" sz="2400" kern="1200" dirty="0"/>
           </a:p>
         </p:txBody>
       </p:sp>
+      <p:sp>
+        <p:nvSpPr>
+          <p:cNvPr id="2" name="AutoShape 1" descr="data:image/png;base64,iVBORw0KGgoAAAANSUhEUgAAAeIAAAEfCAYAAACd5cVkAAAAAXNSR0IArs4c6QAAIABJREFUeF7tnVFoHce5x+eGgFSoUBCiBBHQQ0JDXTChFYQUkttSUfJQUdzQpq3TUKkVLgSk6qUYgfMQgwiFokoQqNFtVNKEJgE3D3poCHKd64eGgFJMIAkuLTRQjBqEkFAoxxByL9/eO8tovHvO7GjP2ZnZ34EQ+ZzZ3e/7fd/Of7/Z2Z3/UHwgAAEIQAACEGiMwH/IkT/88MP/6XQ6jRnBgSEAAQhAAAJtJPDpp5/+dybEN27c+J/Pf/7zbWSAzxCAAAQgAIHGCPz1r39VCHFj+DkwBCAAAQi0nQBC3PYMwH8IQAACEGiUAELcKH4ODgEIQAACbSeAELc9A/AfAhCAAAQaJYAQN4qfg0MAAhCAQNsJIMRtzwD8hwAEIACBRgkgxI3i5+AQgAAEINB2Aghx2zMA/yEAAQhAoFECCHGj+Dk4BCAAAQi0nQBC3PYMwH8IQAACEGiUAELcKH4ODgEIQAACbSeAELc9A/AfAhCAAAQaJYAQN4qfg0MAAhCAQNsJIMRtz4Ae/h8eHqqLFy+q6elp9eijj0LLg8Dzzz+v9vb21OLiohoaGlLy7/fff19duHBBjY6OeuzRbZMPP/xQraysqKeeekqdPn3abSNaQQACAyeAEA8ceX8O+O6776pnn3322M6ffPLJE4snQnzyeCHEJ2coeyjK8QceeCC/wNFHuXXrllpbW1PXr18/duCJiYnbLn5ef/119cILL2Ttzp8/X3rBoi9qjo6OVK/zytyn7LfouPK9uc+ydrbPIyMjanl5WU1OTh7zTXJse3s7/67smPVEgr3UTQAhrptoA/uTk/Dtt98+doLqzkiq2JNUQ/0SYlucGsA2sEM25WtKFXG3HP/73/9emPvj4+Nqbm4ui7M+Hz766KNjYiyi+dprr6nPfvaz6otf/GLe3k4OOf57772nPv74Y3XmzJnSC1wRTtmnHv3Q54/szxwB0bEx92X7KG02NzfV0tJSNnKifbD9tY9Z5uvAEp4DVSaAEFdGFtYG+oq529X8SSxGiE9C7/+2RYhPxlCLZVElqEVHjqDFT39nCrH8XnSuyL6lkvzyl7+s3nzzzcJqU58D0uadd96pfJtGV8j6HC2yWexzOde0D72q8n73CyeLKFvbBBDiiHOi7IQuc8keMpP7vrpi0NuYQ2EyDCb3F2Xozr5H7LIvc7hMD5UdHBxk9y1liM/86E5KtpHP1NRUNtRuDsXZQ3nSzr4A0Z3ZzZs3s/0U+Wget9vx7CFO12FBu5O0hVh3/rpCslmKffbQoj30WNQRm/uR7aXNc889d9s9YpfhTpt1t45fM5c2wl0P9RYNG9vxKWOqY+SS47ZQdxNi4WEKuo6FZlVU7eo2CwsLan19vbIQ26JYJrguvhZV0kXne7eLl4i7vGRNR4gjDq3rSamrMumc9YSroitru8Mouy8motBrX7bYyL53dnZy4S+rErXg2J14N3u1SBR1wLI/EfWy4fmy4+nO8nOf+1xeaZVVNubwv92mqCK22ZgpqI976tSpjFXRLYaiY9gdrym25sVK2bYinrqdLRRiw8bGhpqZmbnt3qRZyYkI61jYfki7sqFWe7jY5OGS43abojwoiqccx4zF5cuXj02qk9/NfT322GNeExft2HS7ZdBrIp9Lpav3/+CDD5YOtUfc7SVpOkIccVhdOqky9+zOqqyKcDlGmQDKse2KW9vTTYjL7nfbQ422yHU6nayjFDFwvS9edO/R7qD1zOYyRkVCao4g9KqIze1dKhlbKMsqrKqVmOYrMZfKTypAe1JQUT4ViW4ZQ3t7sdGuUusSYnuyVtEIiinE4reMwpgXLqZ9d911V2UhLqpyu4lpLyEu+91lhCriri550xHiiEPsIpK9hFh+l3trWsTsIWiX+1ZFnY3uGMqGhrsJsfmoj66kZDi7bNhQJtvIcOPdd9+dz5Z1vWdexY6i6tbmWyRKrkLswtqsQHXVXFZh2d+7CoAcQy5o5PZB0X3ZMp+Lbl/o2JQJeq8KzyXHXSpifWEglb85zG4KsfZbcy270KvyKF/RhZVrHOxH23qx0nEpm9QVcVeXvOkIccQhdumkTPfs+4zymx4C3t3dze7d2mJXJg7d9iXPypodn/xddM/TFtwyoes2lGdXVPZ9XZd7xLYdZY+/aJbmsHlZW/O4rkJcVu30OkZZB10kxGXVpz1cbt/LdblH7CLERff5iypVzdolx20/u41c2IyL7tfriwexwXwO2/VCSdteNrHKR4irDjeXjVJE3N0lbTpCHHF4y+572S4VPc5gV7GuFbHLvrQQ253pvffee+ylFlWFuFdFbFdduirvJiJVK2KTbRF/34q47GLD5Rh1V8R2JaYvuspGGcoEquy+tRmPXlWei6C4TtbSF4cyS9qcKGf+2xR+aW/+VkWItV9FF4JlFxdlk7V0e/P86dVtuUz86rUPfh8cAYR4cKz7ciSXe4pFJ759oopx8hKEskc+dOfpsi9biIs6wCoC2KvCKRJ0OabLPd0yO7pNqLIrHlOgfIS4W6dZJFT2MboJYbdJWNqPXpx6CZCrEBdV/L2EWI+S2PMGtO1FvHvli/lWMzvOett//etf2TPD5oSnXhzsC8+yyVK9BNe84HS92LY7F5cLmL50SOzUiwBC7IUtnI3K7gfp72XS0kMPPZTd87PvfcnVvjnMas+oLZo1XSY05r6kul5dXVWzs7PZZJ+ye8hF9w+7CaMpKlrcze/sFxu4DGuWHa+sIzNnjJfdm5RJQlWGpruJUZVjmGJVNmu6aHKa/Z3kgcyA1hPteomlqxCXzR6We9Hd7unr/dv3rPX3kgvmyzLKhLhoqLjogku3sx+tchFi1+rVZlo00lTmn9372E8x9Lp4Caf3whJNACFOJBfsWZPiljkEaN+bE6GQj11NmvuR+7o///nP1W9/+9tsFrJ+9MllX3Yb+3Ek+76n+RxxWYXr8vyrzaHXiw/KhNisqM3Zt/b+bJu++93vKjmpzJGFXveIi+63y/E1E5dj6M5Xv+ZQeP/oRz9Sv/jFL26bRW4zKnodom2Ti1C63CM29ytCd/bsWfXSSy85vQ+7KMeLhn673eO3/SgS4rIq1EWIy2Ip8Sl7JE93QfbvRf7qtmbM7Pv50oZXXMbVsSPEccULayEAAQhAIDECCHFiAcUdCEAAAhCIiwBCHFe8sBYCEIAABBIjgBAnFlDcgQAEIACBuAggxHHFC2shAAEIQCAxAghxYgHFHQhAAAIQiIsAQhxXvLAWAhCAAAQSI4AQJxZQ3IEABCAAgbgIIMRxxQtrIQABCEAgMQIIcWIBxR0IQAACEIiLAEIcV7ywFgIQgAAEEiOAECcWUNyBAAQgAIG4CCDEccULayEAAQhAIDECCHFiAcUdCEAAAhCIiwBCHFe8sBYCEIAABBIjgBAnFlDcgQAEIACBuAhUEuKiBeHn5uYyj80Fsc3F08u+Nxe9LlrcOy6MWAsBCEAAAhDwI1BZiLe2ttT8/LwaGhrKj/juu+8qEdbFxUXV6XTU6uqqmp2dVYeHh4Xfy4abm5tqaWlJDQ8Pq7W1NfXoo4+q06dP+3nBVhCAAAQgAIFICdQixFL1Tk1N5UKq/72zs1P4/c2bNzNcIr7yERE3/x0pS8yGAAQgAAEIVCZQWYhXVlbU0dFRdqDz589n4lskxBMTE0oE1xZo+V5/TCGWtnqYu7IXbAABCEAAAhCIlEAlITZ9lPvF6+vramFhQV25cuWY4OoK1xZi/b0txDK0LdUzQhxpFmE2BCAAAQh4E/AW4lu3bqmNjQ01MzNzmxAPYmh6b29P7e/vezvOhhCAAAQgAIG6CIyNjanx8XGv3XkLsVTEesKV/K0na+3u7vb8/uDgIG8jVuvJXZOTk15OsBEEIAABCEAgVgKVhNh8FGlkZEQtLy8rLZ7mb/resUAp+958fMl83ClWkNgNAQhAAAIQ8CFQSYh9DsA2EIAABCAAAQiUE0CIyQ4IQAACEIBAgwQQ4gbhc2gIQAACEIAAQkwOQAACEIAABBokgBA3CJ9DQwACEIAABBBicgACEIAABCDQIAGEuEH4HBoCEICAC4En/ut9l2bH2rz4k1OVt2GDZgggxM1w56gQgAAEnAkgxM6oomyIEEcZNoyGAATaRAAhTjvaXkIsr7SUVZjOnDmTLWWo/61XZZqens4XcDDfrGW+Qct8s5bZPm3ceAcBCECgOgGEuDqzmLaoLMR6sQdx8r777suFeGtrS83Pz6uhoaHcf1lVSb+DutPp5O+Ulgb6PdXDw8NqbW0t248sqcgHAhCAAASOE0CI086IykJctJShVMRFQly0TrGsTyzLI8rHXI/Y/HfayPEOAhCAQDUCCHE1XrG1riTEh4eH6vLly+rs2bPq6tWruZjaQ9N60YciIZ6YmMgZmUIs4sx6xLGlD/ZCAAKDIIAQD4Jyc8eoJMSmsOrKWIupdkFEeX19XS0sLNy2TnFRNS3byRD2zs4OQtxcHnBkCEAgYAIIccDBqcE0ZyGWe8NyL/f69evHDmsvYajvIc/MzNwmxFrIGZquIXLsAgIQaA0BhDjtUDsLsY2hW0WsJ2JJdawna+3u7uYTtA4ODvK/Zb+rq6tqdnY2X9vYBfne3p7a3993aUobCEAAAlETeObaJ5Xtf/qROytvwwb+BMbGxtT4+LjXDmoRYvMRpZGREbW8vJyLqvmbvncslpqPL9lVtZcnbAQBCEAgUQJUxIkG9v/d8hbitLHgHQQgAIFwCCDE4cSiH5YgxP2gyj4hAAEI1EgAIa4RZoC7QogDDAomQQACEDAJIMRp5wNCnHZ88Q4CEEiAAEKcQBC7uIAQpx1fvIMABBIggBAnEESEOO0g4h0EIJA2AYQ47fhSEacdX7yDAAQSIIAQJxBEKuK0g4h3EIBA2gQQ4rTjS0WcdnzxDgIQSIAAQpxAEKmI0w4i3kEAAmkTQIjTjq9XRayXPTxz5ky+prD5KkvzlZVl35uvuJyenmblpbTzDO8gAIETEECITwAvgk0rC7FeXUl8u++++zIhlmUM9eIOnU4nX8RB1i8u+l621QtDDA8PZ6s6yX5Onz4dATJMhAAEIDBYAgjxYHkP+miVhbhoTWFznWJxQP9b1hiemprKBZZlEAcdXo4HAQikQAAhTiGK5T5UEmKpcC9fvqzOnj2rrl69mu1VKtkiIZ6YmFCy7rAtxPK9/si28hFxl7Zzc3Np08Y7CEAAAh4EEGIPaBFtUkmITcE11yO2hVj/ZgtxUTUtrGRoW6pnhDiizMFUCEBgYAQQ4oGhbuRAzkIs94blXu7169ePGSoTs4oqX6mE+zk0vbe3p/b39xuBxkEhAAEIDJLAM9c+qXy4px+5s/I2bOBPYGxsTI2Pj3vtwFmI7b2bFbE5WWt3dzefiCWzq/VkLfP7g4ODvI3sd3V1Vc3OzqrJyUkvJ9gIAhCAQMoEqIhTjq5StQixIDIfUzp//vyxCVrb29sZRfN78/El83GntHHjHQQgAIHqBBDi6sxi2sJbiGNyElshAAEIxEwAIY45er1tR4h7M6IFBCAAgUYJIMSN4u/7wRHiviPmABCAAARORgAhPhm/0LdGiEOPEPZBAAKtJ4AQp50CCHHa8cU7CEAgAQIIcQJB7OICQpx2fPEOAhBIgABCnEAQEeK0g4h3EIBA2gQQ4rTjS0WcdnzxDgIQSIAAQpxAEKmI0w4i3kEAAmkTQIjTjm+lith+37R+U5a8ynJlZUUdHR1ltKanp/MFHMw3bplv0DLfrGW2Txs33kEAAhCoTgAhrs4spi0qCbG8U1o+p0+fViK+W1tban5+Xsl7pPXfQ0NDuf/mO6g7nU7+TmlpsLm5qZaWltTw8HC2mIQsiSj75QMBCEAAAscJIMRpZ0QlITZRmEsXmqJsCnHROsWyKpOs1iQfcz1i899pI8c7CEAAAtUIIMTVeMXWupIQm0PTExMT6sKFC2p0dDSrjs2haT1kXSTEsp3+mEIs4sx6xLGlD/ZCAAKDIIAQD4Jyc8eoJMSmmSK+enhZxFh/5Pv19XW1sLCgrly5oqQC1kPOeulEW4jN6ro5FBwZAhCAQJgEEOIw41KXVd5CLNXxxsaGmpmZObaOsPm9LcS6QmZouq7wsR8IQKANBBDitKNcSYivXbuWia78160i1pWytJEqeHFxMZvQpb8/ODjI/xa8q6uranZ29pig98K+t7en9vf3ezXjdwhAAALRE3jm2ieVfXj6kTsrb8MG/gTGxsbU+Pi41w4qCXG3e8Hb29uZASMjI2p5eTkXVfPxJX3vWNqZjy+ZjzV5ecFGEIAABBImQEWccHCVUpWEOG0UeAcBCEAgTAIIcZhxqcsqhLgukuwHAhCAQJ8IIMR9AhvIbhHiQAKBGRCAAATKCCDEaecGQpx2fPEOAhBIgABCnEAQu7iAEKcdX7yDAAQSIIAQJxBEhDjtIOIdBCCQNgGEOO34UhGnHV+8gwAEEiCAECcQRCritIOIdxCAQNoEEOK040tFnHZ88Q4CEEiAAEKcQBCpiNMOIt5BAAJpE0CI045vpYrYXAZRsJivrDRfZWm+srLse/MVl9PT0yyBmHae4R0EIHACAgjxCeBFsGklIZblCuUjyxrKe6e3trbU/Py8unHjRr64Q6fTyRdxODw8LPxe9qEXgBgeHlZra2tK1ibWyyVGwA0TIQABCAyMAEI8MNSNHKiSEJsWmmsI6+UNtZDqf+/s7Bxbj5hlEBuJMQeFAAQiJ4AQRx7AHuZXEmJzaHpiYkJduHBBjY6OqiIhlt9l3eGpqam80pV28r3+SBUsHxmmlrZzc3Np08Y7CEAAAh4EEGIPaBFtUkmITb/M9YgvX758THBFWOVjC7H+3hZis7qOiB2mQgACEBgIAYR4IJgbO4i3EEt1vLGxoWZmZtSVK1cKh6D7OTS9t7en9vf3GwPHgSEAAQgMisAz1z6pfKinH7mz8jZs4E9gbGxMjY+Pe+2gkhBfu3ZNTU5OZv+ZFbH8LdXu4uKi2t3dzSdilX1/cHCQtxGrV1dX1ezsbLZfPhCAAAQgcJwAFXHaGVFJiEVYV1ZW1NHRUUal7PEll+/Nx5fMx53Sxo13EIAABKoTQIirM4tpi0pCHJNj2AoBCEAgFQIIcSqRLPYDIU47vngHAQgkQAAhTiCIXVxAiNOOL95BAAIJEKhDiPef/lJlEmPP/KXyNmxQnQBCXJ0ZW0AAAhAYKAGEeKC4B34whHjgyDkgBCAAgWoEEOJqvGJrjRDHFjHshQAEWkcAIU475Ahx2vHFOwhAIAECCHECQeziAkKcdnzxDgIQSIAAQpxAEBHitIOIdxCAQNoEEOK041upIjZXXxIs+g1a9hu3pqen85WUZMWl7e3tjKL5Bi3zzVpm+7Rx4x0EIFAHgTqEqQ47BrWPOvyN6fGlOvwdVGzqOE4lIZZVkmRFJVm+UP423y+9tbWl5ufn1dDQUG6X2abT6eTvlJYGm5ubamlpSQ0PD6u1tbVsn3o94zocYx8QgEC6BNrWUdfhL0Ic7vlQSYhNN8xFH2QRhyIhLlqnWNYnFjGXj7kesfnvcHFhGQQgEAKBOoQpBD9cbajDX4TYlfbg23kLsbmGcNliEEVCPDExkXtpCrGI89zc3OAJcEQIRE7Ap5MWl1/8yaloPffxue3+IsThpruXEB8eHqpLly6pc+fOqdHR0WPeiSivr6+rhYWF29YplqFs86OF2BT1cFFhGQTCJOAjSghxmLEss8onxvaFB0IcbswrC7GesFV2T1d+39jYUDMzM7cJsa6QGZoONyGwLD4CPp00QhxXnH1ijBDHE+NKQiyV8MWLF7PZz2UTq8x7x/K3OaFLT9CSe8r6b0G1urqqZmdn1eTkpDO5vb09tb+/79yehhBIlcAz1z7xcu3pR+702i6EjXx8bru/4y9+r3Lo9p54ufI2dWwQY3zHxsbU+Pi4l/uVhNh85EgfTR5h2tnZyR9RGhkZUcvLy7momo8v6cedZFtzX+ZjTV5esBEEWkzAp1qiIo4rYXxiTEUcT4wrCXE8bmFpmwn4dFoxC1Pb/JVY+fjMZK14lkFsW3wR4jYrVqK++5zECHFcyeATY4QYIQ41yxHiUCODXd4EfDpphNgbdyMb+sQYIUaIG0lWh4MixA6QaBIXAZ9OGiFOP8YIMUIcapYjxKFGBru8CSDEbujaLkxulMJo5ZPTTNYKI3YuViDELpRoExUBn06LijiqEDNZyyFcCLEDpECaIMSBBAIz6iOAELuxpCJ24xRCK5+cRohDiJybDQixGydaRUTAp9OiIo4owDy+5BQshNgJUxCNEOIgwoARdRJAiN1oUhG7cQqhlU9OI8QhRM7NBoTYjROtIiLg02lREUcUYCpip2AhxE6YgmhUSYj1gg/Xr1/PjDdfWWm+ytJ8ZWXZ9+YrLqenp1kCMYh0SMMIhNgtjlTEbpxCaOWT0whxCJFzs6GSEMtyhbJykqy8JH/rBR1u3LiR/93pdPJFHGSRCN3G/F5M04s+DA8Pq7W1tWyfZQtJuLlCKwj8HwGfTouKOK7s8Ylx2y88WAYx3ByvJMSmG+YqS5cvX1ZTU1O5kOrlDmUxiKLvWQYx3IRIwTKfThohjivyPjFGiHmhR6hZ7i3EUhGL0M7NzSktvLqilX9PTExk1bMtxPK9/kgVLB+pmqWt7IsPBE5KwKeTRohPSn2w2/vEGCFGiAebpe5H8xJiGXK+dOmSOnfunBodHb1NiEVY5WMLsf7eFmJT1N1NpyUEign4dNIIcVzZ5BNjhBghDjXLKwuxnrBl3tMtqoilEu7n0PTe3p7a398PlSt2NUjAZ1FxMTfWhePb5q/EysfnWONbl7/jL36v8lm598TLlbepY4MY4zs2NqbGx8e93K8kxFIJX7x4UcmsaHNilTlxa3d3N5+IJfeR9WQt8/uDg4O8jVi9urqqZmdn1eTkpJcTbAQBk4BPtURFHFcO+cSYipiKONQsryTE5iNH2iH9CJP5mFLZY03m9+a+zMedQgWFXfEQ8OmkEeJ44iuW+sQYIUaIQ83ySkIcqhPYBQEq4uo50HZhqk6suS3quPDg8aXm4tfryAhxL0L8Hh0Bn06LijiuMPvEuO0XHghxuDmOEIcbGyzzJODTSSPEnrAb2swnxggxQ9MNpWvPwyLEPRHRIDYCPp00QhxXlH1ijBAjxKFmOUIcamRqtMun00KYagxAn3fVtvgKTh+fEWKEuM+novfuEWJvdPFs6NNpIcTEN2QCPjmNECPEoeY0QhxqZGq0y6fTQohrDECfd9W2+FIRuyUUqy+5cQqhFUIcQhT6bEPbOmr8dUuotleIbpTCaOWT0whxGLFzsQIhdqEUeRufk5iKOJ6gty2+VMRuuYkQu3EKoVVlIdbvmpZ3aurVkuRVlisrK+ro6CjzaXp6Ov/NfOOW+QYt881aZvsQoKRmQ9s6avx1y2AqYjdOIbTyyWmEOITIudlQSYhFcNfX19XDDz+cLbhgCvHW1paan59XQ0ND+ZHNd1B3Op38ndLSYHNzUy0tLanh4WG1tramzEUk3EynlSsBn5OYitiVbvPt2hZfKmK3nEOI3TiF0KqSEGuD7WULRaCLhLhsVSZZHlE+5nrE5r9DAJOSDW3rqPHXLXupiN04hdDKJ6cR4hAi52ZDbUJsDk2bC0HIcoh6pSYR5omJidwyU4hFnHWF7WY6rVwJ+JzEVMSudJtv17b4UhG75RxC7MYphFa1CLHpiB6+XlhYUFeuXFGmEMt9YfOjhdiusEMAk5INbeuo8dcte6mI3TiF0MonpxHiECLnZkPtQiyTuTY2NtTMzMxtQqyHqusYmt7b28vuU/PpTcBnkW3Za6wLqeNv75yIOb5iu0+MY83nuvwdf/F7bolhtNp74uXK29SxQYzxHRsbUzKJ2edTuxBLRawnYsnfUgUvLi6q3d3d/PuDg4P8bzF6dXVVzc7OqsnJSR8f2KYHAZ+radllrBUT/rqdErHGV7zziXHb/WX1JbfzoolWlYTYfkxJDJb7wTs7O2p7ezuzf2RkRC0vL+eiaj6+pO8dSzvz8SXzsaYmIKR+TJ9OCyGOJyvaFl+E2C03GZp24xRCq0pCHILB2FCdQNs6avx1y5G2V4hulMJo5ZPTCHEYsXOxAiF2oRR5G5+TmIo4nqC3Lb5UxG65iRC7cQqhFUIcQhT6bEPbOmr8dUsoKmI3TiG08slphDiEyLnZgBC7cYq6lc9JTEUcT8jbFl8qYrfcRIjdOIXQCiEOIQp9tqFtHTX+uiUUFbEbpxBa+eQ0QhxC5NxsQIjdOEXdyuckpiKOJ+Rtiy8VsVtuIsRunEJohRCHEIU+29C2jhp/3RKKitiNUwitfHIaIQ4hcm42IMRunKJu5XMSUxHHE/K2xZeK2C03EWI3TiG0QohDiEKfbWhbR42/bglFRezGKYRWPjmNEIcQOTcbKguxvEta1g+Wd2qaqyWZb9Ay35RV9r35Zq3p6WlWXnKLl1crn5OYitgLdSMbtS2+VMRuaYYQu3EKoVUlIdYrKz388MPZggtaiGX1JP1O6U6nk787+vDwsPB7cVy/j3p4eDgTdlmJSS+XGAKYlGxoW0eNv27ZS0XsximEVj45jRCHEDk3GyoJsd6lvWyhXlXJXHdYlj+Ud1Db6xHLv+tYfcnNPVr5Vg9UxPHkjk8nHXN8fXO67RceLPoQ7jndNyGemJjIBNcWYvlef/R6xFJNS1tzqDtcZPFZ1raOGn/dcrTtwuRGKYxWPjlNRRxG7Fys6IsQi7DKxxZi/b0txHaF7WI4bdwJ+JzEMVdM+OuWGwixG6cQWvnkNEIcQuTcbOiLEOuhaoam3YLQ71Y+JzFC3O+o1Lf/tsWXoWm33EGI3TiF0KoWITYna+3u7uYTsWRyl57EZX5/cHCQtxEIq6uranZ2Nl/D2AXM3t5eNmGMT28Cz1z7pHejghZPP3Kn13Zl4h1MAAAR6klEQVRNb4S/bhGINb7inU+M2+7v+Ivfc0sMo9XeEy9X3qaODWKM79jYWPY0kc+nkhCLsK6srKijo6P8WOfPn89mO5uPKenvpFHZ9+bjS+bjTj5OsE13Am2rmPDX7YxgaNqNUwitfHKaijiEyLnZUEmI3XZJq9AI+JzE4kOsHTX+umVgrPEV73xi3HZ/mTXtdl400QohboL6gI/p02khxAMO0gkO17b4IsRuyUJF7MYphFYIcQhR6LMNbeuo8dctodpeIbpRCqOVT04jxGHEzsUKhNiFUuRtfE5iKuJ4gt62+FIRu+UmQuzGKYRWCHEIUeizDW3rqPHXLaGoiN04hdDKJ6cR4hAi52YDQuzGKepWPicxFXE8IW9bfKmI3XITIXbjFEIrhDiEKPTZhrZ11PjrllBUxG6cQmjlk9MIcQiRc7MBIXbjFHUrn5OYijiekLctvlTEbrmJELtxCqEVQhxCFPpsQ9s6avx1SygqYjdOIbTyyWmEOITIudmAELtxirqVz0lMRRxPyNsWXypit9xEiN04hdCqFiG2X305PT2dL2lovuLSfJWl+YpLs30IUFKzoW0dNf66ZTAVsRunEFr55DRCHELk3GyoTYi3trbU/Py8Ghoayo9sLgbR6XTyxR2kwebmplpaWlLDw8NqbW1NydrE8s5qPvUT8DmJqYjrj0O/9ti2+FIRu2USQuzGKYRWfRVivRyiFlj9b1mnWD4ivvLR6xTrf4cAJiUb2tZR469b9lIRu3EKoZVPTiPEIUTOzYbahNhclclckWlqaiqvdEWIJyYmcstMIRZxnpubc7OaVpUI+JzEVMSVEDfauG3xpSJ2SzeE2I1TCK1qEWLTEblfvL6+rhYWFtSVK1eUKcS68tXttRDLEPbOzg5C3KeMaFtHjb9uiURF7MYphFY+OY0QhxA5NxtqF+Jbt26pjY0NNTMzc5sQ1zk0vbe3p/b39928bHkrn0W2BVmsC6njr1vCxxpf8c4nxm33d/zF77klhtFq74mXK29TxwYxxndsbEyNj497uV+7EEtFrCdiyd9SBS8uLqrd3d38+4ODg/xvsXp1dVXNzs6qyclJLyfYqDsBn6tphqbjyaq2xZehabfcpCJ24xRCq1qE2HxEaWRkRC0vL+eiav6m7x2L4+bjS+ZjTSFASc2GtnXU+OuWwQxNu3EKoZVPTrddiPef/pJX6Mae+YvXdifZqBYhPokBbNt/Aj4nMRVx/+NS1xHaFl8qYrfMQYgRYrdModVACLSto8Zft7SiInbjFEIrn5xGiBHiEHIXG/6fgM9JTEUcT/q0Lb5UxG65iRAjxG6ZQquBEGhbR42/bmlFRezGKYRWPjmNECPEIeQuNlARV8qBWIXJp5OOecSDitgtrRFihNgtU2g1EAJt66jx1y2tYr3wQIj94uszi7iJGcR1xdfHXzl2Ez4za9otp6NuhTC5hS9WYWpbfOvqqN2yIoxWPjGmIqYiDiN7sSIj4HMSxzx0ib9uiR/rhYdvTrfdX58KsYnqsK74+vhLRezWd9DKgwDC5AYt1o66bfGtq6N2y4owWvnEmIqYirhn9ppv1pqenmbBh57E/Bv4nMRUxP68B71l2+KLELtlGEKMEHfNFPN91MPDw2ptbS1bm1ivW+yWZv6tfDquWKsl304LIfbPr0Fv6ZPPMcfXN6fbdg4jxAhx175IL4dorkcsG+h/97sj8+m42nYSx9xR+8QXf/t91tW7f58Yt+0cRogR4spCfPPmzYENT3MSu3WKsXZcPvFFiN1yIpRWPjGONZ/rGgHwmbzEZK3BZHwjjy/ZFfG7776rdnZ2EOI+xdyn00KY+hSMPuy2bfGtS5j6EIq+7dInxlTEVMSVK2KGpvt2DvP4kiPaWCsmn0465gsthNgtoRFihLhrppiTtaTh6uqqmp2dzdcwdkmzvb09tb+/79KUNhCAAAQgAIG+EhgbG1Pj4+Nex2hkaFosNR9fevLJJwc2UcuLEhtBAAIQgAAE+kSgMSHukz/sFgIQgAAEIBAVAYQ4qnBhLAQgAAEIpEYAIU4tovgDAQhAAAJREUCIowoXxkIAAhCAQGoEEOLUIoo/EIAABCAQFQGEOKpwYSwEIAABCKRGACFOLaL4AwEIQAACURFAiKMKF8ZCAAIQgEBqBFopxLdu3VIbGxtqZmam0tu8dPAH/W7supPu+eefV1NTU12XnTR9dGlft40n2Z/EV5bWlLfczM3NnWRXQWyr/bl+/bqamJhQFy5cUKOjowOxLZRcN18AJI6fP3++tmVTm/RRzq33338/j+lJ+ybfpJC3HW5tban5+Xk1NDTku5ue2x0eHqqLFy8qWeRHPiMjI2p5edmrH+55sJIGTTHuZi9CPDlZOZ5NnriVjS3YwEVYYxZi6VReeeWVzPPHH3+8tpO8qRNYREivTia+yX+PPPJIaSrYi6qcJGdCyHXxR+xYXFzMREL8X19fVwsLC11j62q7a7uTcCzbVs7Ff/zjH+orX/lK9nbBpnJskEJ86dIlde7cuexi0jWWdbJvijFCbBEwA3H33Xcfq47NhHzppZeyLbe3t7P/66twOXGvXbum/v3vfyupUqanp/PKS3579tlns/YPPPBA3nnUmUgn3ZcpxObfcrWqTxLhoFfEkjbyHtU//vGP6ujo6Fg1YlYqJoeT2niS7bUQ6X3oda7N2JjxuXHjRmHMzPY/+MEPsspF4i0f7esg/DeF2OQiMVpZWclioivlt956S73wwgtZs6LvtN36YkVyWK7GJVe/+tWvql/96lfHqhQ713VO7+7uZhc7sv3HH3+cVXSyz7pzX3Ky6F30OsZf+9rXCs/fhx56SP3yl7/MOOiq68qVK/lIkJ3r5vk8SB/l3LrvvvvUn/70p+x9+3Z/VNSfSL6aq9VpFuKzrjbNSlOOYfZjP/vZz9Sbb755rO/S/Z60+/Of/5znzvDwcMZXfy994OTkZOFxXM5Zk7se1THz26yYtQ+yX53n8rd+JbL4pftm/Z3wkv199NFH2cWr5LucB3JO6PNB+3TPPfeoV1999VjfbrKSfUp+yeiaPu/rHIkxebW+Iu4lxLK4hFyJS/JLgPXfzz33XDakctddd+UdhYDd3NxUS0tL2dWeBFWCr4XAJVEH0cZHiMs4aCZitySs+Hr69OlBuFF4DPMiSxro4Tb5W9+OMGNeFjM5AeVC7LHHHsuHge0raX3SS07003/dOYng6mE8scW0z6zqzIpYOljpWL///e9nNurYS35K5/bUU0+p+++/P4udfMSXq1ev5hW47FfnunDTMTa3l3ibC7nUmfv2fnXQtb9nz54tvZC2BavbRWdTPmqbRDTkP9OfstwUwdUXzFpU5DabxFkqaxFKu6Awz1+5WNKCqi9ytNhJPkg8dd+lhUjf5tG3SfR5bp4DLkPaRUJs2vqHP/yh0AfZt3lRJn8LL3sUQb43+2a5MDl16lRWKJX5ZPog55RmJcc0+/CyXKyjs0OIe1TE+l5qWbVodm7yt04O+XtQwz1VE8FHiIs4SPUlFxpaeJsc4tMMTOZl4msKsXlC2zGTk7Lb/TsRvEH6ryvgM2fOKLP60b7rSk6EVD7SSdmjALqi+MIXvnDsnqCZE2Yc7Zhqkbe3l3b9yP1BCXFRhTkIHzV3EU8RRRl5eeONN7L5K71yU85JueiRi02p3n7961/nlZvEWVeAly9fzkcCys4P86JVBKjsQkdskv3JBYO0qzrM202Iu/kgfpoXmPacAbFfLi7ko2Np21Y2imLaZLKyL3bNvr7uYgMhrlGI9QQEXQGnLsRm0kqShiDERSdo0VCWObSsRavo4klXo9LeHga177UPwn8tTN/5zneyyrVoco3dYZn+FV2w6Ct/fbHlI8T2fem6ct93aFq4VKmIXYS4Hz6aOST7/9vf/paFSIT4gw8+yC+o7NzUvonYysesku2JfOYxTirEdlzrEGI9NC2jT+b9Y7PAsI9bNs/FzN2TCnHRRYPL/JqqhZG0b6UQ2ye3XSHqoQmpiKpUxHIChD40bQ8t2Z223HPR9/vMe8RlHEIami7qFPSwk9x/k8pBX8mbgtQrZnp499vf/vaxYdBBDU3//ve/z4fr9DF/+tOfZhVQ0a0Ae2ja9M9HiOX+muSEDIOaQ9PmLNt+DU3rKkT+r2fA2xN8ys7fsnupwkwYmbnelI/2cLkMpepbEOJzWW7qPuzTTz9VP/7xj7Ph6LJbYa5CbE6AM4dxzSdM6h6aLoqlfTuv23mtJ/DpvHYVYsljqWr1qJHux8w+X+eetoehaZ9LjJJt9A1+c2KROelF7rHIR66oqwqxBNasyEKbrKVtM+0yJ0fI9/KRGY32ZK0iIdb3AvWEiaYnaxVVYbrDEgF+7bXXjg3d6YkXRTHrdDqFE1J0W+2rOWGkX/6b+WlOwjG/l7jpyl9/L21FQM0JXOYEGFNIuw1Nv/fee+qdd97JJ7+IIBax7mfum5ztR17Kzl8dQy1sMp9DT2ayc70pH+0KSxhKnuq5AN2Yyrbm/Uz70SAzR/X5260ilslssj+ZmKT7CMkr+1HPsnx06aZ7Pb5U5MPXv/71Y5O1is49PQxv9lvdKmLp2z/zmc9kF+f2xDbz0U7bHiZruUSZNhAoIWALxyCGkQkGBCAAARcCrRyadgFDm/QIdKuq0vMWjyAAgVgIIMSxRAo7IQABCEAgSQIIcZJhxSkIQAACEIiFAEIcS6SwEwIQgAAEkiSAECcZVpyCAAQgAIFYCCDEsUQKOyEAAQhAIEkCCHGSYcUpCEAAAhCIhQBCHEuksBMCEIAABJIkgBAnGVacggAEIACBWAggxLFECjshAAEIQCBJAghxkmHFKQhAAAIQiIUAQhxLpLATAhCAAASSJIAQJxlWnIIABCAAgVgIIMSxRAo7IQABCEAgSQIIcZJhxSkIQAACEIiFAEIcS6SwEwIQgAAEkiSAECcZVpyCAAQgAIFYCCDEsUQKO5Mk8Prrr2d+Pfroo9n/Dw8P1aVLl9S5c+fU6Oioev7559X29rYaGRlRy8vLanJyUtnb1AXmww8/VCsrK+rBBx9Uc3Nzx3Yrdrz99tu5DUV21WUH+4FA2wggxG2LOP4GRaCbEIswyu+Li4uq0+moN998U33rW9/qqxD/5je/UXfccYdaWlrKLgTkI3a88sor2d+PP/54drFQZFdQYDEGAhERQIgjChamxkPgif96v9TYF39yKv/NVYiHhoZKt+lFZf/pL5U2GXvmL/lvIrhbW1vqnnvuUcPDw3mVLjbKhcA///lPNTMzc0yITbt62cHvEIBAMQGEmMyAQB8IVBHiF1544ZgFExMT6sKFC5kYrq2tqevXr6vz58+r06dPZ+2qDk1XFeJvfOMb6o033lDz8/PZ8V566SX1zW9+U7366quZEN99992FdvUBI7uEQCsIIMStCDNODppAFSEW28ruEctvMhR88eJFderUqezebb+F+Ic//KH63e9+l1e/Ozs76uzZs2pjYyP7Tu5TF9k1aMYcDwKpEECIU4kkfgRFoE4h1qK3urqqZmdn1QcffJD5qsW7l+NVK2KphK9evZrt9ubNm2pqakrdf//9twmxbZcW6F728DsEIHCcAEJMRkCgDwTqEOK33npLyTC1DEnL/dvNzc1sEpV8328h3t3dzWZQ33vvvdlkMfnoilguBIrs0pO7+oCTXUIgaQIIcdLhxbmmCNQhxGK7DElLVSoffZ9YhqbN+8pPPvlk1+rYpyKWSVjyiJIIrlTet27dyoX4rrvuKrSrKdYcFwKxE0CIY48g9gdJwFWIB2G8qxAPwhaOAQEI3E4AISYrIAABCEAAAg0SQIgbhM+hIQABCEAAAggxOQABCEAAAhBokABC3CB8Dg0BCEAAAhBAiMkBCEAAAhCAQIMEEOIG4XNoCEAAAhCAAEJMDkAAAhCAAAQaJIAQNwifQ0MAAhCAAAQQYnIAAhCAAAQg0CABhLhB+BwaAhCAAAQggBCTAxCAAAQgAIEGCSDEDcLn0BCAAAQgAAGEmByAAAQgAAEINEgAIW4QPoeGAAQgAAEIIMTkAAQgAAEIQKBBAghxg/A5NAQgAAEIQCAX4g8++ODNO+644z9BAgEIQAACEIDA4Ah8+umn//2/Ee7bZT7M18gAAAAASUVORK5CYII="/>
+          <p:cNvSpPr>
+            <a:spLocks noChangeAspect="1" noChangeArrowheads="1"/>
+          </p:cNvSpPr>
+          <p:nvPr/>
+        </p:nvSpPr>
+        <p:spPr bwMode="auto">
+          <a:xfrm>
+            <a:off x="0" y="0"/>
+            <a:ext cx="304800" cy="304800"/>
+          </a:xfrm>
+          <a:prstGeom prst="rect">
+            <a:avLst/>
+          </a:prstGeom>
+          <a:noFill/>
+          <a:extLst>
+            <a:ext uri="{909E8E84-426E-40DD-AFC4-6F175D3DCCD1}">
+              <a14:hiddenFill xmlns:a14="http://schemas.microsoft.com/office/drawing/2010/main">
+                <a:solidFill>
+                  <a:srgbClr val="FFFFFF"/>
+                </a:solidFill>
+              </a14:hiddenFill>
+            </a:ext>
+          </a:extLst>
+        </p:spPr>
+        <p:txBody>
+          <a:bodyPr vert="horz" wrap="square" lIns="91440" tIns="45720" rIns="91440" bIns="45720" numCol="1" anchor="t" anchorCtr="0" compatLnSpc="1">
+            <a:prstTxWarp prst="textNoShape">
+              <a:avLst/>
+            </a:prstTxWarp>
+          </a:bodyPr>
+          <a:lstStyle/>
+          <a:p>
+            <a:endParaRPr lang="pt-BR"/>
+          </a:p>
+        </p:txBody>
+      </p:sp>
+      <p:graphicFrame>
+        <p:nvGraphicFramePr>
+          <p:cNvPr id="6" name="Gráfico 5">
+            <a:extLst>
+              <a:ext uri="{FF2B5EF4-FFF2-40B4-BE49-F238E27FC236}">
+                <a16:creationId xmlns:a16="http://schemas.microsoft.com/office/drawing/2014/main" id="{00000000-0008-0000-0200-000002000000}"/>
+              </a:ext>
+            </a:extLst>
+          </p:cNvPr>
+          <p:cNvGraphicFramePr>
+            <a:graphicFrameLocks/>
+          </p:cNvGraphicFramePr>
+          <p:nvPr>
+            <p:extLst>
+              <p:ext uri="{D42A27DB-BD31-4B8C-83A1-F6EECF244321}">
+                <p14:modId xmlns:p14="http://schemas.microsoft.com/office/powerpoint/2010/main" val="3495030822"/>
+              </p:ext>
+            </p:extLst>
+          </p:nvPr>
+        </p:nvGraphicFramePr>
+        <p:xfrm>
+          <a:off x="1306946" y="2833255"/>
+          <a:ext cx="4572000" cy="2743200"/>
+        </p:xfrm>
+        <a:graphic>
+          <a:graphicData uri="http://schemas.openxmlformats.org/drawingml/2006/chart">
+            <c:chart xmlns:c="http://schemas.openxmlformats.org/drawingml/2006/chart" xmlns:r="http://schemas.openxmlformats.org/officeDocument/2006/relationships" r:id="rId2"/>
+          </a:graphicData>
+        </a:graphic>
+      </p:graphicFrame>
+      <p:graphicFrame>
+        <p:nvGraphicFramePr>
+          <p:cNvPr id="7" name="Gráfico 6">
+            <a:extLst>
+              <a:ext uri="{FF2B5EF4-FFF2-40B4-BE49-F238E27FC236}">
+                <a16:creationId xmlns:a16="http://schemas.microsoft.com/office/drawing/2014/main" id="{00000000-0008-0000-0200-000004000000}"/>
+              </a:ext>
+            </a:extLst>
+          </p:cNvPr>
+          <p:cNvGraphicFramePr>
+            <a:graphicFrameLocks/>
+          </p:cNvGraphicFramePr>
+          <p:nvPr>
+            <p:extLst>
+              <p:ext uri="{D42A27DB-BD31-4B8C-83A1-F6EECF244321}">
+                <p14:modId xmlns:p14="http://schemas.microsoft.com/office/powerpoint/2010/main" val="3283401837"/>
+              </p:ext>
+            </p:extLst>
+          </p:nvPr>
+        </p:nvGraphicFramePr>
+        <p:xfrm>
+          <a:off x="6737927" y="2833255"/>
+          <a:ext cx="4572000" cy="2743200"/>
+        </p:xfrm>
+        <a:graphic>
+          <a:graphicData uri="http://schemas.openxmlformats.org/drawingml/2006/chart">
+            <c:chart xmlns:c="http://schemas.openxmlformats.org/drawingml/2006/chart" xmlns:r="http://schemas.openxmlformats.org/officeDocument/2006/relationships" r:id="rId3"/>
+          </a:graphicData>
+        </a:graphic>
+      </p:graphicFrame>
     </p:spTree>
     <p:extLst>
       <p:ext uri="{BB962C8B-B14F-4D97-AF65-F5344CB8AC3E}">
@@ -10017,6 +12537,13 @@
   <p:clrMapOvr>
     <a:masterClrMapping/>
   </p:clrMapOvr>
+  <p:timing>
+    <p:tnLst>
+      <p:par>
+        <p:cTn id="1" dur="indefinite" restart="never" nodeType="tmRoot"/>
+      </p:par>
+    </p:tnLst>
+  </p:timing>
 </p:sld>
 </file>
 
@@ -10291,15 +12818,6 @@
 </file>
 
 <file path=customXml/item2.xml><?xml version="1.0" encoding="utf-8"?>
-<p:properties xmlns:p="http://schemas.microsoft.com/office/2006/metadata/properties" xmlns:xsi="http://www.w3.org/2001/XMLSchema-instance" xmlns:pc="http://schemas.microsoft.com/office/infopath/2007/PartnerControls">
-  <documentManagement>
-    <PublishingExpirationDate xmlns="http://schemas.microsoft.com/sharepoint/v3" xsi:nil="true"/>
-    <PublishingStartDate xmlns="http://schemas.microsoft.com/sharepoint/v3" xsi:nil="true"/>
-  </documentManagement>
-</p:properties>
-</file>
-
-<file path=customXml/item3.xml><?xml version="1.0" encoding="utf-8"?>
 <ct:contentTypeSchema xmlns:ct="http://schemas.microsoft.com/office/2006/metadata/contentType" xmlns:ma="http://schemas.microsoft.com/office/2006/metadata/properties/metaAttributes" ct:_="" ma:_="" ma:contentTypeName="Documento" ma:contentTypeID="0x010100723D2CAF8F6D454386B6D2F8A0DCF231" ma:contentTypeVersion="2" ma:contentTypeDescription="Crie um novo documento." ma:contentTypeScope="" ma:versionID="c0858f29dd66d52c8696a7587490b468">
   <xsd:schema xmlns:xsd="http://www.w3.org/2001/XMLSchema" xmlns:xs="http://www.w3.org/2001/XMLSchema" xmlns:p="http://schemas.microsoft.com/office/2006/metadata/properties" xmlns:ns1="http://schemas.microsoft.com/sharepoint/v3" targetNamespace="http://schemas.microsoft.com/office/2006/metadata/properties" ma:root="true" ma:fieldsID="b1e67541914f58e7f62cd871ab279784" ns1:_="">
     <xsd:import namespace="http://schemas.microsoft.com/sharepoint/v3"/>
@@ -10431,6 +12949,15 @@
 </ct:contentTypeSchema>
 </file>
 
+<file path=customXml/item3.xml><?xml version="1.0" encoding="utf-8"?>
+<p:properties xmlns:p="http://schemas.microsoft.com/office/2006/metadata/properties" xmlns:xsi="http://www.w3.org/2001/XMLSchema-instance" xmlns:pc="http://schemas.microsoft.com/office/infopath/2007/PartnerControls">
+  <documentManagement>
+    <PublishingExpirationDate xmlns="http://schemas.microsoft.com/sharepoint/v3" xsi:nil="true"/>
+    <PublishingStartDate xmlns="http://schemas.microsoft.com/sharepoint/v3" xsi:nil="true"/>
+  </documentManagement>
+</p:properties>
+</file>
+
 <file path=customXml/itemProps1.xml><?xml version="1.0" encoding="utf-8"?>
 <ds:datastoreItem xmlns:ds="http://schemas.openxmlformats.org/officeDocument/2006/customXml" ds:itemID="{F6787597-DDBA-41B4-A0C3-4E2D2241CA34}">
   <ds:schemaRefs>
@@ -10440,22 +12967,6 @@
 </file>
 
 <file path=customXml/itemProps2.xml><?xml version="1.0" encoding="utf-8"?>
-<ds:datastoreItem xmlns:ds="http://schemas.openxmlformats.org/officeDocument/2006/customXml" ds:itemID="{5F17BE90-3239-45E4-8E7C-04C1ECDC6112}">
-  <ds:schemaRefs>
-    <ds:schemaRef ds:uri="http://schemas.microsoft.com/office/infopath/2007/PartnerControls"/>
-    <ds:schemaRef ds:uri="http://www.w3.org/XML/1998/namespace"/>
-    <ds:schemaRef ds:uri="http://purl.org/dc/elements/1.1/"/>
-    <ds:schemaRef ds:uri="http://schemas.microsoft.com/office/2006/documentManagement/types"/>
-    <ds:schemaRef ds:uri="http://purl.org/dc/dcmitype/"/>
-    <ds:schemaRef ds:uri="http://schemas.openxmlformats.org/package/2006/metadata/core-properties"/>
-    <ds:schemaRef ds:uri="http://schemas.microsoft.com/office/2006/metadata/properties"/>
-    <ds:schemaRef ds:uri="http://purl.org/dc/terms/"/>
-    <ds:schemaRef ds:uri="http://schemas.microsoft.com/sharepoint/v3"/>
-  </ds:schemaRefs>
-</ds:datastoreItem>
-</file>
-
-<file path=customXml/itemProps3.xml><?xml version="1.0" encoding="utf-8"?>
 <ds:datastoreItem xmlns:ds="http://schemas.openxmlformats.org/officeDocument/2006/customXml" ds:itemID="{C4046F3B-6BA2-4AF8-9DF3-38A821388055}">
   <ds:schemaRefs>
     <ds:schemaRef ds:uri="http://schemas.microsoft.com/office/2006/metadata/contentType"/>
@@ -10471,4 +12982,20 @@
     <ds:schemaRef ds:uri="http://schemas.microsoft.com/internal/obd"/>
   </ds:schemaRefs>
 </ds:datastoreItem>
+</file>
+
+<file path=customXml/itemProps3.xml><?xml version="1.0" encoding="utf-8"?>
+<ds:datastoreItem xmlns:ds="http://schemas.openxmlformats.org/officeDocument/2006/customXml" ds:itemID="{5F17BE90-3239-45E4-8E7C-04C1ECDC6112}">
+  <ds:schemaRefs>
+    <ds:schemaRef ds:uri="http://schemas.microsoft.com/office/infopath/2007/PartnerControls"/>
+    <ds:schemaRef ds:uri="http://www.w3.org/XML/1998/namespace"/>
+    <ds:schemaRef ds:uri="http://purl.org/dc/elements/1.1/"/>
+    <ds:schemaRef ds:uri="http://schemas.microsoft.com/office/2006/documentManagement/types"/>
+    <ds:schemaRef ds:uri="http://purl.org/dc/dcmitype/"/>
+    <ds:schemaRef ds:uri="http://schemas.openxmlformats.org/package/2006/metadata/core-properties"/>
+    <ds:schemaRef ds:uri="http://schemas.microsoft.com/office/2006/metadata/properties"/>
+    <ds:schemaRef ds:uri="http://purl.org/dc/terms/"/>
+    <ds:schemaRef ds:uri="http://schemas.microsoft.com/sharepoint/v3"/>
+  </ds:schemaRefs>
+</ds:datastoreItem>
 </file>